--- a/documents/Five-Networks_Bar-Chart-Analysis_BK20161116.pptx
+++ b/documents/Five-Networks_Bar-Chart-Analysis_BK20161116.pptx
@@ -143,7 +143,7 @@
               <c:strCache>
                 <c:ptCount val="1"/>
                 <c:pt idx="0">
-                  <c:v>wt</c:v>
+                  <c:v>WT</c:v>
                 </c:pt>
               </c:strCache>
             </c:strRef>
@@ -245,52 +245,52 @@
                 <c:formatCode>General</c:formatCode>
                 <c:ptCount val="27"/>
                 <c:pt idx="0">
-                  <c:v>5.7591382252151602E-2</c:v>
+                  <c:v>0.0575913822521516</c:v>
                 </c:pt>
                 <c:pt idx="1">
-                  <c:v>0.13386077051995146</c:v>
+                  <c:v>0.133860770519951</c:v>
                 </c:pt>
                 <c:pt idx="2">
-                  <c:v>0.29000495831757078</c:v>
+                  <c:v>0.290004958317571</c:v>
                 </c:pt>
                 <c:pt idx="3">
-                  <c:v>0.15817971463889477</c:v>
+                  <c:v>0.158179714638895</c:v>
                 </c:pt>
                 <c:pt idx="4">
-                  <c:v>1.5298861943696069</c:v>
+                  <c:v>1.529886194369607</c:v>
                 </c:pt>
                 <c:pt idx="5">
-                  <c:v>1.1528159878875472</c:v>
+                  <c:v>1.152815987887547</c:v>
                 </c:pt>
                 <c:pt idx="8">
-                  <c:v>0.18121602900685585</c:v>
+                  <c:v>0.181216029006856</c:v>
                 </c:pt>
                 <c:pt idx="10">
-                  <c:v>0.3601097594850155</c:v>
+                  <c:v>0.360109759485015</c:v>
                 </c:pt>
                 <c:pt idx="11">
-                  <c:v>2.3447714372178523</c:v>
+                  <c:v>2.344771437217852</c:v>
                 </c:pt>
                 <c:pt idx="12">
-                  <c:v>0.48329066717021735</c:v>
+                  <c:v>0.483290667170217</c:v>
                 </c:pt>
                 <c:pt idx="16">
-                  <c:v>0.57385254198006319</c:v>
+                  <c:v>0.573852541980063</c:v>
                 </c:pt>
                 <c:pt idx="19">
-                  <c:v>1.0066312765504999</c:v>
+                  <c:v>1.0066312765505</c:v>
                 </c:pt>
                 <c:pt idx="21">
-                  <c:v>0.22781834436110557</c:v>
+                  <c:v>0.227818344361106</c:v>
                 </c:pt>
                 <c:pt idx="24">
-                  <c:v>0.15130237614051389</c:v>
+                  <c:v>0.151302376140514</c:v>
                 </c:pt>
                 <c:pt idx="25">
-                  <c:v>0.78559345347797105</c:v>
+                  <c:v>0.785593453477971</c:v>
                 </c:pt>
                 <c:pt idx="26">
-                  <c:v>0.12653346989016581</c:v>
+                  <c:v>0.126533469890166</c:v>
                 </c:pt>
               </c:numCache>
             </c:numRef>
@@ -305,7 +305,7 @@
               <c:strCache>
                 <c:ptCount val="1"/>
                 <c:pt idx="0">
-                  <c:v>dgln3</c:v>
+                  <c:v>GLN3</c:v>
                 </c:pt>
               </c:strCache>
             </c:strRef>
@@ -407,46 +407,46 @@
                 <c:formatCode>General</c:formatCode>
                 <c:ptCount val="27"/>
                 <c:pt idx="5">
-                  <c:v>1.2710036412433154</c:v>
+                  <c:v>1.271003641243315</c:v>
                 </c:pt>
                 <c:pt idx="7">
-                  <c:v>0.16084584396078114</c:v>
+                  <c:v>0.160845843960781</c:v>
                 </c:pt>
                 <c:pt idx="9">
-                  <c:v>0.22037037495467104</c:v>
+                  <c:v>0.220370374954671</c:v>
                 </c:pt>
                 <c:pt idx="10">
-                  <c:v>0.28447758046636562</c:v>
+                  <c:v>0.284477580466366</c:v>
                 </c:pt>
                 <c:pt idx="11">
-                  <c:v>1.2569258717132032</c:v>
+                  <c:v>1.256925871713203</c:v>
                 </c:pt>
                 <c:pt idx="12">
-                  <c:v>0.18292618613422346</c:v>
+                  <c:v>0.182926186134223</c:v>
                 </c:pt>
                 <c:pt idx="16">
-                  <c:v>0.52015651921259665</c:v>
+                  <c:v>0.520156519212597</c:v>
                 </c:pt>
                 <c:pt idx="17">
-                  <c:v>1.320347751917089</c:v>
+                  <c:v>1.32034775191709</c:v>
                 </c:pt>
                 <c:pt idx="19">
-                  <c:v>1.1973293602179456</c:v>
+                  <c:v>1.197329360217946</c:v>
                 </c:pt>
                 <c:pt idx="21">
-                  <c:v>0.28779839939802465</c:v>
+                  <c:v>0.287798399398025</c:v>
                 </c:pt>
                 <c:pt idx="22">
-                  <c:v>2.3057772442596476</c:v>
+                  <c:v>2.305777244259648</c:v>
                 </c:pt>
                 <c:pt idx="23">
-                  <c:v>1.5765336788671458</c:v>
+                  <c:v>1.576533678867146</c:v>
                 </c:pt>
                 <c:pt idx="24">
-                  <c:v>0.53884152986947742</c:v>
+                  <c:v>0.538841529869477</c:v>
                 </c:pt>
                 <c:pt idx="25">
-                  <c:v>0.79251191598987536</c:v>
+                  <c:v>0.792511915989875</c:v>
                 </c:pt>
               </c:numCache>
             </c:numRef>
@@ -461,7 +461,7 @@
               <c:strCache>
                 <c:ptCount val="1"/>
                 <c:pt idx="0">
-                  <c:v>dhap4</c:v>
+                  <c:v>HAP4</c:v>
                 </c:pt>
               </c:strCache>
             </c:strRef>
@@ -563,49 +563,49 @@
                 <c:formatCode>General</c:formatCode>
                 <c:ptCount val="27"/>
                 <c:pt idx="1">
-                  <c:v>0.16323432499926988</c:v>
+                  <c:v>0.16323432499927</c:v>
                 </c:pt>
                 <c:pt idx="4">
-                  <c:v>2.0267702430394277</c:v>
+                  <c:v>2.026770243039428</c:v>
                 </c:pt>
                 <c:pt idx="5">
-                  <c:v>0.9511355519501179</c:v>
+                  <c:v>0.951135551950118</c:v>
                 </c:pt>
                 <c:pt idx="9">
-                  <c:v>0.23511012771516712</c:v>
+                  <c:v>0.235110127715167</c:v>
                 </c:pt>
                 <c:pt idx="10">
-                  <c:v>0.28784140104497197</c:v>
+                  <c:v>0.287841401044972</c:v>
                 </c:pt>
                 <c:pt idx="11">
-                  <c:v>1.6725818440222211</c:v>
+                  <c:v>1.672581844022221</c:v>
                 </c:pt>
                 <c:pt idx="12">
-                  <c:v>0.23866431013598668</c:v>
+                  <c:v>0.238664310135987</c:v>
                 </c:pt>
                 <c:pt idx="16">
-                  <c:v>0.8824240577061403</c:v>
+                  <c:v>0.88242405770614</c:v>
                 </c:pt>
                 <c:pt idx="19">
-                  <c:v>1.2093964255556602</c:v>
+                  <c:v>1.20939642555566</c:v>
                 </c:pt>
                 <c:pt idx="20">
-                  <c:v>0.32038832328011063</c:v>
+                  <c:v>0.320388323280111</c:v>
                 </c:pt>
                 <c:pt idx="21">
-                  <c:v>0.24117622274449829</c:v>
+                  <c:v>0.241176222744498</c:v>
                 </c:pt>
                 <c:pt idx="22">
-                  <c:v>1.2497459694622715</c:v>
+                  <c:v>1.249745969462271</c:v>
                 </c:pt>
                 <c:pt idx="24">
-                  <c:v>0.34107830277955481</c:v>
+                  <c:v>0.341078302779555</c:v>
                 </c:pt>
                 <c:pt idx="25">
-                  <c:v>0.86462662584286076</c:v>
+                  <c:v>0.864626625842861</c:v>
                 </c:pt>
                 <c:pt idx="26">
-                  <c:v>0.12981371615489459</c:v>
+                  <c:v>0.129813716154895</c:v>
                 </c:pt>
               </c:numCache>
             </c:numRef>
@@ -620,7 +620,7 @@
               <c:strCache>
                 <c:ptCount val="1"/>
                 <c:pt idx="0">
-                  <c:v>dzap1</c:v>
+                  <c:v>ZAP1</c:v>
                 </c:pt>
               </c:strCache>
             </c:strRef>
@@ -722,52 +722,52 @@
                 <c:formatCode>General</c:formatCode>
                 <c:ptCount val="27"/>
                 <c:pt idx="0">
-                  <c:v>5.756589019470186E-2</c:v>
+                  <c:v>0.0575658901947018</c:v>
                 </c:pt>
                 <c:pt idx="1">
-                  <c:v>0.23145434906630083</c:v>
+                  <c:v>0.231454349066301</c:v>
                 </c:pt>
                 <c:pt idx="5">
-                  <c:v>1.9156809251889879</c:v>
+                  <c:v>1.915680925188988</c:v>
                 </c:pt>
                 <c:pt idx="6">
-                  <c:v>0.29166693111711317</c:v>
+                  <c:v>0.291666931117113</c:v>
                 </c:pt>
                 <c:pt idx="8">
-                  <c:v>4.560682304584536E-2</c:v>
+                  <c:v>0.0456068230458454</c:v>
                 </c:pt>
                 <c:pt idx="9">
-                  <c:v>0.2277955092685898</c:v>
+                  <c:v>0.22779550926859</c:v>
                 </c:pt>
                 <c:pt idx="10">
-                  <c:v>1.3572035748040747</c:v>
+                  <c:v>1.357203574804075</c:v>
                 </c:pt>
                 <c:pt idx="11">
-                  <c:v>1.7046201005100143</c:v>
+                  <c:v>1.704620100510014</c:v>
                 </c:pt>
                 <c:pt idx="12">
-                  <c:v>0.23899233341381584</c:v>
+                  <c:v>0.238992333413816</c:v>
                 </c:pt>
                 <c:pt idx="13">
-                  <c:v>0.10790896541949431</c:v>
+                  <c:v>0.107908965419494</c:v>
                 </c:pt>
                 <c:pt idx="14">
-                  <c:v>0.14293595507207629</c:v>
+                  <c:v>0.142935955072076</c:v>
                 </c:pt>
                 <c:pt idx="15">
-                  <c:v>0.30759423527027474</c:v>
+                  <c:v>0.307594235270275</c:v>
                 </c:pt>
                 <c:pt idx="16">
-                  <c:v>1.3538832407580679</c:v>
+                  <c:v>1.353883240758068</c:v>
                 </c:pt>
                 <c:pt idx="17">
-                  <c:v>1.4053763683375113</c:v>
+                  <c:v>1.405376368337511</c:v>
                 </c:pt>
                 <c:pt idx="21">
-                  <c:v>0.21276403967125621</c:v>
+                  <c:v>0.212764039671256</c:v>
                 </c:pt>
                 <c:pt idx="26">
-                  <c:v>0.13066169745090392</c:v>
+                  <c:v>0.130661697450904</c:v>
                 </c:pt>
               </c:numCache>
             </c:numRef>
@@ -782,11 +782,11 @@
           <c:showBubbleSize val="0"/>
         </c:dLbls>
         <c:gapWidth val="150"/>
-        <c:axId val="36261888"/>
-        <c:axId val="42317440"/>
+        <c:axId val="2133105848"/>
+        <c:axId val="2132830920"/>
       </c:barChart>
       <c:catAx>
-        <c:axId val="36261888"/>
+        <c:axId val="2133105848"/>
         <c:scaling>
           <c:orientation val="minMax"/>
         </c:scaling>
@@ -795,7 +795,7 @@
         <c:majorTickMark val="out"/>
         <c:minorTickMark val="none"/>
         <c:tickLblPos val="nextTo"/>
-        <c:crossAx val="42317440"/>
+        <c:crossAx val="2132830920"/>
         <c:crosses val="autoZero"/>
         <c:auto val="1"/>
         <c:lblAlgn val="ctr"/>
@@ -803,7 +803,7 @@
         <c:noMultiLvlLbl val="0"/>
       </c:catAx>
       <c:valAx>
-        <c:axId val="42317440"/>
+        <c:axId val="2132830920"/>
         <c:scaling>
           <c:orientation val="minMax"/>
         </c:scaling>
@@ -814,7 +814,7 @@
         <c:majorTickMark val="out"/>
         <c:minorTickMark val="none"/>
         <c:tickLblPos val="nextTo"/>
-        <c:crossAx val="36261888"/>
+        <c:crossAx val="2133105848"/>
         <c:crosses val="autoZero"/>
         <c:crossBetween val="between"/>
       </c:valAx>
@@ -834,8 +834,8 @@
     <a:p>
       <a:pPr>
         <a:defRPr sz="1100" b="1">
-          <a:latin typeface="Arial" panose="020B0604020202020204" pitchFamily="34" charset="0"/>
-          <a:cs typeface="Arial" panose="020B0604020202020204" pitchFamily="34" charset="0"/>
+          <a:latin typeface="Arial"/>
+          <a:cs typeface="Arial"/>
         </a:defRPr>
       </a:pPr>
       <a:endParaRPr lang="en-US"/>
@@ -877,7 +877,7 @@
               <c:strCache>
                 <c:ptCount val="1"/>
                 <c:pt idx="0">
-                  <c:v>wt</c:v>
+                  <c:v>WT</c:v>
                 </c:pt>
               </c:strCache>
             </c:strRef>
@@ -979,52 +979,52 @@
                 <c:formatCode>General</c:formatCode>
                 <c:ptCount val="27"/>
                 <c:pt idx="0">
-                  <c:v>5.7591382252151602E-2</c:v>
+                  <c:v>0.0</c:v>
                 </c:pt>
                 <c:pt idx="1">
-                  <c:v>0.26212402839708154</c:v>
+                  <c:v>0.262124028397082</c:v>
                 </c:pt>
                 <c:pt idx="2">
-                  <c:v>4.5168564931748092</c:v>
+                  <c:v>4.51685649317481</c:v>
                 </c:pt>
                 <c:pt idx="3">
-                  <c:v>1.3581243044260709</c:v>
+                  <c:v>1.358124304426071</c:v>
                 </c:pt>
                 <c:pt idx="4">
-                  <c:v>0.76411388816063042</c:v>
+                  <c:v>0.76411388816063</c:v>
                 </c:pt>
                 <c:pt idx="5">
-                  <c:v>2.6975637872373763</c:v>
+                  <c:v>2.697563787237377</c:v>
                 </c:pt>
                 <c:pt idx="8">
                   <c:v>2.422825031475718</c:v>
                 </c:pt>
                 <c:pt idx="10">
-                  <c:v>1.3441263322678942</c:v>
+                  <c:v>1.344126332267894</c:v>
                 </c:pt>
                 <c:pt idx="11">
-                  <c:v>-1.7451397466597762</c:v>
+                  <c:v>-1.745139746659776</c:v>
                 </c:pt>
                 <c:pt idx="12">
-                  <c:v>1.3128831623982176</c:v>
+                  <c:v>1.312883162398218</c:v>
                 </c:pt>
                 <c:pt idx="16">
-                  <c:v>0.89612965557754209</c:v>
+                  <c:v>0.896129655577542</c:v>
                 </c:pt>
                 <c:pt idx="19">
-                  <c:v>1.2433807255932119</c:v>
+                  <c:v>1.243380725593212</c:v>
                 </c:pt>
                 <c:pt idx="21">
-                  <c:v>-3.3940648480900402</c:v>
+                  <c:v>-3.39406484809004</c:v>
                 </c:pt>
                 <c:pt idx="24">
-                  <c:v>0.31282387775833193</c:v>
+                  <c:v>0.312823877758332</c:v>
                 </c:pt>
                 <c:pt idx="25">
-                  <c:v>2.9816172593664287</c:v>
+                  <c:v>2.98161725936643</c:v>
                 </c:pt>
                 <c:pt idx="26">
-                  <c:v>0.12653346989016581</c:v>
+                  <c:v>0.0</c:v>
                 </c:pt>
               </c:numCache>
             </c:numRef>
@@ -1039,7 +1039,7 @@
               <c:strCache>
                 <c:ptCount val="1"/>
                 <c:pt idx="0">
-                  <c:v>dgln3</c:v>
+                  <c:v>GLN3</c:v>
                 </c:pt>
               </c:strCache>
             </c:strRef>
@@ -1144,43 +1144,43 @@
                   <c:v>0.209399465600768</c:v>
                 </c:pt>
                 <c:pt idx="7">
-                  <c:v>0.95036344888317004</c:v>
+                  <c:v>0.95036344888317</c:v>
                 </c:pt>
                 <c:pt idx="9">
-                  <c:v>0.22037037495467104</c:v>
+                  <c:v>0.0</c:v>
                 </c:pt>
                 <c:pt idx="10">
-                  <c:v>1.4824077663028146</c:v>
+                  <c:v>1.482407766302815</c:v>
                 </c:pt>
                 <c:pt idx="11">
-                  <c:v>0.61424595485786815</c:v>
+                  <c:v>0.614245954857868</c:v>
                 </c:pt>
                 <c:pt idx="12">
-                  <c:v>0.87092237677865147</c:v>
+                  <c:v>0.870922376778651</c:v>
                 </c:pt>
                 <c:pt idx="16">
-                  <c:v>1.6614194061490752</c:v>
+                  <c:v>1.661419406149075</c:v>
                 </c:pt>
                 <c:pt idx="17">
-                  <c:v>-1.3479775608470197E-2</c:v>
+                  <c:v>-0.0134797756084702</c:v>
                 </c:pt>
                 <c:pt idx="19">
-                  <c:v>-2.1415072339668561E-2</c:v>
+                  <c:v>-0.0214150723396686</c:v>
                 </c:pt>
                 <c:pt idx="21">
-                  <c:v>0.76607819028229507</c:v>
+                  <c:v>0.766078190282295</c:v>
                 </c:pt>
                 <c:pt idx="22">
-                  <c:v>-2.5538776344065082</c:v>
+                  <c:v>-2.553877634406508</c:v>
                 </c:pt>
                 <c:pt idx="23">
-                  <c:v>0.35100139290608917</c:v>
+                  <c:v>0.351001392906089</c:v>
                 </c:pt>
                 <c:pt idx="24">
-                  <c:v>1.1083415132358481</c:v>
+                  <c:v>1.108341513235848</c:v>
                 </c:pt>
                 <c:pt idx="25">
-                  <c:v>1.6923283337438486</c:v>
+                  <c:v>1.692328333743848</c:v>
                 </c:pt>
               </c:numCache>
             </c:numRef>
@@ -1195,7 +1195,7 @@
               <c:strCache>
                 <c:ptCount val="1"/>
                 <c:pt idx="0">
-                  <c:v>dhap4</c:v>
+                  <c:v>HAP4</c:v>
                 </c:pt>
               </c:strCache>
             </c:strRef>
@@ -1297,49 +1297,49 @@
                 <c:formatCode>General</c:formatCode>
                 <c:ptCount val="27"/>
                 <c:pt idx="1">
-                  <c:v>0.6002479054357498</c:v>
+                  <c:v>0.60024790543575</c:v>
                 </c:pt>
                 <c:pt idx="4">
-                  <c:v>-1.7883837756758569</c:v>
+                  <c:v>-1.788383775675857</c:v>
                 </c:pt>
                 <c:pt idx="5">
-                  <c:v>2.3689832320974893</c:v>
+                  <c:v>2.36898323209749</c:v>
                 </c:pt>
                 <c:pt idx="9">
-                  <c:v>0.23511012771516712</c:v>
+                  <c:v>0.0</c:v>
                 </c:pt>
                 <c:pt idx="10">
-                  <c:v>0.82055592354002826</c:v>
+                  <c:v>0.820555923540028</c:v>
                 </c:pt>
                 <c:pt idx="11">
-                  <c:v>0.72661564552165336</c:v>
+                  <c:v>0.726615645521653</c:v>
                 </c:pt>
                 <c:pt idx="12">
-                  <c:v>0.96802405317712525</c:v>
+                  <c:v>0.968024053177125</c:v>
                 </c:pt>
                 <c:pt idx="16">
-                  <c:v>4.7489241175100325</c:v>
+                  <c:v>4.748924117510032</c:v>
                 </c:pt>
                 <c:pt idx="19">
-                  <c:v>1.0399198136875085</c:v>
+                  <c:v>1.039919813687509</c:v>
                 </c:pt>
                 <c:pt idx="20">
-                  <c:v>0.57712108036575982</c:v>
+                  <c:v>0.57712108036576</c:v>
                 </c:pt>
                 <c:pt idx="21">
-                  <c:v>0.32615459120408902</c:v>
+                  <c:v>0.326154591204089</c:v>
                 </c:pt>
                 <c:pt idx="22">
-                  <c:v>-0.59100618491250156</c:v>
+                  <c:v>-0.591006184912502</c:v>
                 </c:pt>
                 <c:pt idx="24">
-                  <c:v>2.3042522798656644</c:v>
+                  <c:v>2.304252279865663</c:v>
                 </c:pt>
                 <c:pt idx="25">
-                  <c:v>2.0953743444913413</c:v>
+                  <c:v>2.095374344491341</c:v>
                 </c:pt>
                 <c:pt idx="26">
-                  <c:v>0.12981371615489459</c:v>
+                  <c:v>0.0</c:v>
                 </c:pt>
               </c:numCache>
             </c:numRef>
@@ -1354,7 +1354,7 @@
               <c:strCache>
                 <c:ptCount val="1"/>
                 <c:pt idx="0">
-                  <c:v>dzap1</c:v>
+                  <c:v>ZAP1</c:v>
                 </c:pt>
               </c:strCache>
             </c:strRef>
@@ -1456,52 +1456,52 @@
                 <c:formatCode>General</c:formatCode>
                 <c:ptCount val="27"/>
                 <c:pt idx="0">
-                  <c:v>5.756589019470186E-2</c:v>
+                  <c:v>0.0</c:v>
                 </c:pt>
                 <c:pt idx="1">
                   <c:v>1.538999217906269</c:v>
                 </c:pt>
                 <c:pt idx="5">
-                  <c:v>-0.5369344146971744</c:v>
+                  <c:v>-0.536934414697174</c:v>
                 </c:pt>
                 <c:pt idx="6">
-                  <c:v>-2.3546340515924104E-2</c:v>
+                  <c:v>-0.0235463405159241</c:v>
                 </c:pt>
                 <c:pt idx="8">
-                  <c:v>-0.94238987428572918</c:v>
+                  <c:v>-0.942389874285729</c:v>
                 </c:pt>
                 <c:pt idx="9">
-                  <c:v>0.2277955092685898</c:v>
+                  <c:v>0.0</c:v>
                 </c:pt>
                 <c:pt idx="10">
-                  <c:v>-0.44765358721882581</c:v>
+                  <c:v>-0.447653587218826</c:v>
                 </c:pt>
                 <c:pt idx="11">
-                  <c:v>0.17019996416505118</c:v>
+                  <c:v>0.170199964165051</c:v>
                 </c:pt>
                 <c:pt idx="12">
-                  <c:v>0.38493684794066862</c:v>
+                  <c:v>0.384936847940669</c:v>
                 </c:pt>
                 <c:pt idx="13">
-                  <c:v>9.5031077990090237E-2</c:v>
+                  <c:v>0.0950310779900902</c:v>
                 </c:pt>
                 <c:pt idx="14">
-                  <c:v>0.2642792825791534</c:v>
+                  <c:v>0.264279282579153</c:v>
                 </c:pt>
                 <c:pt idx="15">
-                  <c:v>-3.97087059584455E-2</c:v>
+                  <c:v>-0.0397087059584455</c:v>
                 </c:pt>
                 <c:pt idx="16">
-                  <c:v>-0.64778281971241325</c:v>
+                  <c:v>-0.647782819712413</c:v>
                 </c:pt>
                 <c:pt idx="17">
-                  <c:v>1.7174586906160556</c:v>
+                  <c:v>1.717458690616056</c:v>
                 </c:pt>
                 <c:pt idx="21">
-                  <c:v>-2.7446080012490484</c:v>
+                  <c:v>-2.744608001249048</c:v>
                 </c:pt>
                 <c:pt idx="26">
-                  <c:v>0.13066169745090392</c:v>
+                  <c:v>0.0</c:v>
                 </c:pt>
               </c:numCache>
             </c:numRef>
@@ -1516,11 +1516,11 @@
           <c:showBubbleSize val="0"/>
         </c:dLbls>
         <c:gapWidth val="150"/>
-        <c:axId val="99550720"/>
-        <c:axId val="42318016"/>
+        <c:axId val="2133824728"/>
+        <c:axId val="2133644504"/>
       </c:barChart>
       <c:catAx>
-        <c:axId val="99550720"/>
+        <c:axId val="2133824728"/>
         <c:scaling>
           <c:orientation val="minMax"/>
         </c:scaling>
@@ -1529,7 +1529,7 @@
         <c:majorTickMark val="out"/>
         <c:minorTickMark val="none"/>
         <c:tickLblPos val="nextTo"/>
-        <c:crossAx val="42318016"/>
+        <c:crossAx val="2133644504"/>
         <c:crosses val="autoZero"/>
         <c:auto val="1"/>
         <c:lblAlgn val="ctr"/>
@@ -1537,11 +1537,9 @@
         <c:noMultiLvlLbl val="0"/>
       </c:catAx>
       <c:valAx>
-        <c:axId val="42318016"/>
+        <c:axId val="2133644504"/>
         <c:scaling>
           <c:orientation val="minMax"/>
-          <c:max val="5"/>
-          <c:min val="-3"/>
         </c:scaling>
         <c:delete val="0"/>
         <c:axPos val="l"/>
@@ -1550,15 +1548,10 @@
         <c:majorTickMark val="out"/>
         <c:minorTickMark val="none"/>
         <c:tickLblPos val="nextTo"/>
-        <c:crossAx val="99550720"/>
+        <c:crossAx val="2133824728"/>
         <c:crosses val="autoZero"/>
         <c:crossBetween val="between"/>
       </c:valAx>
-      <c:spPr>
-        <a:ln>
-          <a:noFill/>
-        </a:ln>
-      </c:spPr>
     </c:plotArea>
     <c:legend>
       <c:legendPos val="r"/>
@@ -1575,8 +1568,8 @@
     <a:p>
       <a:pPr>
         <a:defRPr sz="1100" b="1">
-          <a:latin typeface="Arial" panose="020B0604020202020204" pitchFamily="34" charset="0"/>
-          <a:cs typeface="Arial" panose="020B0604020202020204" pitchFamily="34" charset="0"/>
+          <a:latin typeface="Arial"/>
+          <a:cs typeface="Arial"/>
         </a:defRPr>
       </a:pPr>
       <a:endParaRPr lang="en-US"/>
@@ -1618,7 +1611,7 @@
               <c:strCache>
                 <c:ptCount val="1"/>
                 <c:pt idx="0">
-                  <c:v>wt MSE</c:v>
+                  <c:v>WT MSE</c:v>
                 </c:pt>
               </c:strCache>
             </c:strRef>
@@ -1687,52 +1680,52 @@
                 <c:formatCode>General</c:formatCode>
                 <c:ptCount val="16"/>
                 <c:pt idx="0">
-                  <c:v>0.67752390214624714</c:v>
+                  <c:v>0.677523902146247</c:v>
                 </c:pt>
                 <c:pt idx="1">
-                  <c:v>0.46909892114100937</c:v>
+                  <c:v>0.469098921141009</c:v>
                 </c:pt>
                 <c:pt idx="2">
-                  <c:v>0.93856513542813325</c:v>
+                  <c:v>0.938565135428133</c:v>
                 </c:pt>
                 <c:pt idx="3">
-                  <c:v>0.6743450978679546</c:v>
+                  <c:v>0.674345097867955</c:v>
                 </c:pt>
                 <c:pt idx="4">
-                  <c:v>0.36416033250794566</c:v>
+                  <c:v>0.364160332507946</c:v>
                 </c:pt>
                 <c:pt idx="5">
-                  <c:v>0.89136503542569934</c:v>
+                  <c:v>0.891365035425699</c:v>
                 </c:pt>
                 <c:pt idx="6">
-                  <c:v>0.64241501283242819</c:v>
+                  <c:v>0.642415012832428</c:v>
                 </c:pt>
                 <c:pt idx="7">
-                  <c:v>0.48737209233226736</c:v>
+                  <c:v>0.487372092332267</c:v>
                 </c:pt>
                 <c:pt idx="8">
-                  <c:v>2.1446123887951982</c:v>
+                  <c:v>2.144612388795198</c:v>
                 </c:pt>
                 <c:pt idx="9">
-                  <c:v>0.61932807797176104</c:v>
+                  <c:v>0.619328077971761</c:v>
                 </c:pt>
                 <c:pt idx="10">
-                  <c:v>0.48830573844945629</c:v>
+                  <c:v>0.488305738449456</c:v>
                 </c:pt>
                 <c:pt idx="11">
-                  <c:v>0.98618102634355431</c:v>
+                  <c:v>0.986181026343554</c:v>
                 </c:pt>
                 <c:pt idx="12">
-                  <c:v>0.29377680238295456</c:v>
+                  <c:v>0.293776802382955</c:v>
                 </c:pt>
                 <c:pt idx="13">
-                  <c:v>0.79260394721166594</c:v>
+                  <c:v>0.792603947211666</c:v>
                 </c:pt>
                 <c:pt idx="14">
-                  <c:v>0.41028880535104129</c:v>
+                  <c:v>0.410288805351041</c:v>
                 </c:pt>
                 <c:pt idx="15">
-                  <c:v>2.3671295263550496</c:v>
+                  <c:v>2.36712952635505</c:v>
                 </c:pt>
               </c:numCache>
             </c:numRef>
@@ -1747,7 +1740,7 @@
               <c:strCache>
                 <c:ptCount val="1"/>
                 <c:pt idx="0">
-                  <c:v>dcin5 MSE</c:v>
+                  <c:v>CIN5 MSE</c:v>
                 </c:pt>
               </c:strCache>
             </c:strRef>
@@ -1816,49 +1809,49 @@
                 <c:formatCode>General</c:formatCode>
                 <c:ptCount val="16"/>
                 <c:pt idx="0">
-                  <c:v>0.68175986300664093</c:v>
+                  <c:v>0.681759863006641</c:v>
                 </c:pt>
                 <c:pt idx="1">
-                  <c:v>0.10955755869999696</c:v>
+                  <c:v>0.109557558699997</c:v>
                 </c:pt>
                 <c:pt idx="2">
-                  <c:v>1.3528194760601115</c:v>
+                  <c:v>1.352819476060111</c:v>
                 </c:pt>
                 <c:pt idx="3">
-                  <c:v>0.17855179754966474</c:v>
+                  <c:v>0.178551797549665</c:v>
                 </c:pt>
                 <c:pt idx="4">
-                  <c:v>0.77839555024688878</c:v>
+                  <c:v>0.778395550246889</c:v>
                 </c:pt>
                 <c:pt idx="5">
-                  <c:v>0.25517991916666666</c:v>
+                  <c:v>0.255179919166667</c:v>
                 </c:pt>
                 <c:pt idx="6">
                   <c:v>1.297978224994297</c:v>
                 </c:pt>
                 <c:pt idx="7">
-                  <c:v>0.21281844228270799</c:v>
+                  <c:v>0.212818442282708</c:v>
                 </c:pt>
                 <c:pt idx="8">
-                  <c:v>1.1908451765763133</c:v>
+                  <c:v>1.190845176576313</c:v>
                 </c:pt>
                 <c:pt idx="9">
-                  <c:v>0.69786529328739766</c:v>
+                  <c:v>0.697865293287398</c:v>
                 </c:pt>
                 <c:pt idx="10">
-                  <c:v>0.44072606225979838</c:v>
+                  <c:v>0.440726062259798</c:v>
                 </c:pt>
                 <c:pt idx="11">
-                  <c:v>0.24745545286161263</c:v>
+                  <c:v>0.247455452861613</c:v>
                 </c:pt>
                 <c:pt idx="12">
-                  <c:v>0.74926436008769881</c:v>
+                  <c:v>0.749264360087699</c:v>
                 </c:pt>
                 <c:pt idx="13">
-                  <c:v>0.64368142124848149</c:v>
+                  <c:v>0.643681421248481</c:v>
                 </c:pt>
                 <c:pt idx="14">
-                  <c:v>0.73896152292976114</c:v>
+                  <c:v>0.738961522929761</c:v>
                 </c:pt>
                 <c:pt idx="15">
                   <c:v>0.68927831304678</c:v>
@@ -1876,7 +1869,7 @@
               <c:strCache>
                 <c:ptCount val="1"/>
                 <c:pt idx="0">
-                  <c:v>dgln3 MSE</c:v>
+                  <c:v>GLN3 MSE</c:v>
                 </c:pt>
               </c:strCache>
             </c:strRef>
@@ -1945,52 +1938,52 @@
                 <c:formatCode>General</c:formatCode>
                 <c:ptCount val="16"/>
                 <c:pt idx="0">
-                  <c:v>0.87884844531561512</c:v>
+                  <c:v>0.878848445315615</c:v>
                 </c:pt>
                 <c:pt idx="1">
-                  <c:v>1.3105108179898408</c:v>
+                  <c:v>1.310510817989841</c:v>
                 </c:pt>
                 <c:pt idx="2">
-                  <c:v>1.0233121898392878</c:v>
+                  <c:v>1.023312189839288</c:v>
                 </c:pt>
                 <c:pt idx="3">
-                  <c:v>0.59160345400063408</c:v>
+                  <c:v>0.591603454000634</c:v>
                 </c:pt>
                 <c:pt idx="4">
-                  <c:v>0.69862598879580384</c:v>
+                  <c:v>0.698625988795804</c:v>
                 </c:pt>
                 <c:pt idx="5">
-                  <c:v>0.88830155822140933</c:v>
+                  <c:v>0.888301558221409</c:v>
                 </c:pt>
                 <c:pt idx="6">
-                  <c:v>1.2562026229728132</c:v>
+                  <c:v>1.256202622972813</c:v>
                 </c:pt>
                 <c:pt idx="7">
-                  <c:v>0.35326105333333335</c:v>
+                  <c:v>0.353261053333333</c:v>
                 </c:pt>
                 <c:pt idx="8">
                   <c:v>1.354445229507937</c:v>
                 </c:pt>
                 <c:pt idx="9">
-                  <c:v>0.29690116158576435</c:v>
+                  <c:v>0.296901161585764</c:v>
                 </c:pt>
                 <c:pt idx="10">
-                  <c:v>0.75971243593644699</c:v>
+                  <c:v>0.759712435936447</c:v>
                 </c:pt>
                 <c:pt idx="11">
-                  <c:v>0.96186518657978748</c:v>
+                  <c:v>0.961865186579787</c:v>
                 </c:pt>
                 <c:pt idx="12">
-                  <c:v>0.45313107539005143</c:v>
+                  <c:v>0.453131075390051</c:v>
                 </c:pt>
                 <c:pt idx="13">
-                  <c:v>0.88029287457449901</c:v>
+                  <c:v>0.880292874574499</c:v>
                 </c:pt>
                 <c:pt idx="14">
-                  <c:v>1.7035365737773267</c:v>
+                  <c:v>1.703536573777327</c:v>
                 </c:pt>
                 <c:pt idx="15">
-                  <c:v>2.6360098939078873</c:v>
+                  <c:v>2.636009893907886</c:v>
                 </c:pt>
               </c:numCache>
             </c:numRef>
@@ -2005,7 +1998,7 @@
               <c:strCache>
                 <c:ptCount val="1"/>
                 <c:pt idx="0">
-                  <c:v>dhap4 MSE</c:v>
+                  <c:v>HAP4 MSE</c:v>
                 </c:pt>
               </c:strCache>
             </c:strRef>
@@ -2074,28 +2067,28 @@
                 <c:formatCode>General</c:formatCode>
                 <c:ptCount val="16"/>
                 <c:pt idx="0">
-                  <c:v>0.53073785325199385</c:v>
+                  <c:v>0.530737853251994</c:v>
                 </c:pt>
                 <c:pt idx="1">
-                  <c:v>0.14662604109419095</c:v>
+                  <c:v>0.146626041094191</c:v>
                 </c:pt>
                 <c:pt idx="2">
                   <c:v>1.518796412766795</c:v>
                 </c:pt>
                 <c:pt idx="3">
-                  <c:v>0.38835565571879177</c:v>
+                  <c:v>0.388355655718792</c:v>
                 </c:pt>
                 <c:pt idx="4">
-                  <c:v>0.28319637123241742</c:v>
+                  <c:v>0.283196371232417</c:v>
                 </c:pt>
                 <c:pt idx="5">
-                  <c:v>1.1365828605707986</c:v>
+                  <c:v>1.1365828605708</c:v>
                 </c:pt>
                 <c:pt idx="6">
-                  <c:v>0.5999380014741521</c:v>
+                  <c:v>0.599938001474152</c:v>
                 </c:pt>
                 <c:pt idx="7">
-                  <c:v>0.19216769074505044</c:v>
+                  <c:v>0.19216769074505</c:v>
                 </c:pt>
                 <c:pt idx="8">
                   <c:v>0.4916199175</c:v>
@@ -2104,22 +2097,22 @@
                   <c:v>2.818578361799227</c:v>
                 </c:pt>
                 <c:pt idx="10">
-                  <c:v>0.19309998814527782</c:v>
+                  <c:v>0.193099988145278</c:v>
                 </c:pt>
                 <c:pt idx="11">
-                  <c:v>0.18573194587397981</c:v>
+                  <c:v>0.18573194587398</c:v>
                 </c:pt>
                 <c:pt idx="12">
-                  <c:v>0.23121958769059472</c:v>
+                  <c:v>0.231219587690595</c:v>
                 </c:pt>
                 <c:pt idx="13">
-                  <c:v>0.31834986773735724</c:v>
+                  <c:v>0.318349867737357</c:v>
                 </c:pt>
                 <c:pt idx="14">
-                  <c:v>0.76312636523039468</c:v>
+                  <c:v>0.763126365230395</c:v>
                 </c:pt>
                 <c:pt idx="15">
-                  <c:v>1.1206184627239668</c:v>
+                  <c:v>1.120618462723967</c:v>
                 </c:pt>
               </c:numCache>
             </c:numRef>
@@ -2134,7 +2127,7 @@
               <c:strCache>
                 <c:ptCount val="1"/>
                 <c:pt idx="0">
-                  <c:v>dhmo1 MSE</c:v>
+                  <c:v>HMO1 MSE</c:v>
                 </c:pt>
               </c:strCache>
             </c:strRef>
@@ -2203,52 +2196,52 @@
                 <c:formatCode>General</c:formatCode>
                 <c:ptCount val="16"/>
                 <c:pt idx="0">
-                  <c:v>1.1568418864133589</c:v>
+                  <c:v>1.15684188641336</c:v>
                 </c:pt>
                 <c:pt idx="1">
-                  <c:v>0.21191213888427143</c:v>
+                  <c:v>0.211912138884271</c:v>
                 </c:pt>
                 <c:pt idx="2">
-                  <c:v>4.9125609961905328</c:v>
+                  <c:v>4.912560996190533</c:v>
                 </c:pt>
                 <c:pt idx="3">
-                  <c:v>0.41919721199488796</c:v>
+                  <c:v>0.419197211994888</c:v>
                 </c:pt>
                 <c:pt idx="4">
-                  <c:v>1.1006982367912113</c:v>
+                  <c:v>1.100698236791211</c:v>
                 </c:pt>
                 <c:pt idx="5">
-                  <c:v>0.75552647825274122</c:v>
+                  <c:v>0.755526478252741</c:v>
                 </c:pt>
                 <c:pt idx="6">
-                  <c:v>0.72048105676960328</c:v>
+                  <c:v>0.720481056769603</c:v>
                 </c:pt>
                 <c:pt idx="7">
-                  <c:v>0.23324275680800297</c:v>
+                  <c:v>0.233242756808003</c:v>
                 </c:pt>
                 <c:pt idx="8">
-                  <c:v>1.4400059522211928</c:v>
+                  <c:v>1.440005952221193</c:v>
                 </c:pt>
                 <c:pt idx="9">
-                  <c:v>0.5935956166666666</c:v>
+                  <c:v>0.593595616666667</c:v>
                 </c:pt>
                 <c:pt idx="10">
-                  <c:v>0.46181384530357833</c:v>
+                  <c:v>0.461813845303578</c:v>
                 </c:pt>
                 <c:pt idx="11">
-                  <c:v>1.0822835932304564</c:v>
+                  <c:v>1.082283593230456</c:v>
                 </c:pt>
                 <c:pt idx="12">
-                  <c:v>0.25372910264755733</c:v>
+                  <c:v>0.253729102647557</c:v>
                 </c:pt>
                 <c:pt idx="13">
-                  <c:v>0.3113765361493816</c:v>
+                  <c:v>0.311376536149382</c:v>
                 </c:pt>
                 <c:pt idx="14">
-                  <c:v>0.66729923242414779</c:v>
+                  <c:v>0.667299232424148</c:v>
                 </c:pt>
                 <c:pt idx="15">
-                  <c:v>0.4380358815876419</c:v>
+                  <c:v>0.438035881587642</c:v>
                 </c:pt>
               </c:numCache>
             </c:numRef>
@@ -2263,7 +2256,7 @@
               <c:strCache>
                 <c:ptCount val="1"/>
                 <c:pt idx="0">
-                  <c:v>dzap1 MSE</c:v>
+                  <c:v>ZAP1 MSE</c:v>
                 </c:pt>
               </c:strCache>
             </c:strRef>
@@ -2332,52 +2325,52 @@
                 <c:formatCode>General</c:formatCode>
                 <c:ptCount val="16"/>
                 <c:pt idx="0">
-                  <c:v>1.6717059528311309</c:v>
+                  <c:v>1.671705952831131</c:v>
                 </c:pt>
                 <c:pt idx="1">
-                  <c:v>0.84670802683325153</c:v>
+                  <c:v>0.846708026833251</c:v>
                 </c:pt>
                 <c:pt idx="2">
-                  <c:v>0.66734728059998927</c:v>
+                  <c:v>0.667347280599989</c:v>
                 </c:pt>
                 <c:pt idx="3">
-                  <c:v>0.25729090399073767</c:v>
+                  <c:v>0.257290903990738</c:v>
                 </c:pt>
                 <c:pt idx="4">
-                  <c:v>1.1566981247546022</c:v>
+                  <c:v>1.156698124754602</c:v>
                 </c:pt>
                 <c:pt idx="5">
-                  <c:v>1.4554926977400644</c:v>
+                  <c:v>1.455492697740063</c:v>
                 </c:pt>
                 <c:pt idx="6">
-                  <c:v>0.26008448675458212</c:v>
+                  <c:v>0.260084486754582</c:v>
                 </c:pt>
                 <c:pt idx="7">
-                  <c:v>0.19022465327568353</c:v>
+                  <c:v>0.190224653275683</c:v>
                 </c:pt>
                 <c:pt idx="8">
-                  <c:v>0.61888656618839188</c:v>
+                  <c:v>0.618886566188392</c:v>
                 </c:pt>
                 <c:pt idx="9">
-                  <c:v>0.52611961283073205</c:v>
+                  <c:v>0.526119612830732</c:v>
                 </c:pt>
                 <c:pt idx="10">
-                  <c:v>0.2567763946191679</c:v>
+                  <c:v>0.256776394619168</c:v>
                 </c:pt>
                 <c:pt idx="11">
-                  <c:v>0.31392550154769994</c:v>
+                  <c:v>0.3139255015477</c:v>
                 </c:pt>
                 <c:pt idx="12">
-                  <c:v>0.25889575279526172</c:v>
+                  <c:v>0.258895752795262</c:v>
                 </c:pt>
                 <c:pt idx="13">
-                  <c:v>0.46976287341869044</c:v>
+                  <c:v>0.46976287341869</c:v>
                 </c:pt>
                 <c:pt idx="14">
-                  <c:v>0.52872104272861142</c:v>
+                  <c:v>0.528721042728611</c:v>
                 </c:pt>
                 <c:pt idx="15">
-                  <c:v>3.9408423933333334</c:v>
+                  <c:v>3.940842393333332</c:v>
                 </c:pt>
               </c:numCache>
             </c:numRef>
@@ -2392,11 +2385,11 @@
           <c:showBubbleSize val="0"/>
         </c:dLbls>
         <c:gapWidth val="150"/>
-        <c:axId val="136983040"/>
-        <c:axId val="99967552"/>
+        <c:axId val="2124903752"/>
+        <c:axId val="2133344040"/>
       </c:barChart>
       <c:catAx>
-        <c:axId val="136983040"/>
+        <c:axId val="2124903752"/>
         <c:scaling>
           <c:orientation val="minMax"/>
         </c:scaling>
@@ -2405,7 +2398,7 @@
         <c:majorTickMark val="out"/>
         <c:minorTickMark val="none"/>
         <c:tickLblPos val="nextTo"/>
-        <c:crossAx val="99967552"/>
+        <c:crossAx val="2133344040"/>
         <c:crosses val="autoZero"/>
         <c:auto val="1"/>
         <c:lblAlgn val="ctr"/>
@@ -2413,10 +2406,9 @@
         <c:noMultiLvlLbl val="0"/>
       </c:catAx>
       <c:valAx>
-        <c:axId val="99967552"/>
+        <c:axId val="2133344040"/>
         <c:scaling>
           <c:orientation val="minMax"/>
-          <c:max val="5"/>
         </c:scaling>
         <c:delete val="0"/>
         <c:axPos val="l"/>
@@ -2425,7 +2417,7 @@
         <c:majorTickMark val="out"/>
         <c:minorTickMark val="none"/>
         <c:tickLblPos val="nextTo"/>
-        <c:crossAx val="136983040"/>
+        <c:crossAx val="2124903752"/>
         <c:crosses val="autoZero"/>
         <c:crossBetween val="between"/>
       </c:valAx>
@@ -2445,8 +2437,8 @@
     <a:p>
       <a:pPr>
         <a:defRPr sz="1100" b="1">
-          <a:latin typeface="Arial" panose="020B0604020202020204" pitchFamily="34" charset="0"/>
-          <a:cs typeface="Arial" panose="020B0604020202020204" pitchFamily="34" charset="0"/>
+          <a:latin typeface="Arial"/>
+          <a:cs typeface="Arial"/>
         </a:defRPr>
       </a:pPr>
       <a:endParaRPr lang="en-US"/>
@@ -2488,7 +2480,7 @@
               <c:strCache>
                 <c:ptCount val="1"/>
                 <c:pt idx="0">
-                  <c:v>wt MSE</c:v>
+                  <c:v>WT MSE</c:v>
                 </c:pt>
               </c:strCache>
             </c:strRef>
@@ -2551,46 +2543,46 @@
                 <c:formatCode>General</c:formatCode>
                 <c:ptCount val="14"/>
                 <c:pt idx="0">
-                  <c:v>0.73196095838846287</c:v>
+                  <c:v>0.731960958388463</c:v>
                 </c:pt>
                 <c:pt idx="1">
-                  <c:v>0.28441547585730625</c:v>
+                  <c:v>0.284415475857306</c:v>
                 </c:pt>
                 <c:pt idx="2">
-                  <c:v>0.45342637964655225</c:v>
+                  <c:v>0.453426379646552</c:v>
                 </c:pt>
                 <c:pt idx="3">
-                  <c:v>0.4608948061007912</c:v>
+                  <c:v>0.460894806100791</c:v>
                 </c:pt>
                 <c:pt idx="4">
-                  <c:v>2.2058735208546802</c:v>
+                  <c:v>2.20587352085468</c:v>
                 </c:pt>
                 <c:pt idx="5">
-                  <c:v>0.64475954754760201</c:v>
+                  <c:v>0.644759547547602</c:v>
                 </c:pt>
                 <c:pt idx="6">
-                  <c:v>0.43774998205257776</c:v>
+                  <c:v>0.437749982052578</c:v>
                 </c:pt>
                 <c:pt idx="7">
-                  <c:v>1.5013730923338535</c:v>
+                  <c:v>1.501373092333854</c:v>
                 </c:pt>
                 <c:pt idx="8">
-                  <c:v>0.98487777242194785</c:v>
+                  <c:v>0.984877772421948</c:v>
                 </c:pt>
                 <c:pt idx="9">
-                  <c:v>0.32720893600037404</c:v>
+                  <c:v>0.327208936000374</c:v>
                 </c:pt>
                 <c:pt idx="10">
-                  <c:v>0.40843235903427011</c:v>
+                  <c:v>0.40843235903427</c:v>
                 </c:pt>
                 <c:pt idx="11">
-                  <c:v>2.3983895595421014</c:v>
+                  <c:v>2.398389559542101</c:v>
                 </c:pt>
                 <c:pt idx="12">
-                  <c:v>0.75535691061280219</c:v>
+                  <c:v>0.755356910612802</c:v>
                 </c:pt>
                 <c:pt idx="13">
-                  <c:v>0.42309070613697153</c:v>
+                  <c:v>0.423090706136972</c:v>
                 </c:pt>
               </c:numCache>
             </c:numRef>
@@ -2605,7 +2597,7 @@
               <c:strCache>
                 <c:ptCount val="1"/>
                 <c:pt idx="0">
-                  <c:v>dcin5 MSE</c:v>
+                  <c:v>CIN5 MSE</c:v>
                 </c:pt>
               </c:strCache>
             </c:strRef>
@@ -2668,46 +2660,46 @@
                 <c:formatCode>General</c:formatCode>
                 <c:ptCount val="14"/>
                 <c:pt idx="0">
-                  <c:v>0.14496421249999999</c:v>
+                  <c:v>0.1449642125</c:v>
                 </c:pt>
                 <c:pt idx="1">
-                  <c:v>0.11871667018009736</c:v>
+                  <c:v>0.118716670180097</c:v>
                 </c:pt>
                 <c:pt idx="2">
-                  <c:v>0.81538764105036476</c:v>
+                  <c:v>0.815387641050365</c:v>
                 </c:pt>
                 <c:pt idx="3">
-                  <c:v>0.21030085485672378</c:v>
+                  <c:v>0.210300854856724</c:v>
                 </c:pt>
                 <c:pt idx="4">
-                  <c:v>1.1786077634842786</c:v>
+                  <c:v>1.17860776348428</c:v>
                 </c:pt>
                 <c:pt idx="5">
-                  <c:v>0.66995000558654283</c:v>
+                  <c:v>0.669950005586543</c:v>
                 </c:pt>
                 <c:pt idx="6">
-                  <c:v>0.43849311791251955</c:v>
+                  <c:v>0.43849311791252</c:v>
                 </c:pt>
                 <c:pt idx="7">
-                  <c:v>0.6277874361547251</c:v>
+                  <c:v>0.627787436154725</c:v>
                 </c:pt>
                 <c:pt idx="8">
-                  <c:v>0.2619316157582125</c:v>
+                  <c:v>0.261931615758212</c:v>
                 </c:pt>
                 <c:pt idx="9">
-                  <c:v>0.66052658200869196</c:v>
+                  <c:v>0.660526582008692</c:v>
                 </c:pt>
                 <c:pt idx="10">
-                  <c:v>0.22444515148049549</c:v>
+                  <c:v>0.224445151480495</c:v>
                 </c:pt>
                 <c:pt idx="11">
-                  <c:v>1.4810038545271709</c:v>
+                  <c:v>1.481003854527171</c:v>
                 </c:pt>
                 <c:pt idx="12">
-                  <c:v>0.62721720810126891</c:v>
+                  <c:v>0.627217208101269</c:v>
                 </c:pt>
                 <c:pt idx="13">
-                  <c:v>0.79689119036002243</c:v>
+                  <c:v>0.796891190360022</c:v>
                 </c:pt>
               </c:numCache>
             </c:numRef>
@@ -2722,7 +2714,7 @@
               <c:strCache>
                 <c:ptCount val="1"/>
                 <c:pt idx="0">
-                  <c:v>dgln3 MSE</c:v>
+                  <c:v>GLN3 MSE</c:v>
                 </c:pt>
               </c:strCache>
             </c:strRef>
@@ -2785,46 +2777,46 @@
                 <c:formatCode>General</c:formatCode>
                 <c:ptCount val="14"/>
                 <c:pt idx="0">
-                  <c:v>0.81995604800123834</c:v>
+                  <c:v>0.819956048001238</c:v>
                 </c:pt>
                 <c:pt idx="1">
-                  <c:v>0.24248202470672395</c:v>
+                  <c:v>0.242482024706724</c:v>
                 </c:pt>
                 <c:pt idx="2">
-                  <c:v>0.79846647049787922</c:v>
+                  <c:v>0.798466470497879</c:v>
                 </c:pt>
                 <c:pt idx="3">
-                  <c:v>0.35326105333333335</c:v>
+                  <c:v>0.353261053333333</c:v>
                 </c:pt>
                 <c:pt idx="4">
-                  <c:v>1.2905826242518879</c:v>
+                  <c:v>1.290582624251888</c:v>
                 </c:pt>
                 <c:pt idx="5">
-                  <c:v>0.30278475982353292</c:v>
+                  <c:v>0.302784759823533</c:v>
                 </c:pt>
                 <c:pt idx="6">
-                  <c:v>0.76788976667560949</c:v>
+                  <c:v>0.767889766675609</c:v>
                 </c:pt>
                 <c:pt idx="7">
-                  <c:v>1.0041604632610561</c:v>
+                  <c:v>1.004160463261056</c:v>
                 </c:pt>
                 <c:pt idx="8">
-                  <c:v>0.95976088688505279</c:v>
+                  <c:v>0.959760886885053</c:v>
                 </c:pt>
                 <c:pt idx="9">
-                  <c:v>0.48812149622299889</c:v>
+                  <c:v>0.488121496222999</c:v>
                 </c:pt>
                 <c:pt idx="10">
-                  <c:v>0.2701562313972582</c:v>
+                  <c:v>0.270156231397258</c:v>
                 </c:pt>
                 <c:pt idx="11">
-                  <c:v>0.58230280615206864</c:v>
+                  <c:v>0.582302806152069</c:v>
                 </c:pt>
                 <c:pt idx="12">
-                  <c:v>0.97974249373728306</c:v>
+                  <c:v>0.979742493737283</c:v>
                 </c:pt>
                 <c:pt idx="13">
-                  <c:v>1.3855619897066838</c:v>
+                  <c:v>1.385561989706684</c:v>
                 </c:pt>
               </c:numCache>
             </c:numRef>
@@ -2839,7 +2831,7 @@
               <c:strCache>
                 <c:ptCount val="1"/>
                 <c:pt idx="0">
-                  <c:v>dhap4 MSE</c:v>
+                  <c:v>HAP4 MSE</c:v>
                 </c:pt>
               </c:strCache>
             </c:strRef>
@@ -2902,46 +2894,46 @@
                 <c:formatCode>General</c:formatCode>
                 <c:ptCount val="14"/>
                 <c:pt idx="0">
-                  <c:v>1.0714336565602602</c:v>
+                  <c:v>1.07143365656026</c:v>
                 </c:pt>
                 <c:pt idx="1">
-                  <c:v>0.42377107330383662</c:v>
+                  <c:v>0.423771073303837</c:v>
                 </c:pt>
                 <c:pt idx="2">
-                  <c:v>0.99429538209623602</c:v>
+                  <c:v>0.994295382096236</c:v>
                 </c:pt>
                 <c:pt idx="3">
-                  <c:v>0.19055156255900554</c:v>
+                  <c:v>0.190551562559006</c:v>
                 </c:pt>
                 <c:pt idx="4">
                   <c:v>0.4916199175</c:v>
                 </c:pt>
                 <c:pt idx="5">
-                  <c:v>2.7752321822670072</c:v>
+                  <c:v>2.775232182267007</c:v>
                 </c:pt>
                 <c:pt idx="6">
-                  <c:v>0.22637127400612189</c:v>
+                  <c:v>0.226371274006122</c:v>
                 </c:pt>
                 <c:pt idx="7">
-                  <c:v>0.84832098951067192</c:v>
+                  <c:v>0.848320989510672</c:v>
                 </c:pt>
                 <c:pt idx="8">
-                  <c:v>0.18423751642473782</c:v>
+                  <c:v>0.184237516424738</c:v>
                 </c:pt>
                 <c:pt idx="9">
-                  <c:v>0.17935851790222482</c:v>
+                  <c:v>0.179358517902225</c:v>
                 </c:pt>
                 <c:pt idx="10">
-                  <c:v>0.47534330958917531</c:v>
+                  <c:v>0.475343309589175</c:v>
                 </c:pt>
                 <c:pt idx="11">
-                  <c:v>1.0585255764974113</c:v>
+                  <c:v>1.058525576497411</c:v>
                 </c:pt>
                 <c:pt idx="12">
-                  <c:v>0.26309154089346093</c:v>
+                  <c:v>0.263091540893461</c:v>
                 </c:pt>
                 <c:pt idx="13">
-                  <c:v>0.77795102432132301</c:v>
+                  <c:v>0.777951024321323</c:v>
                 </c:pt>
               </c:numCache>
             </c:numRef>
@@ -2956,7 +2948,7 @@
               <c:strCache>
                 <c:ptCount val="1"/>
                 <c:pt idx="0">
-                  <c:v>dhmo1 MSE</c:v>
+                  <c:v>HMO1 MSE</c:v>
                 </c:pt>
               </c:strCache>
             </c:strRef>
@@ -3019,46 +3011,46 @@
                 <c:formatCode>General</c:formatCode>
                 <c:ptCount val="14"/>
                 <c:pt idx="0">
-                  <c:v>0.74430445493906683</c:v>
+                  <c:v>0.744304454939067</c:v>
                 </c:pt>
                 <c:pt idx="1">
-                  <c:v>0.15046460473685133</c:v>
+                  <c:v>0.150464604736851</c:v>
                 </c:pt>
                 <c:pt idx="2">
-                  <c:v>0.46925600441927212</c:v>
+                  <c:v>0.469256004419272</c:v>
                 </c:pt>
                 <c:pt idx="3">
-                  <c:v>0.21552022493393999</c:v>
+                  <c:v>0.21552022493394</c:v>
                 </c:pt>
                 <c:pt idx="4">
-                  <c:v>1.3921678012940406</c:v>
+                  <c:v>1.392167801294041</c:v>
                 </c:pt>
                 <c:pt idx="5">
-                  <c:v>0.5935956166666666</c:v>
+                  <c:v>0.593595616666667</c:v>
                 </c:pt>
                 <c:pt idx="6">
-                  <c:v>0.37496426644171071</c:v>
+                  <c:v>0.374964266441711</c:v>
                 </c:pt>
                 <c:pt idx="7">
-                  <c:v>0.71164361498469086</c:v>
+                  <c:v>0.711643614984691</c:v>
                 </c:pt>
                 <c:pt idx="8">
-                  <c:v>1.1808006760628482</c:v>
+                  <c:v>1.180800676062848</c:v>
                 </c:pt>
                 <c:pt idx="9">
-                  <c:v>0.33465980202409912</c:v>
+                  <c:v>0.334659802024099</c:v>
                 </c:pt>
                 <c:pt idx="10">
-                  <c:v>0.24294211036626259</c:v>
+                  <c:v>0.242942110366263</c:v>
                 </c:pt>
                 <c:pt idx="11">
-                  <c:v>0.93924439150083294</c:v>
+                  <c:v>0.939244391500833</c:v>
                 </c:pt>
                 <c:pt idx="12">
-                  <c:v>0.28948651797476016</c:v>
+                  <c:v>0.28948651797476</c:v>
                 </c:pt>
                 <c:pt idx="13">
-                  <c:v>0.65675156177689098</c:v>
+                  <c:v>0.656751561776891</c:v>
                 </c:pt>
               </c:numCache>
             </c:numRef>
@@ -3073,11 +3065,11 @@
           <c:showBubbleSize val="0"/>
         </c:dLbls>
         <c:gapWidth val="150"/>
-        <c:axId val="137957888"/>
-        <c:axId val="99972160"/>
+        <c:axId val="2086794712"/>
+        <c:axId val="2086797768"/>
       </c:barChart>
       <c:catAx>
-        <c:axId val="137957888"/>
+        <c:axId val="2086794712"/>
         <c:scaling>
           <c:orientation val="minMax"/>
         </c:scaling>
@@ -3086,7 +3078,7 @@
         <c:majorTickMark val="out"/>
         <c:minorTickMark val="none"/>
         <c:tickLblPos val="nextTo"/>
-        <c:crossAx val="99972160"/>
+        <c:crossAx val="2086797768"/>
         <c:crosses val="autoZero"/>
         <c:auto val="1"/>
         <c:lblAlgn val="ctr"/>
@@ -3094,7 +3086,7 @@
         <c:noMultiLvlLbl val="0"/>
       </c:catAx>
       <c:valAx>
-        <c:axId val="99972160"/>
+        <c:axId val="2086797768"/>
         <c:scaling>
           <c:orientation val="minMax"/>
         </c:scaling>
@@ -3105,7 +3097,7 @@
         <c:majorTickMark val="out"/>
         <c:minorTickMark val="none"/>
         <c:tickLblPos val="nextTo"/>
-        <c:crossAx val="137957888"/>
+        <c:crossAx val="2086794712"/>
         <c:crosses val="autoZero"/>
         <c:crossBetween val="between"/>
       </c:valAx>
@@ -3125,8 +3117,8 @@
     <a:p>
       <a:pPr>
         <a:defRPr sz="1100" b="1">
-          <a:latin typeface="Arial" panose="020B0604020202020204" pitchFamily="34" charset="0"/>
-          <a:cs typeface="Arial" panose="020B0604020202020204" pitchFamily="34" charset="0"/>
+          <a:latin typeface="Arial"/>
+          <a:cs typeface="Arial"/>
         </a:defRPr>
       </a:pPr>
       <a:endParaRPr lang="en-US"/>
@@ -3168,7 +3160,7 @@
               <c:strCache>
                 <c:ptCount val="1"/>
                 <c:pt idx="0">
-                  <c:v>wt MSE</c:v>
+                  <c:v>WT MSE</c:v>
                 </c:pt>
               </c:strCache>
             </c:strRef>
@@ -3234,49 +3226,49 @@
                 <c:formatCode>General</c:formatCode>
                 <c:ptCount val="15"/>
                 <c:pt idx="0">
-                  <c:v>0.41440039953262886</c:v>
+                  <c:v>0.414400399532629</c:v>
                 </c:pt>
                 <c:pt idx="1">
-                  <c:v>0.25369469220102386</c:v>
+                  <c:v>0.253694692201024</c:v>
                 </c:pt>
                 <c:pt idx="2">
-                  <c:v>0.82940629613405048</c:v>
+                  <c:v>0.82940629613405</c:v>
                 </c:pt>
                 <c:pt idx="3">
-                  <c:v>0.51198786864310453</c:v>
+                  <c:v>0.511987868643105</c:v>
                 </c:pt>
                 <c:pt idx="4">
-                  <c:v>0.47437778559787197</c:v>
+                  <c:v>0.474377785597872</c:v>
                 </c:pt>
                 <c:pt idx="5">
-                  <c:v>2.1502614987892006</c:v>
+                  <c:v>2.150261498789201</c:v>
                 </c:pt>
                 <c:pt idx="6">
-                  <c:v>0.61777677717849977</c:v>
+                  <c:v>0.6177767771785</c:v>
                 </c:pt>
                 <c:pt idx="7">
-                  <c:v>0.46337793326028848</c:v>
+                  <c:v>0.463377933260288</c:v>
                 </c:pt>
                 <c:pt idx="8">
-                  <c:v>0.98247615136241895</c:v>
+                  <c:v>0.982476151362419</c:v>
                 </c:pt>
                 <c:pt idx="9">
-                  <c:v>1.7965140741142529</c:v>
+                  <c:v>1.796514074114253</c:v>
                 </c:pt>
                 <c:pt idx="10">
-                  <c:v>0.30902087171181958</c:v>
+                  <c:v>0.30902087171182</c:v>
                 </c:pt>
                 <c:pt idx="11">
-                  <c:v>0.4037689671467431</c:v>
+                  <c:v>0.403768967146743</c:v>
                 </c:pt>
                 <c:pt idx="12">
-                  <c:v>0.73430959507455362</c:v>
+                  <c:v>0.734309595074554</c:v>
                 </c:pt>
                 <c:pt idx="13">
-                  <c:v>0.40488731189140875</c:v>
+                  <c:v>0.404887311891409</c:v>
                 </c:pt>
                 <c:pt idx="14">
-                  <c:v>2.3038522344366159</c:v>
+                  <c:v>2.303852234436616</c:v>
                 </c:pt>
               </c:numCache>
             </c:numRef>
@@ -3291,7 +3283,7 @@
               <c:strCache>
                 <c:ptCount val="1"/>
                 <c:pt idx="0">
-                  <c:v>dcin5 MSE</c:v>
+                  <c:v>CIN5 MSE</c:v>
                 </c:pt>
               </c:strCache>
             </c:strRef>
@@ -3357,49 +3349,49 @@
                 <c:formatCode>General</c:formatCode>
                 <c:ptCount val="15"/>
                 <c:pt idx="0">
-                  <c:v>9.6125559930015245E-2</c:v>
+                  <c:v>0.0961255599300152</c:v>
                 </c:pt>
                 <c:pt idx="1">
-                  <c:v>0.30109378613710225</c:v>
+                  <c:v>0.301093786137102</c:v>
                 </c:pt>
                 <c:pt idx="2">
-                  <c:v>0.14496421249999999</c:v>
+                  <c:v>0.1449642125</c:v>
                 </c:pt>
                 <c:pt idx="3">
-                  <c:v>0.90386833287339108</c:v>
+                  <c:v>0.903868332873391</c:v>
                 </c:pt>
                 <c:pt idx="4">
-                  <c:v>0.20140194838005618</c:v>
+                  <c:v>0.201401948380056</c:v>
                 </c:pt>
                 <c:pt idx="5">
-                  <c:v>1.1610123517988482</c:v>
+                  <c:v>1.161012351798848</c:v>
                 </c:pt>
                 <c:pt idx="6">
-                  <c:v>0.68402435007449203</c:v>
+                  <c:v>0.684024350074492</c:v>
                 </c:pt>
                 <c:pt idx="7">
-                  <c:v>0.3847497850486053</c:v>
+                  <c:v>0.384749785048605</c:v>
                 </c:pt>
                 <c:pt idx="8">
-                  <c:v>0.30570869561808039</c:v>
+                  <c:v>0.30570869561808</c:v>
                 </c:pt>
                 <c:pt idx="9">
-                  <c:v>0.87599310627345028</c:v>
+                  <c:v>0.87599310627345</c:v>
                 </c:pt>
                 <c:pt idx="10">
-                  <c:v>0.69860099663642028</c:v>
+                  <c:v>0.69860099663642</c:v>
                 </c:pt>
                 <c:pt idx="11">
-                  <c:v>0.22609800708717573</c:v>
+                  <c:v>0.226098007087176</c:v>
                 </c:pt>
                 <c:pt idx="12">
-                  <c:v>0.62377818807322993</c:v>
+                  <c:v>0.62377818807323</c:v>
                 </c:pt>
                 <c:pt idx="13">
-                  <c:v>0.73390947251418437</c:v>
+                  <c:v>0.733909472514184</c:v>
                 </c:pt>
                 <c:pt idx="14">
-                  <c:v>0.67348530385037242</c:v>
+                  <c:v>0.673485303850372</c:v>
                 </c:pt>
               </c:numCache>
             </c:numRef>
@@ -3414,7 +3406,7 @@
               <c:strCache>
                 <c:ptCount val="1"/>
                 <c:pt idx="0">
-                  <c:v>dgln3 MSE</c:v>
+                  <c:v>GLN3 MSE</c:v>
                 </c:pt>
               </c:strCache>
             </c:strRef>
@@ -3480,49 +3472,49 @@
                 <c:formatCode>General</c:formatCode>
                 <c:ptCount val="15"/>
                 <c:pt idx="0">
-                  <c:v>1.3062098889319873</c:v>
+                  <c:v>1.306209888931987</c:v>
                 </c:pt>
                 <c:pt idx="1">
-                  <c:v>0.63437365428263937</c:v>
+                  <c:v>0.634373654282639</c:v>
                 </c:pt>
                 <c:pt idx="2">
-                  <c:v>0.86783925830496511</c:v>
+                  <c:v>0.867839258304965</c:v>
                 </c:pt>
                 <c:pt idx="3">
-                  <c:v>0.76919041994484882</c:v>
+                  <c:v>0.769190419944849</c:v>
                 </c:pt>
                 <c:pt idx="4">
-                  <c:v>0.35326105333333335</c:v>
+                  <c:v>0.353261053333333</c:v>
                 </c:pt>
                 <c:pt idx="5">
                   <c:v>1.344340022261781</c:v>
                 </c:pt>
                 <c:pt idx="6">
-                  <c:v>0.2967108331706193</c:v>
+                  <c:v>0.296710833170619</c:v>
                 </c:pt>
                 <c:pt idx="7">
-                  <c:v>0.76929499267293533</c:v>
+                  <c:v>0.769294992672935</c:v>
                 </c:pt>
                 <c:pt idx="8">
-                  <c:v>0.97055018130886772</c:v>
+                  <c:v>0.970550181308868</c:v>
                 </c:pt>
                 <c:pt idx="9">
-                  <c:v>0.38897409059471405</c:v>
+                  <c:v>0.388974090594714</c:v>
                 </c:pt>
                 <c:pt idx="10">
-                  <c:v>0.46965216642039703</c:v>
+                  <c:v>0.469652166420397</c:v>
                 </c:pt>
                 <c:pt idx="11">
-                  <c:v>0.28023024122923529</c:v>
+                  <c:v>0.280230241229235</c:v>
                 </c:pt>
                 <c:pt idx="12">
-                  <c:v>1.0424231973311662</c:v>
+                  <c:v>1.042423197331166</c:v>
                 </c:pt>
                 <c:pt idx="13">
-                  <c:v>1.4889767727685099</c:v>
+                  <c:v>1.48897677276851</c:v>
                 </c:pt>
                 <c:pt idx="14">
-                  <c:v>1.2801682539368298</c:v>
+                  <c:v>1.28016825393683</c:v>
                 </c:pt>
               </c:numCache>
             </c:numRef>
@@ -3537,7 +3529,7 @@
               <c:strCache>
                 <c:ptCount val="1"/>
                 <c:pt idx="0">
-                  <c:v>dhap4 MSE</c:v>
+                  <c:v>HAP4 MSE</c:v>
                 </c:pt>
               </c:strCache>
             </c:strRef>
@@ -3603,49 +3595,49 @@
                 <c:formatCode>General</c:formatCode>
                 <c:ptCount val="15"/>
                 <c:pt idx="0">
-                  <c:v>0.14592903524815279</c:v>
+                  <c:v>0.145929035248153</c:v>
                 </c:pt>
                 <c:pt idx="1">
-                  <c:v>0.31596374782002196</c:v>
+                  <c:v>0.315963747820022</c:v>
                 </c:pt>
                 <c:pt idx="2">
-                  <c:v>1.0945408413152697</c:v>
+                  <c:v>1.09454084131527</c:v>
                 </c:pt>
                 <c:pt idx="3">
-                  <c:v>0.88578834024339115</c:v>
+                  <c:v>0.885788340243391</c:v>
                 </c:pt>
                 <c:pt idx="4">
-                  <c:v>0.18676177465043006</c:v>
+                  <c:v>0.18676177465043</c:v>
                 </c:pt>
                 <c:pt idx="5">
                   <c:v>0.4916199175</c:v>
                 </c:pt>
                 <c:pt idx="6">
-                  <c:v>2.8276098510313745</c:v>
+                  <c:v>2.827609851031374</c:v>
                 </c:pt>
                 <c:pt idx="7">
-                  <c:v>0.20693944401855727</c:v>
+                  <c:v>0.206939444018557</c:v>
                 </c:pt>
                 <c:pt idx="8">
-                  <c:v>0.17819758417888518</c:v>
+                  <c:v>0.178197584178885</c:v>
                 </c:pt>
                 <c:pt idx="9">
-                  <c:v>0.17417773164151165</c:v>
+                  <c:v>0.174177731641512</c:v>
                 </c:pt>
                 <c:pt idx="10">
-                  <c:v>0.19112517821070305</c:v>
+                  <c:v>0.191125178210703</c:v>
                 </c:pt>
                 <c:pt idx="11">
-                  <c:v>0.46422539694767212</c:v>
+                  <c:v>0.464225396947672</c:v>
                 </c:pt>
                 <c:pt idx="12">
-                  <c:v>0.25337003425490906</c:v>
+                  <c:v>0.253370034254909</c:v>
                 </c:pt>
                 <c:pt idx="13">
-                  <c:v>0.72383864797139896</c:v>
+                  <c:v>0.723838647971399</c:v>
                 </c:pt>
                 <c:pt idx="14">
-                  <c:v>1.1287154628569909</c:v>
+                  <c:v>1.128715462856991</c:v>
                 </c:pt>
               </c:numCache>
             </c:numRef>
@@ -3660,7 +3652,7 @@
               <c:strCache>
                 <c:ptCount val="1"/>
                 <c:pt idx="0">
-                  <c:v>dhmo1 MSE</c:v>
+                  <c:v>HMO1 MSE</c:v>
                 </c:pt>
               </c:strCache>
             </c:strRef>
@@ -3726,49 +3718,49 @@
                 <c:formatCode>General</c:formatCode>
                 <c:ptCount val="15"/>
                 <c:pt idx="0">
-                  <c:v>0.21060423929162028</c:v>
+                  <c:v>0.21060423929162</c:v>
                 </c:pt>
                 <c:pt idx="1">
-                  <c:v>1.1926941732394005</c:v>
+                  <c:v>1.1926941732394</c:v>
                 </c:pt>
                 <c:pt idx="2">
-                  <c:v>0.76961312639220225</c:v>
+                  <c:v>0.769613126392202</c:v>
                 </c:pt>
                 <c:pt idx="3">
-                  <c:v>0.50326301450247235</c:v>
+                  <c:v>0.503263014502472</c:v>
                 </c:pt>
                 <c:pt idx="4">
-                  <c:v>0.23700352851722484</c:v>
+                  <c:v>0.237003528517225</c:v>
                 </c:pt>
                 <c:pt idx="5">
-                  <c:v>1.4212046387450117</c:v>
+                  <c:v>1.421204638745012</c:v>
                 </c:pt>
                 <c:pt idx="6">
-                  <c:v>0.5935956166666666</c:v>
+                  <c:v>0.593595616666667</c:v>
                 </c:pt>
                 <c:pt idx="7">
-                  <c:v>0.44896560763133925</c:v>
+                  <c:v>0.448965607631339</c:v>
                 </c:pt>
                 <c:pt idx="8">
-                  <c:v>1.1858920531986465</c:v>
+                  <c:v>1.185892053198647</c:v>
                 </c:pt>
                 <c:pt idx="9">
-                  <c:v>0.53337712403695148</c:v>
+                  <c:v>0.533377124036951</c:v>
                 </c:pt>
                 <c:pt idx="10">
-                  <c:v>0.31999016269585617</c:v>
+                  <c:v>0.319990162695856</c:v>
                 </c:pt>
                 <c:pt idx="11">
-                  <c:v>0.24136094957976484</c:v>
+                  <c:v>0.241360949579765</c:v>
                 </c:pt>
                 <c:pt idx="12">
-                  <c:v>0.28705830081307809</c:v>
+                  <c:v>0.287058300813078</c:v>
                 </c:pt>
                 <c:pt idx="13">
-                  <c:v>0.66091521384756857</c:v>
+                  <c:v>0.660915213847568</c:v>
                 </c:pt>
                 <c:pt idx="14">
-                  <c:v>0.46081434371304836</c:v>
+                  <c:v>0.460814343713048</c:v>
                 </c:pt>
               </c:numCache>
             </c:numRef>
@@ -3783,7 +3775,7 @@
               <c:strCache>
                 <c:ptCount val="1"/>
                 <c:pt idx="0">
-                  <c:v>dzap1 MSE</c:v>
+                  <c:v>ZAP1 MSE</c:v>
                 </c:pt>
               </c:strCache>
             </c:strRef>
@@ -3849,49 +3841,49 @@
                 <c:formatCode>General</c:formatCode>
                 <c:ptCount val="15"/>
                 <c:pt idx="0">
-                  <c:v>0.8469574059671362</c:v>
+                  <c:v>0.846957405967136</c:v>
                 </c:pt>
                 <c:pt idx="1">
-                  <c:v>1.1950154094501613</c:v>
+                  <c:v>1.195015409450161</c:v>
                 </c:pt>
                 <c:pt idx="2">
-                  <c:v>0.6775970454193162</c:v>
+                  <c:v>0.677597045419316</c:v>
                 </c:pt>
                 <c:pt idx="3">
-                  <c:v>0.22871937876434981</c:v>
+                  <c:v>0.22871937876435</c:v>
                 </c:pt>
                 <c:pt idx="4">
-                  <c:v>0.17217209917494003</c:v>
+                  <c:v>0.17217209917494</c:v>
                 </c:pt>
                 <c:pt idx="5">
-                  <c:v>0.55998674558159733</c:v>
+                  <c:v>0.559986745581597</c:v>
                 </c:pt>
                 <c:pt idx="6">
-                  <c:v>0.52398856409791594</c:v>
+                  <c:v>0.523988564097916</c:v>
                 </c:pt>
                 <c:pt idx="7">
-                  <c:v>0.24998903063761438</c:v>
+                  <c:v>0.249989030637614</c:v>
                 </c:pt>
                 <c:pt idx="8">
-                  <c:v>0.26950523039653679</c:v>
+                  <c:v>0.269505230396537</c:v>
                 </c:pt>
                 <c:pt idx="9">
-                  <c:v>1.3477030803347387</c:v>
+                  <c:v>1.347703080334739</c:v>
                 </c:pt>
                 <c:pt idx="10">
-                  <c:v>0.24630355768117995</c:v>
+                  <c:v>0.24630355768118</c:v>
                 </c:pt>
                 <c:pt idx="11">
-                  <c:v>0.31481754670614853</c:v>
+                  <c:v>0.314817546706148</c:v>
                 </c:pt>
                 <c:pt idx="12">
-                  <c:v>0.5273028826356726</c:v>
+                  <c:v>0.527302882635673</c:v>
                 </c:pt>
                 <c:pt idx="13">
-                  <c:v>0.50397914105966546</c:v>
+                  <c:v>0.503979141059665</c:v>
                 </c:pt>
                 <c:pt idx="14">
-                  <c:v>3.1590337508333337</c:v>
+                  <c:v>3.159033750833333</c:v>
                 </c:pt>
               </c:numCache>
             </c:numRef>
@@ -3906,11 +3898,11 @@
           <c:showBubbleSize val="0"/>
         </c:dLbls>
         <c:gapWidth val="150"/>
-        <c:axId val="140974080"/>
-        <c:axId val="99966976"/>
+        <c:axId val="2086825336"/>
+        <c:axId val="2086935544"/>
       </c:barChart>
       <c:catAx>
-        <c:axId val="140974080"/>
+        <c:axId val="2086825336"/>
         <c:scaling>
           <c:orientation val="minMax"/>
         </c:scaling>
@@ -3919,7 +3911,7 @@
         <c:majorTickMark val="out"/>
         <c:minorTickMark val="none"/>
         <c:tickLblPos val="nextTo"/>
-        <c:crossAx val="99966976"/>
+        <c:crossAx val="2086935544"/>
         <c:crosses val="autoZero"/>
         <c:auto val="1"/>
         <c:lblAlgn val="ctr"/>
@@ -3927,7 +3919,7 @@
         <c:noMultiLvlLbl val="0"/>
       </c:catAx>
       <c:valAx>
-        <c:axId val="99966976"/>
+        <c:axId val="2086935544"/>
         <c:scaling>
           <c:orientation val="minMax"/>
         </c:scaling>
@@ -3938,7 +3930,7 @@
         <c:majorTickMark val="out"/>
         <c:minorTickMark val="none"/>
         <c:tickLblPos val="nextTo"/>
-        <c:crossAx val="140974080"/>
+        <c:crossAx val="2086825336"/>
         <c:crosses val="autoZero"/>
         <c:crossBetween val="between"/>
       </c:valAx>
@@ -3958,8 +3950,8 @@
     <a:p>
       <a:pPr>
         <a:defRPr sz="1100" b="1">
-          <a:latin typeface="Arial" panose="020B0604020202020204" pitchFamily="34" charset="0"/>
-          <a:cs typeface="Arial" panose="020B0604020202020204" pitchFamily="34" charset="0"/>
+          <a:latin typeface="Arial"/>
+          <a:cs typeface="Arial"/>
         </a:defRPr>
       </a:pPr>
       <a:endParaRPr lang="en-US"/>
@@ -4001,7 +3993,7 @@
               <c:strCache>
                 <c:ptCount val="1"/>
                 <c:pt idx="0">
-                  <c:v>wt MSE</c:v>
+                  <c:v>WT MSE</c:v>
                 </c:pt>
               </c:strCache>
             </c:strRef>
@@ -4070,52 +4062,52 @@
                 <c:formatCode>General</c:formatCode>
                 <c:ptCount val="16"/>
                 <c:pt idx="0">
-                  <c:v>0.67729626025267831</c:v>
+                  <c:v>0.677296260252678</c:v>
                 </c:pt>
                 <c:pt idx="1">
-                  <c:v>0.41169576101853356</c:v>
+                  <c:v>0.411695761018534</c:v>
                 </c:pt>
                 <c:pt idx="2">
-                  <c:v>0.82516839909754647</c:v>
+                  <c:v>0.825168399097546</c:v>
                 </c:pt>
                 <c:pt idx="3">
-                  <c:v>0.92413250867198671</c:v>
+                  <c:v>0.924132508671987</c:v>
                 </c:pt>
                 <c:pt idx="4">
-                  <c:v>0.78984569349105582</c:v>
+                  <c:v>0.789845693491056</c:v>
                 </c:pt>
                 <c:pt idx="5">
-                  <c:v>0.4815355458646125</c:v>
+                  <c:v>0.481535545864612</c:v>
                 </c:pt>
                 <c:pt idx="6">
-                  <c:v>0.46153052549383838</c:v>
+                  <c:v>0.461530525493838</c:v>
                 </c:pt>
                 <c:pt idx="7">
-                  <c:v>2.0973692621040572</c:v>
+                  <c:v>2.097369262104057</c:v>
                 </c:pt>
                 <c:pt idx="8">
-                  <c:v>0.61958895824842153</c:v>
+                  <c:v>0.619588958248421</c:v>
                 </c:pt>
                 <c:pt idx="9">
-                  <c:v>0.77269166647650234</c:v>
+                  <c:v>0.772691666476502</c:v>
                 </c:pt>
                 <c:pt idx="10">
-                  <c:v>1.2271079043972479</c:v>
+                  <c:v>1.227107904397248</c:v>
                 </c:pt>
                 <c:pt idx="11">
-                  <c:v>0.47216870767989738</c:v>
+                  <c:v>0.472168707679897</c:v>
                 </c:pt>
                 <c:pt idx="12">
-                  <c:v>0.50056466420532952</c:v>
+                  <c:v>0.50056466420533</c:v>
                 </c:pt>
                 <c:pt idx="13">
-                  <c:v>1.5018473017893825</c:v>
+                  <c:v>1.501847301789383</c:v>
                 </c:pt>
                 <c:pt idx="14">
-                  <c:v>0.30716901582675282</c:v>
+                  <c:v>0.307169015826753</c:v>
                 </c:pt>
                 <c:pt idx="15">
-                  <c:v>2.2880222345937802</c:v>
+                  <c:v>2.28802223459378</c:v>
                 </c:pt>
               </c:numCache>
             </c:numRef>
@@ -4130,7 +4122,7 @@
               <c:strCache>
                 <c:ptCount val="1"/>
                 <c:pt idx="0">
-                  <c:v>dcin5 MSE</c:v>
+                  <c:v>CIN5 MSE</c:v>
                 </c:pt>
               </c:strCache>
             </c:strRef>
@@ -4199,52 +4191,52 @@
                 <c:formatCode>General</c:formatCode>
                 <c:ptCount val="16"/>
                 <c:pt idx="0">
-                  <c:v>0.68196372583370668</c:v>
+                  <c:v>0.681963725833707</c:v>
                 </c:pt>
                 <c:pt idx="1">
-                  <c:v>9.0755553703911349E-2</c:v>
+                  <c:v>0.0907555537039113</c:v>
                 </c:pt>
                 <c:pt idx="2">
-                  <c:v>0.14496421249999999</c:v>
+                  <c:v>0.1449642125</c:v>
                 </c:pt>
                 <c:pt idx="3">
-                  <c:v>4.8530275376037784</c:v>
+                  <c:v>4.853027537603777</c:v>
                 </c:pt>
                 <c:pt idx="4">
-                  <c:v>1.4471657794091202</c:v>
+                  <c:v>1.44716577940912</c:v>
                 </c:pt>
                 <c:pt idx="5">
-                  <c:v>0.85882261522630809</c:v>
+                  <c:v>0.858822615226308</c:v>
                 </c:pt>
                 <c:pt idx="6">
-                  <c:v>0.18095537914373436</c:v>
+                  <c:v>0.180955379143734</c:v>
                 </c:pt>
                 <c:pt idx="7">
-                  <c:v>1.1666869615745927</c:v>
+                  <c:v>1.166686961574593</c:v>
                 </c:pt>
                 <c:pt idx="8">
-                  <c:v>0.66258780411756102</c:v>
+                  <c:v>0.662587804117561</c:v>
                 </c:pt>
                 <c:pt idx="9">
-                  <c:v>0.41254156990608548</c:v>
+                  <c:v>0.412541569906085</c:v>
                 </c:pt>
                 <c:pt idx="10">
-                  <c:v>0.81534413430145047</c:v>
+                  <c:v>0.81534413430145</c:v>
                 </c:pt>
                 <c:pt idx="11">
-                  <c:v>0.14147158640062046</c:v>
+                  <c:v>0.14147158640062</c:v>
                 </c:pt>
                 <c:pt idx="12">
-                  <c:v>0.34791371494527046</c:v>
+                  <c:v>0.34791371494527</c:v>
                 </c:pt>
                 <c:pt idx="13">
                   <c:v>0.68067030320582</c:v>
                 </c:pt>
                 <c:pt idx="14">
-                  <c:v>0.66872651468377031</c:v>
+                  <c:v>0.66872651468377</c:v>
                 </c:pt>
                 <c:pt idx="15">
-                  <c:v>0.66973275430352797</c:v>
+                  <c:v>0.669732754303528</c:v>
                 </c:pt>
               </c:numCache>
             </c:numRef>
@@ -4259,7 +4251,7 @@
               <c:strCache>
                 <c:ptCount val="1"/>
                 <c:pt idx="0">
-                  <c:v>dgln3 MSE</c:v>
+                  <c:v>GLN3 MSE</c:v>
                 </c:pt>
               </c:strCache>
             </c:strRef>
@@ -4328,52 +4320,52 @@
                 <c:formatCode>General</c:formatCode>
                 <c:ptCount val="16"/>
                 <c:pt idx="0">
-                  <c:v>0.87916471992158929</c:v>
+                  <c:v>0.879164719921589</c:v>
                 </c:pt>
                 <c:pt idx="1">
-                  <c:v>1.2662139957213339</c:v>
+                  <c:v>1.266213995721334</c:v>
                 </c:pt>
                 <c:pt idx="2">
-                  <c:v>0.8659384756884041</c:v>
+                  <c:v>0.865938475688404</c:v>
                 </c:pt>
                 <c:pt idx="3">
-                  <c:v>0.6419309949996187</c:v>
+                  <c:v>0.641930994999619</c:v>
                 </c:pt>
                 <c:pt idx="4">
-                  <c:v>1.2363180885799601</c:v>
+                  <c:v>1.23631808857996</c:v>
                 </c:pt>
                 <c:pt idx="5">
-                  <c:v>0.78166703838353813</c:v>
+                  <c:v>0.781667038383538</c:v>
                 </c:pt>
                 <c:pt idx="6">
-                  <c:v>0.35326105333333335</c:v>
+                  <c:v>0.353261053333333</c:v>
                 </c:pt>
                 <c:pt idx="7">
-                  <c:v>1.4351377722084366</c:v>
+                  <c:v>1.435137772208437</c:v>
                 </c:pt>
                 <c:pt idx="8">
-                  <c:v>0.29797261673089431</c:v>
+                  <c:v>0.297972616730894</c:v>
                 </c:pt>
                 <c:pt idx="9">
-                  <c:v>0.65345810033185181</c:v>
+                  <c:v>0.653458100331852</c:v>
                 </c:pt>
                 <c:pt idx="10">
-                  <c:v>4.1223648880967616</c:v>
+                  <c:v>4.122364888096761</c:v>
                 </c:pt>
                 <c:pt idx="11">
-                  <c:v>0.16720381109068125</c:v>
+                  <c:v>0.167203811090681</c:v>
                 </c:pt>
                 <c:pt idx="12">
-                  <c:v>0.81999234601425408</c:v>
+                  <c:v>0.819992346014254</c:v>
                 </c:pt>
                 <c:pt idx="13">
-                  <c:v>1.1841822142286345</c:v>
+                  <c:v>1.184182214228634</c:v>
                 </c:pt>
                 <c:pt idx="14">
-                  <c:v>0.46271144449365015</c:v>
+                  <c:v>0.46271144449365</c:v>
                 </c:pt>
                 <c:pt idx="15">
-                  <c:v>1.2875125754119034</c:v>
+                  <c:v>1.287512575411903</c:v>
                 </c:pt>
               </c:numCache>
             </c:numRef>
@@ -4388,7 +4380,7 @@
               <c:strCache>
                 <c:ptCount val="1"/>
                 <c:pt idx="0">
-                  <c:v>dhap4 MSE</c:v>
+                  <c:v>HAP4 MSE</c:v>
                 </c:pt>
               </c:strCache>
             </c:strRef>
@@ -4457,52 +4449,52 @@
                 <c:formatCode>General</c:formatCode>
                 <c:ptCount val="16"/>
                 <c:pt idx="0">
-                  <c:v>0.53025947954429298</c:v>
+                  <c:v>0.530259479544293</c:v>
                 </c:pt>
                 <c:pt idx="1">
-                  <c:v>0.16214248819927449</c:v>
+                  <c:v>0.162142488199274</c:v>
                 </c:pt>
                 <c:pt idx="2">
-                  <c:v>1.0793556031246172</c:v>
+                  <c:v>1.079355603124617</c:v>
                 </c:pt>
                 <c:pt idx="3">
-                  <c:v>0.29513689888758843</c:v>
+                  <c:v>0.295136898887588</c:v>
                 </c:pt>
                 <c:pt idx="4">
-                  <c:v>0.51520515914176368</c:v>
+                  <c:v>0.515205159141764</c:v>
                 </c:pt>
                 <c:pt idx="5">
-                  <c:v>0.93700210751060931</c:v>
+                  <c:v>0.937002107510609</c:v>
                 </c:pt>
                 <c:pt idx="6">
-                  <c:v>0.20109078835214411</c:v>
+                  <c:v>0.201090788352144</c:v>
                 </c:pt>
                 <c:pt idx="7">
                   <c:v>0.4916199175</c:v>
                 </c:pt>
                 <c:pt idx="8">
-                  <c:v>2.8517853085641689</c:v>
+                  <c:v>2.851785308564168</c:v>
                 </c:pt>
                 <c:pt idx="9">
-                  <c:v>0.32033548285696783</c:v>
+                  <c:v>0.320335482856968</c:v>
                 </c:pt>
                 <c:pt idx="10">
-                  <c:v>1.3097377304597793</c:v>
+                  <c:v>1.309737730459779</c:v>
                 </c:pt>
                 <c:pt idx="11">
-                  <c:v>0.18002663828601514</c:v>
+                  <c:v>0.180026638286015</c:v>
                 </c:pt>
                 <c:pt idx="12">
-                  <c:v>0.22872465853408763</c:v>
+                  <c:v>0.228724658534088</c:v>
                 </c:pt>
                 <c:pt idx="13">
-                  <c:v>0.76886610169271086</c:v>
+                  <c:v>0.768866101692711</c:v>
                 </c:pt>
                 <c:pt idx="14">
-                  <c:v>0.19812587386588423</c:v>
+                  <c:v>0.198125873865884</c:v>
                 </c:pt>
                 <c:pt idx="15">
-                  <c:v>1.1365592454667277</c:v>
+                  <c:v>1.136559245466728</c:v>
                 </c:pt>
               </c:numCache>
             </c:numRef>
@@ -4517,7 +4509,7 @@
               <c:strCache>
                 <c:ptCount val="1"/>
                 <c:pt idx="0">
-                  <c:v>dhmo1 MSE</c:v>
+                  <c:v>HMO1 MSE</c:v>
                 </c:pt>
               </c:strCache>
             </c:strRef>
@@ -4586,52 +4578,52 @@
                 <c:formatCode>General</c:formatCode>
                 <c:ptCount val="16"/>
                 <c:pt idx="0">
-                  <c:v>1.1571306515172683</c:v>
+                  <c:v>1.157130651517268</c:v>
                 </c:pt>
                 <c:pt idx="1">
-                  <c:v>0.20084316420683759</c:v>
+                  <c:v>0.200843164206838</c:v>
                 </c:pt>
                 <c:pt idx="2">
-                  <c:v>0.76564704068291356</c:v>
+                  <c:v>0.765647040682913</c:v>
                 </c:pt>
                 <c:pt idx="3">
-                  <c:v>0.35507555010719866</c:v>
+                  <c:v>0.355075550107199</c:v>
                 </c:pt>
                 <c:pt idx="4">
-                  <c:v>0.7572083071840785</c:v>
+                  <c:v>0.757208307184078</c:v>
                 </c:pt>
                 <c:pt idx="5">
-                  <c:v>0.48478824445076824</c:v>
+                  <c:v>0.484788244450768</c:v>
                 </c:pt>
                 <c:pt idx="6">
                   <c:v>0.23432433640771</c:v>
                 </c:pt>
                 <c:pt idx="7">
-                  <c:v>1.4556753023026789</c:v>
+                  <c:v>1.455675302302679</c:v>
                 </c:pt>
                 <c:pt idx="8">
-                  <c:v>0.5935956166666666</c:v>
+                  <c:v>0.593595616666667</c:v>
                 </c:pt>
                 <c:pt idx="9">
-                  <c:v>0.61535216662177405</c:v>
+                  <c:v>0.615352166621774</c:v>
                 </c:pt>
                 <c:pt idx="10">
-                  <c:v>3.1236612648710231</c:v>
+                  <c:v>3.123661264871023</c:v>
                 </c:pt>
                 <c:pt idx="11">
-                  <c:v>0.2564140888766433</c:v>
+                  <c:v>0.256414088876643</c:v>
                 </c:pt>
                 <c:pt idx="12">
-                  <c:v>0.42145504752954488</c:v>
+                  <c:v>0.421455047529545</c:v>
                 </c:pt>
                 <c:pt idx="13">
-                  <c:v>0.69437806656040324</c:v>
+                  <c:v>0.694378066560403</c:v>
                 </c:pt>
                 <c:pt idx="14">
-                  <c:v>0.24226530240080005</c:v>
+                  <c:v>0.2422653024008</c:v>
                 </c:pt>
                 <c:pt idx="15">
-                  <c:v>0.46691565643604099</c:v>
+                  <c:v>0.466915656436041</c:v>
                 </c:pt>
               </c:numCache>
             </c:numRef>
@@ -4646,7 +4638,7 @@
               <c:strCache>
                 <c:ptCount val="1"/>
                 <c:pt idx="0">
-                  <c:v>dzap1 MSE</c:v>
+                  <c:v>ZAP1 MSE</c:v>
                 </c:pt>
               </c:strCache>
             </c:strRef>
@@ -4715,52 +4707,52 @@
                 <c:formatCode>General</c:formatCode>
                 <c:ptCount val="16"/>
                 <c:pt idx="0">
-                  <c:v>1.6716773867175629</c:v>
+                  <c:v>1.671677386717563</c:v>
                 </c:pt>
                 <c:pt idx="1">
-                  <c:v>0.85069235721156122</c:v>
+                  <c:v>0.850692357211561</c:v>
                 </c:pt>
                 <c:pt idx="2">
-                  <c:v>0.67675076209561935</c:v>
+                  <c:v>0.676750762095619</c:v>
                 </c:pt>
                 <c:pt idx="3">
-                  <c:v>0.34318667086109916</c:v>
+                  <c:v>0.343186670861099</c:v>
                 </c:pt>
                 <c:pt idx="4">
                   <c:v>0.299827948372343</c:v>
                 </c:pt>
                 <c:pt idx="5">
-                  <c:v>0.24300215045470649</c:v>
+                  <c:v>0.243002150454706</c:v>
                 </c:pt>
                 <c:pt idx="6">
-                  <c:v>0.17532868833862839</c:v>
+                  <c:v>0.175328688338628</c:v>
                 </c:pt>
                 <c:pt idx="7">
-                  <c:v>0.66063722812414694</c:v>
+                  <c:v>0.660637228124147</c:v>
                 </c:pt>
                 <c:pt idx="8">
-                  <c:v>0.52267081880756161</c:v>
+                  <c:v>0.522670818807562</c:v>
                 </c:pt>
                 <c:pt idx="9">
-                  <c:v>0.32018195409826622</c:v>
+                  <c:v>0.320181954098266</c:v>
                 </c:pt>
                 <c:pt idx="10">
-                  <c:v>3.7307869550885031</c:v>
+                  <c:v>3.730786955088503</c:v>
                 </c:pt>
                 <c:pt idx="11">
-                  <c:v>0.30810265338532133</c:v>
+                  <c:v>0.308102653385321</c:v>
                 </c:pt>
                 <c:pt idx="12">
-                  <c:v>0.26842751593744291</c:v>
+                  <c:v>0.268427515937443</c:v>
                 </c:pt>
                 <c:pt idx="13">
-                  <c:v>1.3855465905327959</c:v>
+                  <c:v>1.385546590532796</c:v>
                 </c:pt>
                 <c:pt idx="14">
-                  <c:v>0.25304771459963765</c:v>
+                  <c:v>0.253047714599638</c:v>
                 </c:pt>
                 <c:pt idx="15">
-                  <c:v>3.1590337508333337</c:v>
+                  <c:v>3.159033750833333</c:v>
                 </c:pt>
               </c:numCache>
             </c:numRef>
@@ -4775,11 +4767,11 @@
           <c:showBubbleSize val="0"/>
         </c:dLbls>
         <c:gapWidth val="150"/>
-        <c:axId val="136984576"/>
-        <c:axId val="118800960"/>
+        <c:axId val="2132816920"/>
+        <c:axId val="2133809960"/>
       </c:barChart>
       <c:catAx>
-        <c:axId val="136984576"/>
+        <c:axId val="2132816920"/>
         <c:scaling>
           <c:orientation val="minMax"/>
         </c:scaling>
@@ -4788,7 +4780,7 @@
         <c:majorTickMark val="out"/>
         <c:minorTickMark val="none"/>
         <c:tickLblPos val="nextTo"/>
-        <c:crossAx val="118800960"/>
+        <c:crossAx val="2133809960"/>
         <c:crosses val="autoZero"/>
         <c:auto val="1"/>
         <c:lblAlgn val="ctr"/>
@@ -4796,7 +4788,7 @@
         <c:noMultiLvlLbl val="0"/>
       </c:catAx>
       <c:valAx>
-        <c:axId val="118800960"/>
+        <c:axId val="2133809960"/>
         <c:scaling>
           <c:orientation val="minMax"/>
         </c:scaling>
@@ -4807,7 +4799,7 @@
         <c:majorTickMark val="out"/>
         <c:minorTickMark val="none"/>
         <c:tickLblPos val="nextTo"/>
-        <c:crossAx val="136984576"/>
+        <c:crossAx val="2132816920"/>
         <c:crosses val="autoZero"/>
         <c:crossBetween val="between"/>
       </c:valAx>
@@ -4827,8 +4819,8 @@
     <a:p>
       <a:pPr>
         <a:defRPr sz="1100" b="1">
-          <a:latin typeface="Arial" panose="020B0604020202020204" pitchFamily="34" charset="0"/>
-          <a:cs typeface="Arial" panose="020B0604020202020204" pitchFamily="34" charset="0"/>
+          <a:latin typeface="Arial"/>
+          <a:cs typeface="Arial"/>
         </a:defRPr>
       </a:pPr>
       <a:endParaRPr lang="en-US"/>
@@ -5021,7 +5013,7 @@
           <a:p>
             <a:fld id="{7DD5E95C-6FA8-4669-BE0B-DCF3DCE79358}" type="datetimeFigureOut">
               <a:rPr lang="en-US" smtClean="0"/>
-              <a:t>11/16/2016</a:t>
+              <a:t>12/4/16</a:t>
             </a:fld>
             <a:endParaRPr lang="en-US"/>
           </a:p>
@@ -5191,7 +5183,7 @@
           <a:p>
             <a:fld id="{7DD5E95C-6FA8-4669-BE0B-DCF3DCE79358}" type="datetimeFigureOut">
               <a:rPr lang="en-US" smtClean="0"/>
-              <a:t>11/16/2016</a:t>
+              <a:t>12/4/16</a:t>
             </a:fld>
             <a:endParaRPr lang="en-US"/>
           </a:p>
@@ -5371,7 +5363,7 @@
           <a:p>
             <a:fld id="{7DD5E95C-6FA8-4669-BE0B-DCF3DCE79358}" type="datetimeFigureOut">
               <a:rPr lang="en-US" smtClean="0"/>
-              <a:t>11/16/2016</a:t>
+              <a:t>12/4/16</a:t>
             </a:fld>
             <a:endParaRPr lang="en-US"/>
           </a:p>
@@ -5541,7 +5533,7 @@
           <a:p>
             <a:fld id="{7DD5E95C-6FA8-4669-BE0B-DCF3DCE79358}" type="datetimeFigureOut">
               <a:rPr lang="en-US" smtClean="0"/>
-              <a:t>11/16/2016</a:t>
+              <a:t>12/4/16</a:t>
             </a:fld>
             <a:endParaRPr lang="en-US"/>
           </a:p>
@@ -5787,7 +5779,7 @@
           <a:p>
             <a:fld id="{7DD5E95C-6FA8-4669-BE0B-DCF3DCE79358}" type="datetimeFigureOut">
               <a:rPr lang="en-US" smtClean="0"/>
-              <a:t>11/16/2016</a:t>
+              <a:t>12/4/16</a:t>
             </a:fld>
             <a:endParaRPr lang="en-US"/>
           </a:p>
@@ -6075,7 +6067,7 @@
           <a:p>
             <a:fld id="{7DD5E95C-6FA8-4669-BE0B-DCF3DCE79358}" type="datetimeFigureOut">
               <a:rPr lang="en-US" smtClean="0"/>
-              <a:t>11/16/2016</a:t>
+              <a:t>12/4/16</a:t>
             </a:fld>
             <a:endParaRPr lang="en-US"/>
           </a:p>
@@ -6497,7 +6489,7 @@
           <a:p>
             <a:fld id="{7DD5E95C-6FA8-4669-BE0B-DCF3DCE79358}" type="datetimeFigureOut">
               <a:rPr lang="en-US" smtClean="0"/>
-              <a:t>11/16/2016</a:t>
+              <a:t>12/4/16</a:t>
             </a:fld>
             <a:endParaRPr lang="en-US"/>
           </a:p>
@@ -6615,7 +6607,7 @@
           <a:p>
             <a:fld id="{7DD5E95C-6FA8-4669-BE0B-DCF3DCE79358}" type="datetimeFigureOut">
               <a:rPr lang="en-US" smtClean="0"/>
-              <a:t>11/16/2016</a:t>
+              <a:t>12/4/16</a:t>
             </a:fld>
             <a:endParaRPr lang="en-US"/>
           </a:p>
@@ -6710,7 +6702,7 @@
           <a:p>
             <a:fld id="{7DD5E95C-6FA8-4669-BE0B-DCF3DCE79358}" type="datetimeFigureOut">
               <a:rPr lang="en-US" smtClean="0"/>
-              <a:t>11/16/2016</a:t>
+              <a:t>12/4/16</a:t>
             </a:fld>
             <a:endParaRPr lang="en-US"/>
           </a:p>
@@ -6987,7 +6979,7 @@
           <a:p>
             <a:fld id="{7DD5E95C-6FA8-4669-BE0B-DCF3DCE79358}" type="datetimeFigureOut">
               <a:rPr lang="en-US" smtClean="0"/>
-              <a:t>11/16/2016</a:t>
+              <a:t>12/4/16</a:t>
             </a:fld>
             <a:endParaRPr lang="en-US"/>
           </a:p>
@@ -7240,7 +7232,7 @@
           <a:p>
             <a:fld id="{7DD5E95C-6FA8-4669-BE0B-DCF3DCE79358}" type="datetimeFigureOut">
               <a:rPr lang="en-US" smtClean="0"/>
-              <a:t>11/16/2016</a:t>
+              <a:t>12/4/16</a:t>
             </a:fld>
             <a:endParaRPr lang="en-US"/>
           </a:p>
@@ -7453,7 +7445,7 @@
           <a:p>
             <a:fld id="{7DD5E95C-6FA8-4669-BE0B-DCF3DCE79358}" type="datetimeFigureOut">
               <a:rPr lang="en-US" smtClean="0"/>
-              <a:t>11/16/2016</a:t>
+              <a:t>12/4/16</a:t>
             </a:fld>
             <a:endParaRPr lang="en-US"/>
           </a:p>
@@ -7891,36 +7883,22 @@
                 <a:latin typeface="Arial" panose="020B0604020202020204" pitchFamily="34" charset="0"/>
                 <a:cs typeface="Arial" panose="020B0604020202020204" pitchFamily="34" charset="0"/>
               </a:rPr>
-              <a:t>Brandon </a:t>
+              <a:t>Brandon Klein</a:t>
             </a:r>
+          </a:p>
+          <a:p>
+            <a:endParaRPr lang="en-US" sz="2000" dirty="0">
+              <a:latin typeface="Arial" panose="020B0604020202020204" pitchFamily="34" charset="0"/>
+              <a:cs typeface="Arial" panose="020B0604020202020204" pitchFamily="34" charset="0"/>
+            </a:endParaRPr>
+          </a:p>
+          <a:p>
             <a:r>
               <a:rPr lang="en-US" sz="2000" dirty="0" smtClean="0">
                 <a:latin typeface="Arial" panose="020B0604020202020204" pitchFamily="34" charset="0"/>
                 <a:cs typeface="Arial" panose="020B0604020202020204" pitchFamily="34" charset="0"/>
               </a:rPr>
-              <a:t>Klein</a:t>
-            </a:r>
-          </a:p>
-          <a:p>
-            <a:endParaRPr lang="en-US" sz="2000" dirty="0">
-              <a:latin typeface="Arial" panose="020B0604020202020204" pitchFamily="34" charset="0"/>
-              <a:cs typeface="Arial" panose="020B0604020202020204" pitchFamily="34" charset="0"/>
-            </a:endParaRPr>
-          </a:p>
-          <a:p>
-            <a:r>
-              <a:rPr lang="en-US" sz="2000" dirty="0" smtClean="0">
-                <a:latin typeface="Arial" panose="020B0604020202020204" pitchFamily="34" charset="0"/>
-                <a:cs typeface="Arial" panose="020B0604020202020204" pitchFamily="34" charset="0"/>
-              </a:rPr>
-              <a:t>November 16, </a:t>
-            </a:r>
-            <a:r>
-              <a:rPr lang="en-US" sz="2000" dirty="0" smtClean="0">
-                <a:latin typeface="Arial" panose="020B0604020202020204" pitchFamily="34" charset="0"/>
-                <a:cs typeface="Arial" panose="020B0604020202020204" pitchFamily="34" charset="0"/>
-              </a:rPr>
-              <a:t>2016</a:t>
+              <a:t>November 16, 2016</a:t>
             </a:r>
             <a:endParaRPr lang="en-US" sz="2000" dirty="0">
               <a:latin typeface="Arial" panose="020B0604020202020204" pitchFamily="34" charset="0"/>
@@ -7942,7 +7920,7 @@
   <p:timing>
     <p:tnLst>
       <p:par>
-        <p:cTn id="1" dur="indefinite" restart="never" nodeType="tmRoot"/>
+        <p:cTn xmlns:p14="http://schemas.microsoft.com/office/powerpoint/2010/main" id="1" dur="indefinite" restart="never" nodeType="tmRoot"/>
       </p:par>
     </p:tnLst>
   </p:timing>
@@ -7966,6 +7944,30 @@
           <a:chExt cx="0" cy="0"/>
         </a:xfrm>
       </p:grpSpPr>
+      <p:graphicFrame>
+        <p:nvGraphicFramePr>
+          <p:cNvPr id="7" name="Chart 6"/>
+          <p:cNvGraphicFramePr>
+            <a:graphicFrameLocks/>
+          </p:cNvGraphicFramePr>
+          <p:nvPr>
+            <p:extLst>
+              <p:ext uri="{D42A27DB-BD31-4B8C-83A1-F6EECF244321}">
+                <p14:modId xmlns:p14="http://schemas.microsoft.com/office/powerpoint/2010/main" val="1246860508"/>
+              </p:ext>
+            </p:extLst>
+          </p:nvPr>
+        </p:nvGraphicFramePr>
+        <p:xfrm>
+          <a:off x="0" y="1295400"/>
+          <a:ext cx="9098562" cy="5562600"/>
+        </p:xfrm>
+        <a:graphic>
+          <a:graphicData uri="http://schemas.openxmlformats.org/drawingml/2006/chart">
+            <c:chart xmlns:c="http://schemas.openxmlformats.org/drawingml/2006/chart" xmlns:r="http://schemas.openxmlformats.org/officeDocument/2006/relationships" r:id="rId2"/>
+          </a:graphicData>
+        </a:graphic>
+      </p:graphicFrame>
       <p:sp>
         <p:nvSpPr>
           <p:cNvPr id="2" name="Title 1"/>
@@ -7990,36 +7992,12 @@
           <a:p>
             <a:r>
               <a:rPr lang="en-US" dirty="0" smtClean="0"/>
-              <a:t>Optimized Production Rates from Initial 4 Model Runs (no dCIN5 results)</a:t>
+              <a:t>Optimized Production Rates from Initial 4 Model Runs (no CIN5 results)</a:t>
             </a:r>
             <a:endParaRPr lang="en-US" dirty="0"/>
           </a:p>
         </p:txBody>
       </p:sp>
-      <p:graphicFrame>
-        <p:nvGraphicFramePr>
-          <p:cNvPr id="4" name="Chart 3"/>
-          <p:cNvGraphicFramePr>
-            <a:graphicFrameLocks/>
-          </p:cNvGraphicFramePr>
-          <p:nvPr>
-            <p:extLst>
-              <p:ext uri="{D42A27DB-BD31-4B8C-83A1-F6EECF244321}">
-                <p14:modId xmlns:p14="http://schemas.microsoft.com/office/powerpoint/2010/main" val="3874222134"/>
-              </p:ext>
-            </p:extLst>
-          </p:nvPr>
-        </p:nvGraphicFramePr>
-        <p:xfrm>
-          <a:off x="152400" y="1219200"/>
-          <a:ext cx="8839200" cy="5623560"/>
-        </p:xfrm>
-        <a:graphic>
-          <a:graphicData uri="http://schemas.openxmlformats.org/drawingml/2006/chart">
-            <c:chart xmlns:c="http://schemas.openxmlformats.org/drawingml/2006/chart" xmlns:r="http://schemas.openxmlformats.org/officeDocument/2006/relationships" r:id="rId2"/>
-          </a:graphicData>
-        </a:graphic>
-      </p:graphicFrame>
       <p:sp>
         <p:nvSpPr>
           <p:cNvPr id="5" name="Oval 4"/>
@@ -8028,7 +8006,7 @@
         </p:nvSpPr>
         <p:spPr>
           <a:xfrm rot="2414868">
-            <a:off x="2969414" y="6261240"/>
+            <a:off x="2893214" y="6261240"/>
             <a:ext cx="242455" cy="553212"/>
           </a:xfrm>
           <a:prstGeom prst="ellipse">
@@ -8074,7 +8052,7 @@
         </p:nvSpPr>
         <p:spPr>
           <a:xfrm rot="2414868">
-            <a:off x="7729377" y="6277689"/>
+            <a:off x="7815755" y="6284115"/>
             <a:ext cx="266701" cy="553212"/>
           </a:xfrm>
           <a:prstGeom prst="ellipse">
@@ -8112,106 +8090,15 @@
           </a:p>
         </p:txBody>
       </p:sp>
-    </p:spTree>
-    <p:extLst>
-      <p:ext uri="{BB962C8B-B14F-4D97-AF65-F5344CB8AC3E}">
-        <p14:creationId xmlns:p14="http://schemas.microsoft.com/office/powerpoint/2010/main" val="1434772461"/>
-      </p:ext>
-    </p:extLst>
-  </p:cSld>
-  <p:clrMapOvr>
-    <a:masterClrMapping/>
-  </p:clrMapOvr>
-  <p:timing>
-    <p:tnLst>
-      <p:par>
-        <p:cTn id="1" dur="indefinite" restart="never" nodeType="tmRoot"/>
-      </p:par>
-    </p:tnLst>
-  </p:timing>
-</p:sld>
-</file>
-
-<file path=ppt/slides/slide3.xml><?xml version="1.0" encoding="utf-8"?>
-<p:sld xmlns:a="http://schemas.openxmlformats.org/drawingml/2006/main" xmlns:r="http://schemas.openxmlformats.org/officeDocument/2006/relationships" xmlns:p="http://schemas.openxmlformats.org/presentationml/2006/main">
-  <p:cSld>
-    <p:spTree>
-      <p:nvGrpSpPr>
-        <p:cNvPr id="1" name=""/>
-        <p:cNvGrpSpPr/>
-        <p:nvPr/>
-      </p:nvGrpSpPr>
-      <p:grpSpPr>
-        <a:xfrm>
-          <a:off x="0" y="0"/>
-          <a:ext cx="0" cy="0"/>
-          <a:chOff x="0" y="0"/>
-          <a:chExt cx="0" cy="0"/>
-        </a:xfrm>
-      </p:grpSpPr>
       <p:sp>
         <p:nvSpPr>
-          <p:cNvPr id="2" name="Title 1"/>
-          <p:cNvSpPr>
-            <a:spLocks noGrp="1"/>
-          </p:cNvSpPr>
-          <p:nvPr>
-            <p:ph type="title"/>
-          </p:nvPr>
-        </p:nvSpPr>
-        <p:spPr>
-          <a:xfrm>
-            <a:off x="457200" y="0"/>
-            <a:ext cx="8229600" cy="1143000"/>
-          </a:xfrm>
-        </p:spPr>
-        <p:txBody>
-          <a:bodyPr>
-            <a:normAutofit fontScale="90000"/>
-          </a:bodyPr>
-          <a:lstStyle/>
-          <a:p>
-            <a:r>
-              <a:rPr lang="en-US" dirty="0" smtClean="0"/>
-              <a:t>Optimized Threshold_B Values from Initial 4 Model Runs (no dCIN5 results)</a:t>
-            </a:r>
-            <a:endParaRPr lang="en-US" dirty="0"/>
-          </a:p>
-        </p:txBody>
-      </p:sp>
-      <p:graphicFrame>
-        <p:nvGraphicFramePr>
-          <p:cNvPr id="3" name="Chart 2"/>
-          <p:cNvGraphicFramePr>
-            <a:graphicFrameLocks/>
-          </p:cNvGraphicFramePr>
-          <p:nvPr>
-            <p:extLst>
-              <p:ext uri="{D42A27DB-BD31-4B8C-83A1-F6EECF244321}">
-                <p14:modId xmlns:p14="http://schemas.microsoft.com/office/powerpoint/2010/main" val="3757558739"/>
-              </p:ext>
-            </p:extLst>
-          </p:nvPr>
-        </p:nvGraphicFramePr>
-        <p:xfrm>
-          <a:off x="36576" y="1219200"/>
-          <a:ext cx="8967965" cy="5638800"/>
-        </p:xfrm>
-        <a:graphic>
-          <a:graphicData uri="http://schemas.openxmlformats.org/drawingml/2006/chart">
-            <c:chart xmlns:c="http://schemas.openxmlformats.org/drawingml/2006/chart" xmlns:r="http://schemas.openxmlformats.org/officeDocument/2006/relationships" r:id="rId2"/>
-          </a:graphicData>
-        </a:graphic>
-      </p:graphicFrame>
-      <p:sp>
-        <p:nvSpPr>
-          <p:cNvPr id="4" name="Oval 3"/>
+          <p:cNvPr id="8" name="Oval 7"/>
           <p:cNvSpPr/>
           <p:nvPr/>
         </p:nvSpPr>
         <p:spPr>
           <a:xfrm rot="2414868">
-            <a:off x="2817014" y="4737240"/>
+            <a:off x="302414" y="6291948"/>
             <a:ext cx="242455" cy="553212"/>
           </a:xfrm>
           <a:prstGeom prst="ellipse">
@@ -8251,13 +8138,186 @@
       </p:sp>
       <p:sp>
         <p:nvSpPr>
+          <p:cNvPr id="3" name="TextBox 2"/>
+          <p:cNvSpPr txBox="1"/>
+          <p:nvPr/>
+        </p:nvSpPr>
+        <p:spPr>
+          <a:xfrm>
+            <a:off x="8340090" y="3352800"/>
+            <a:ext cx="922020" cy="261610"/>
+          </a:xfrm>
+          <a:prstGeom prst="rect">
+            <a:avLst/>
+          </a:prstGeom>
+          <a:noFill/>
+        </p:spPr>
+        <p:txBody>
+          <a:bodyPr wrap="square" rtlCol="0">
+            <a:spAutoFit/>
+          </a:bodyPr>
+          <a:lstStyle/>
+          <a:p>
+            <a:r>
+              <a:rPr lang="en-US" sz="1100" b="1" u="sng" dirty="0" smtClean="0">
+                <a:latin typeface="Arial"/>
+                <a:cs typeface="Arial"/>
+              </a:rPr>
+              <a:t>Network:</a:t>
+            </a:r>
+            <a:endParaRPr lang="en-US" sz="1100" b="1" u="sng" dirty="0">
+              <a:latin typeface="Arial"/>
+              <a:cs typeface="Arial"/>
+            </a:endParaRPr>
+          </a:p>
+        </p:txBody>
+      </p:sp>
+    </p:spTree>
+    <p:extLst>
+      <p:ext uri="{BB962C8B-B14F-4D97-AF65-F5344CB8AC3E}">
+        <p14:creationId xmlns:p14="http://schemas.microsoft.com/office/powerpoint/2010/main" val="1434772461"/>
+      </p:ext>
+    </p:extLst>
+  </p:cSld>
+  <p:clrMapOvr>
+    <a:masterClrMapping/>
+  </p:clrMapOvr>
+  <p:timing>
+    <p:tnLst>
+      <p:par>
+        <p:cTn xmlns:p14="http://schemas.microsoft.com/office/powerpoint/2010/main" id="1" dur="indefinite" restart="never" nodeType="tmRoot"/>
+      </p:par>
+    </p:tnLst>
+  </p:timing>
+</p:sld>
+</file>
+
+<file path=ppt/slides/slide3.xml><?xml version="1.0" encoding="utf-8"?>
+<p:sld xmlns:a="http://schemas.openxmlformats.org/drawingml/2006/main" xmlns:r="http://schemas.openxmlformats.org/officeDocument/2006/relationships" xmlns:p="http://schemas.openxmlformats.org/presentationml/2006/main">
+  <p:cSld>
+    <p:spTree>
+      <p:nvGrpSpPr>
+        <p:cNvPr id="1" name=""/>
+        <p:cNvGrpSpPr/>
+        <p:nvPr/>
+      </p:nvGrpSpPr>
+      <p:grpSpPr>
+        <a:xfrm>
+          <a:off x="0" y="0"/>
+          <a:ext cx="0" cy="0"/>
+          <a:chOff x="0" y="0"/>
+          <a:chExt cx="0" cy="0"/>
+        </a:xfrm>
+      </p:grpSpPr>
+      <p:graphicFrame>
+        <p:nvGraphicFramePr>
+          <p:cNvPr id="6" name="Chart 5"/>
+          <p:cNvGraphicFramePr>
+            <a:graphicFrameLocks/>
+          </p:cNvGraphicFramePr>
+          <p:nvPr>
+            <p:extLst>
+              <p:ext uri="{D42A27DB-BD31-4B8C-83A1-F6EECF244321}">
+                <p14:modId xmlns:p14="http://schemas.microsoft.com/office/powerpoint/2010/main" val="4278980241"/>
+              </p:ext>
+            </p:extLst>
+          </p:nvPr>
+        </p:nvGraphicFramePr>
+        <p:xfrm>
+          <a:off x="16882" y="1219200"/>
+          <a:ext cx="9130098" cy="5638800"/>
+        </p:xfrm>
+        <a:graphic>
+          <a:graphicData uri="http://schemas.openxmlformats.org/drawingml/2006/chart">
+            <c:chart xmlns:c="http://schemas.openxmlformats.org/drawingml/2006/chart" xmlns:r="http://schemas.openxmlformats.org/officeDocument/2006/relationships" r:id="rId2"/>
+          </a:graphicData>
+        </a:graphic>
+      </p:graphicFrame>
+      <p:sp>
+        <p:nvSpPr>
+          <p:cNvPr id="2" name="Title 1"/>
+          <p:cNvSpPr>
+            <a:spLocks noGrp="1"/>
+          </p:cNvSpPr>
+          <p:nvPr>
+            <p:ph type="title"/>
+          </p:nvPr>
+        </p:nvSpPr>
+        <p:spPr>
+          <a:xfrm>
+            <a:off x="457200" y="0"/>
+            <a:ext cx="8229600" cy="1143000"/>
+          </a:xfrm>
+        </p:spPr>
+        <p:txBody>
+          <a:bodyPr>
+            <a:normAutofit fontScale="90000"/>
+          </a:bodyPr>
+          <a:lstStyle/>
+          <a:p>
+            <a:r>
+              <a:rPr lang="en-US" dirty="0" smtClean="0"/>
+              <a:t>Optimized Threshold_B Values from Initial 4 Model Runs (no CIN5 results)</a:t>
+            </a:r>
+            <a:endParaRPr lang="en-US" dirty="0"/>
+          </a:p>
+        </p:txBody>
+      </p:sp>
+      <p:sp>
+        <p:nvSpPr>
+          <p:cNvPr id="4" name="Oval 3"/>
+          <p:cNvSpPr/>
+          <p:nvPr/>
+        </p:nvSpPr>
+        <p:spPr>
+          <a:xfrm rot="2414868">
+            <a:off x="2893214" y="4539348"/>
+            <a:ext cx="242455" cy="553212"/>
+          </a:xfrm>
+          <a:prstGeom prst="ellipse">
+            <a:avLst/>
+          </a:prstGeom>
+          <a:noFill/>
+          <a:ln>
+            <a:solidFill>
+              <a:srgbClr val="FF0000"/>
+            </a:solidFill>
+          </a:ln>
+        </p:spPr>
+        <p:style>
+          <a:lnRef idx="2">
+            <a:schemeClr val="accent1">
+              <a:shade val="50000"/>
+            </a:schemeClr>
+          </a:lnRef>
+          <a:fillRef idx="1">
+            <a:schemeClr val="accent1"/>
+          </a:fillRef>
+          <a:effectRef idx="0">
+            <a:schemeClr val="accent1"/>
+          </a:effectRef>
+          <a:fontRef idx="minor">
+            <a:schemeClr val="lt1"/>
+          </a:fontRef>
+        </p:style>
+        <p:txBody>
+          <a:bodyPr rtlCol="0" anchor="ctr"/>
+          <a:lstStyle/>
+          <a:p>
+            <a:pPr algn="ctr"/>
+            <a:endParaRPr lang="en-US"/>
+          </a:p>
+        </p:txBody>
+      </p:sp>
+      <p:sp>
+        <p:nvSpPr>
           <p:cNvPr id="5" name="Oval 4"/>
           <p:cNvSpPr/>
           <p:nvPr/>
         </p:nvSpPr>
         <p:spPr>
           <a:xfrm rot="2414868">
-            <a:off x="7757746" y="4736086"/>
+            <a:off x="7906168" y="4583686"/>
             <a:ext cx="242455" cy="502920"/>
           </a:xfrm>
           <a:prstGeom prst="ellipse">
@@ -8295,6 +8355,88 @@
           </a:p>
         </p:txBody>
       </p:sp>
+      <p:sp>
+        <p:nvSpPr>
+          <p:cNvPr id="7" name="Oval 6"/>
+          <p:cNvSpPr/>
+          <p:nvPr/>
+        </p:nvSpPr>
+        <p:spPr>
+          <a:xfrm rot="2414868">
+            <a:off x="233377" y="4583686"/>
+            <a:ext cx="242455" cy="502920"/>
+          </a:xfrm>
+          <a:prstGeom prst="ellipse">
+            <a:avLst/>
+          </a:prstGeom>
+          <a:noFill/>
+          <a:ln>
+            <a:solidFill>
+              <a:srgbClr val="FF0000"/>
+            </a:solidFill>
+          </a:ln>
+        </p:spPr>
+        <p:style>
+          <a:lnRef idx="2">
+            <a:schemeClr val="accent1">
+              <a:shade val="50000"/>
+            </a:schemeClr>
+          </a:lnRef>
+          <a:fillRef idx="1">
+            <a:schemeClr val="accent1"/>
+          </a:fillRef>
+          <a:effectRef idx="0">
+            <a:schemeClr val="accent1"/>
+          </a:effectRef>
+          <a:fontRef idx="minor">
+            <a:schemeClr val="lt1"/>
+          </a:fontRef>
+        </p:style>
+        <p:txBody>
+          <a:bodyPr rtlCol="0" anchor="ctr"/>
+          <a:lstStyle/>
+          <a:p>
+            <a:pPr algn="ctr"/>
+            <a:endParaRPr lang="en-US"/>
+          </a:p>
+        </p:txBody>
+      </p:sp>
+      <p:sp>
+        <p:nvSpPr>
+          <p:cNvPr id="8" name="TextBox 7"/>
+          <p:cNvSpPr txBox="1"/>
+          <p:nvPr/>
+        </p:nvSpPr>
+        <p:spPr>
+          <a:xfrm>
+            <a:off x="8404479" y="3352800"/>
+            <a:ext cx="1014222" cy="261610"/>
+          </a:xfrm>
+          <a:prstGeom prst="rect">
+            <a:avLst/>
+          </a:prstGeom>
+          <a:noFill/>
+        </p:spPr>
+        <p:txBody>
+          <a:bodyPr wrap="square" rtlCol="0">
+            <a:spAutoFit/>
+          </a:bodyPr>
+          <a:lstStyle/>
+          <a:p>
+            <a:r>
+              <a:rPr lang="en-US" sz="1100" b="1" u="sng" dirty="0" smtClean="0">
+                <a:latin typeface="Arial"/>
+                <a:cs typeface="Arial"/>
+              </a:rPr>
+              <a:t>Network:</a:t>
+            </a:r>
+            <a:endParaRPr lang="en-US" sz="1100" b="1" u="sng" dirty="0">
+              <a:latin typeface="Arial"/>
+              <a:cs typeface="Arial"/>
+            </a:endParaRPr>
+          </a:p>
+        </p:txBody>
+      </p:sp>
     </p:spTree>
     <p:extLst>
       <p:ext uri="{BB962C8B-B14F-4D97-AF65-F5344CB8AC3E}">
@@ -8308,7 +8450,7 @@
   <p:timing>
     <p:tnLst>
       <p:par>
-        <p:cTn id="1" dur="indefinite" restart="never" nodeType="tmRoot"/>
+        <p:cTn xmlns:p14="http://schemas.microsoft.com/office/powerpoint/2010/main" id="1" dur="indefinite" restart="never" nodeType="tmRoot"/>
       </p:par>
     </p:tnLst>
   </p:timing>
@@ -8364,21 +8506,21 @@
       </p:sp>
       <p:graphicFrame>
         <p:nvGraphicFramePr>
-          <p:cNvPr id="4" name="Chart 3"/>
+          <p:cNvPr id="5" name="Chart 4"/>
           <p:cNvGraphicFramePr>
             <a:graphicFrameLocks/>
           </p:cNvGraphicFramePr>
           <p:nvPr>
             <p:extLst>
               <p:ext uri="{D42A27DB-BD31-4B8C-83A1-F6EECF244321}">
-                <p14:modId xmlns:p14="http://schemas.microsoft.com/office/powerpoint/2010/main" val="2064297448"/>
+                <p14:modId xmlns:p14="http://schemas.microsoft.com/office/powerpoint/2010/main" val="2172166495"/>
               </p:ext>
             </p:extLst>
           </p:nvPr>
         </p:nvGraphicFramePr>
         <p:xfrm>
-          <a:off x="0" y="1143000"/>
-          <a:ext cx="9144000" cy="5715000"/>
+          <a:off x="-1" y="1295400"/>
+          <a:ext cx="9127653" cy="5562600"/>
         </p:xfrm>
         <a:graphic>
           <a:graphicData uri="http://schemas.openxmlformats.org/drawingml/2006/chart">
@@ -8386,6 +8528,42 @@
           </a:graphicData>
         </a:graphic>
       </p:graphicFrame>
+      <p:sp>
+        <p:nvSpPr>
+          <p:cNvPr id="8" name="TextBox 7"/>
+          <p:cNvSpPr txBox="1"/>
+          <p:nvPr/>
+        </p:nvSpPr>
+        <p:spPr>
+          <a:xfrm>
+            <a:off x="8001000" y="3048000"/>
+            <a:ext cx="1014222" cy="261610"/>
+          </a:xfrm>
+          <a:prstGeom prst="rect">
+            <a:avLst/>
+          </a:prstGeom>
+          <a:noFill/>
+        </p:spPr>
+        <p:txBody>
+          <a:bodyPr wrap="square" rtlCol="0">
+            <a:spAutoFit/>
+          </a:bodyPr>
+          <a:lstStyle/>
+          <a:p>
+            <a:r>
+              <a:rPr lang="en-US" sz="1100" b="1" u="sng" dirty="0" smtClean="0">
+                <a:latin typeface="Arial"/>
+                <a:cs typeface="Arial"/>
+              </a:rPr>
+              <a:t>Strain:</a:t>
+            </a:r>
+            <a:endParaRPr lang="en-US" sz="1100" b="1" u="sng" dirty="0">
+              <a:latin typeface="Arial"/>
+              <a:cs typeface="Arial"/>
+            </a:endParaRPr>
+          </a:p>
+        </p:txBody>
+      </p:sp>
     </p:spTree>
     <p:extLst>
       <p:ext uri="{BB962C8B-B14F-4D97-AF65-F5344CB8AC3E}">
@@ -8399,7 +8577,7 @@
   <p:timing>
     <p:tnLst>
       <p:par>
-        <p:cTn id="1" dur="indefinite" restart="never" nodeType="tmRoot"/>
+        <p:cTn xmlns:p14="http://schemas.microsoft.com/office/powerpoint/2010/main" id="1" dur="indefinite" restart="never" nodeType="tmRoot"/>
       </p:par>
     </p:tnLst>
   </p:timing>
@@ -8447,7 +8625,7 @@
           <a:p>
             <a:r>
               <a:rPr lang="en-US" dirty="0" smtClean="0"/>
-              <a:t>MSE Comparisons Between Strains in the dGLN3 Network</a:t>
+              <a:t>MSE Comparisons Between Strains in the GLN3 Network</a:t>
             </a:r>
             <a:endParaRPr lang="en-US" dirty="0"/>
           </a:p>
@@ -8455,21 +8633,21 @@
       </p:sp>
       <p:graphicFrame>
         <p:nvGraphicFramePr>
-          <p:cNvPr id="3" name="Chart 2"/>
+          <p:cNvPr id="4" name="Chart 3"/>
           <p:cNvGraphicFramePr>
             <a:graphicFrameLocks/>
           </p:cNvGraphicFramePr>
           <p:nvPr>
             <p:extLst>
               <p:ext uri="{D42A27DB-BD31-4B8C-83A1-F6EECF244321}">
-                <p14:modId xmlns:p14="http://schemas.microsoft.com/office/powerpoint/2010/main" val="3538286475"/>
+                <p14:modId xmlns:p14="http://schemas.microsoft.com/office/powerpoint/2010/main" val="759119530"/>
               </p:ext>
             </p:extLst>
           </p:nvPr>
         </p:nvGraphicFramePr>
         <p:xfrm>
-          <a:off x="0" y="1143000"/>
-          <a:ext cx="9144000" cy="5715000"/>
+          <a:off x="14100" y="1143000"/>
+          <a:ext cx="9138923" cy="5715000"/>
         </p:xfrm>
         <a:graphic>
           <a:graphicData uri="http://schemas.openxmlformats.org/drawingml/2006/chart">
@@ -8477,6 +8655,42 @@
           </a:graphicData>
         </a:graphic>
       </p:graphicFrame>
+      <p:sp>
+        <p:nvSpPr>
+          <p:cNvPr id="5" name="TextBox 4"/>
+          <p:cNvSpPr txBox="1"/>
+          <p:nvPr/>
+        </p:nvSpPr>
+        <p:spPr>
+          <a:xfrm>
+            <a:off x="8053578" y="3167390"/>
+            <a:ext cx="1014222" cy="261610"/>
+          </a:xfrm>
+          <a:prstGeom prst="rect">
+            <a:avLst/>
+          </a:prstGeom>
+          <a:noFill/>
+        </p:spPr>
+        <p:txBody>
+          <a:bodyPr wrap="square" rtlCol="0">
+            <a:spAutoFit/>
+          </a:bodyPr>
+          <a:lstStyle/>
+          <a:p>
+            <a:r>
+              <a:rPr lang="en-US" sz="1100" b="1" u="sng" dirty="0" smtClean="0">
+                <a:latin typeface="Arial"/>
+                <a:cs typeface="Arial"/>
+              </a:rPr>
+              <a:t>Strain:</a:t>
+            </a:r>
+            <a:endParaRPr lang="en-US" sz="1100" b="1" u="sng" dirty="0">
+              <a:latin typeface="Arial"/>
+              <a:cs typeface="Arial"/>
+            </a:endParaRPr>
+          </a:p>
+        </p:txBody>
+      </p:sp>
     </p:spTree>
     <p:extLst>
       <p:ext uri="{BB962C8B-B14F-4D97-AF65-F5344CB8AC3E}">
@@ -8490,7 +8704,7 @@
   <p:timing>
     <p:tnLst>
       <p:par>
-        <p:cTn id="1" dur="indefinite" restart="never" nodeType="tmRoot"/>
+        <p:cTn xmlns:p14="http://schemas.microsoft.com/office/powerpoint/2010/main" id="1" dur="indefinite" restart="never" nodeType="tmRoot"/>
       </p:par>
     </p:tnLst>
   </p:timing>
@@ -8538,7 +8752,7 @@
           <a:p>
             <a:r>
               <a:rPr lang="en-US" dirty="0" smtClean="0"/>
-              <a:t>MSE Comparisons Between Strains in the dHAP4 Network</a:t>
+              <a:t>MSE Comparisons Between Strains in the HAP4 Network</a:t>
             </a:r>
             <a:endParaRPr lang="en-US" dirty="0"/>
           </a:p>
@@ -8546,21 +8760,21 @@
       </p:sp>
       <p:graphicFrame>
         <p:nvGraphicFramePr>
-          <p:cNvPr id="3" name="Chart 2"/>
+          <p:cNvPr id="4" name="Chart 3"/>
           <p:cNvGraphicFramePr>
             <a:graphicFrameLocks/>
           </p:cNvGraphicFramePr>
           <p:nvPr>
             <p:extLst>
               <p:ext uri="{D42A27DB-BD31-4B8C-83A1-F6EECF244321}">
-                <p14:modId xmlns:p14="http://schemas.microsoft.com/office/powerpoint/2010/main" val="2340267593"/>
+                <p14:modId xmlns:p14="http://schemas.microsoft.com/office/powerpoint/2010/main" val="1014748643"/>
               </p:ext>
             </p:extLst>
           </p:nvPr>
         </p:nvGraphicFramePr>
         <p:xfrm>
-          <a:off x="12192" y="1143000"/>
-          <a:ext cx="9144000" cy="5715000"/>
+          <a:off x="21076" y="1143000"/>
+          <a:ext cx="9047289" cy="5715000"/>
         </p:xfrm>
         <a:graphic>
           <a:graphicData uri="http://schemas.openxmlformats.org/drawingml/2006/chart">
@@ -8568,6 +8782,42 @@
           </a:graphicData>
         </a:graphic>
       </p:graphicFrame>
+      <p:sp>
+        <p:nvSpPr>
+          <p:cNvPr id="5" name="TextBox 4"/>
+          <p:cNvSpPr txBox="1"/>
+          <p:nvPr/>
+        </p:nvSpPr>
+        <p:spPr>
+          <a:xfrm>
+            <a:off x="7950289" y="3048000"/>
+            <a:ext cx="1115644" cy="261610"/>
+          </a:xfrm>
+          <a:prstGeom prst="rect">
+            <a:avLst/>
+          </a:prstGeom>
+          <a:noFill/>
+        </p:spPr>
+        <p:txBody>
+          <a:bodyPr wrap="square" rtlCol="0">
+            <a:spAutoFit/>
+          </a:bodyPr>
+          <a:lstStyle/>
+          <a:p>
+            <a:r>
+              <a:rPr lang="en-US" sz="1100" b="1" u="sng" dirty="0" smtClean="0">
+                <a:latin typeface="Arial"/>
+                <a:cs typeface="Arial"/>
+              </a:rPr>
+              <a:t>Strain:</a:t>
+            </a:r>
+            <a:endParaRPr lang="en-US" sz="1100" b="1" u="sng" dirty="0">
+              <a:latin typeface="Arial"/>
+              <a:cs typeface="Arial"/>
+            </a:endParaRPr>
+          </a:p>
+        </p:txBody>
+      </p:sp>
     </p:spTree>
     <p:extLst>
       <p:ext uri="{BB962C8B-B14F-4D97-AF65-F5344CB8AC3E}">
@@ -8581,7 +8831,7 @@
   <p:timing>
     <p:tnLst>
       <p:par>
-        <p:cTn id="1" dur="indefinite" restart="never" nodeType="tmRoot"/>
+        <p:cTn xmlns:p14="http://schemas.microsoft.com/office/powerpoint/2010/main" id="1" dur="indefinite" restart="never" nodeType="tmRoot"/>
       </p:par>
     </p:tnLst>
   </p:timing>
@@ -8629,7 +8879,7 @@
           <a:p>
             <a:r>
               <a:rPr lang="en-US" dirty="0" smtClean="0"/>
-              <a:t>MSE Comparisons Between Strains in the dZAP1 Network</a:t>
+              <a:t>MSE Comparisons Between Strains in the ZAP1 Network</a:t>
             </a:r>
             <a:endParaRPr lang="en-US" dirty="0"/>
           </a:p>
@@ -8637,21 +8887,21 @@
       </p:sp>
       <p:graphicFrame>
         <p:nvGraphicFramePr>
-          <p:cNvPr id="3" name="Chart 2"/>
+          <p:cNvPr id="4" name="Chart 3"/>
           <p:cNvGraphicFramePr>
             <a:graphicFrameLocks/>
           </p:cNvGraphicFramePr>
           <p:nvPr>
             <p:extLst>
               <p:ext uri="{D42A27DB-BD31-4B8C-83A1-F6EECF244321}">
-                <p14:modId xmlns:p14="http://schemas.microsoft.com/office/powerpoint/2010/main" val="975574306"/>
+                <p14:modId xmlns:p14="http://schemas.microsoft.com/office/powerpoint/2010/main" val="285573740"/>
               </p:ext>
             </p:extLst>
           </p:nvPr>
         </p:nvGraphicFramePr>
         <p:xfrm>
-          <a:off x="0" y="1143000"/>
-          <a:ext cx="9144000" cy="5715000"/>
+          <a:off x="8944" y="1295400"/>
+          <a:ext cx="9145719" cy="5562600"/>
         </p:xfrm>
         <a:graphic>
           <a:graphicData uri="http://schemas.openxmlformats.org/drawingml/2006/chart">
@@ -8659,6 +8909,42 @@
           </a:graphicData>
         </a:graphic>
       </p:graphicFrame>
+      <p:sp>
+        <p:nvSpPr>
+          <p:cNvPr id="5" name="TextBox 4"/>
+          <p:cNvSpPr txBox="1"/>
+          <p:nvPr/>
+        </p:nvSpPr>
+        <p:spPr>
+          <a:xfrm>
+            <a:off x="8053578" y="3091190"/>
+            <a:ext cx="1014222" cy="261610"/>
+          </a:xfrm>
+          <a:prstGeom prst="rect">
+            <a:avLst/>
+          </a:prstGeom>
+          <a:noFill/>
+        </p:spPr>
+        <p:txBody>
+          <a:bodyPr wrap="square" rtlCol="0">
+            <a:spAutoFit/>
+          </a:bodyPr>
+          <a:lstStyle/>
+          <a:p>
+            <a:r>
+              <a:rPr lang="en-US" sz="1100" b="1" u="sng" dirty="0" smtClean="0">
+                <a:latin typeface="Arial"/>
+                <a:cs typeface="Arial"/>
+              </a:rPr>
+              <a:t>Strain:</a:t>
+            </a:r>
+            <a:endParaRPr lang="en-US" sz="1100" b="1" u="sng" dirty="0">
+              <a:latin typeface="Arial"/>
+              <a:cs typeface="Arial"/>
+            </a:endParaRPr>
+          </a:p>
+        </p:txBody>
+      </p:sp>
     </p:spTree>
     <p:extLst>
       <p:ext uri="{BB962C8B-B14F-4D97-AF65-F5344CB8AC3E}">
@@ -8672,7 +8958,7 @@
   <p:timing>
     <p:tnLst>
       <p:par>
-        <p:cTn id="1" dur="indefinite" restart="never" nodeType="tmRoot"/>
+        <p:cTn xmlns:p14="http://schemas.microsoft.com/office/powerpoint/2010/main" id="1" dur="indefinite" restart="never" nodeType="tmRoot"/>
       </p:par>
     </p:tnLst>
   </p:timing>

--- a/documents/Five-Networks_Bar-Chart-Analysis_BK20161116.pptx
+++ b/documents/Five-Networks_Bar-Chart-Analysis_BK20161116.pptx
@@ -9,9 +9,11 @@
     <p:sldId id="261" r:id="rId3"/>
     <p:sldId id="262" r:id="rId4"/>
     <p:sldId id="260" r:id="rId5"/>
-    <p:sldId id="263" r:id="rId6"/>
-    <p:sldId id="264" r:id="rId7"/>
-    <p:sldId id="265" r:id="rId8"/>
+    <p:sldId id="267" r:id="rId6"/>
+    <p:sldId id="266" r:id="rId7"/>
+    <p:sldId id="263" r:id="rId8"/>
+    <p:sldId id="264" r:id="rId9"/>
+    <p:sldId id="265" r:id="rId10"/>
   </p:sldIdLst>
   <p:sldSz cx="9144000" cy="6858000" type="screen4x3"/>
   <p:notesSz cx="6858000" cy="9144000"/>
@@ -120,10 +122,10 @@
   <c:roundedCorners val="0"/>
   <mc:AlternateContent xmlns:mc="http://schemas.openxmlformats.org/markup-compatibility/2006">
     <mc:Choice xmlns:c14="http://schemas.microsoft.com/office/drawing/2007/8/2/chart" Requires="c14">
-      <c14:style val="102"/>
+      <c14:style val="118"/>
     </mc:Choice>
     <mc:Fallback>
-      <c:style val="2"/>
+      <c:style val="18"/>
     </mc:Fallback>
   </mc:AlternateContent>
   <c:chart>
@@ -139,7 +141,7 @@
           <c:order val="0"/>
           <c:tx>
             <c:strRef>
-              <c:f>optimized_production_rates!$B$35</c:f>
+              <c:f>optimized_production_rates!$B$1</c:f>
               <c:strCache>
                 <c:ptCount val="1"/>
                 <c:pt idx="0">
@@ -151,7 +153,7 @@
           <c:invertIfNegative val="0"/>
           <c:cat>
             <c:strRef>
-              <c:f>optimized_production_rates!$A$36:$A$62</c:f>
+              <c:f>optimized_production_rates!$A$2:$A$28</c:f>
               <c:strCache>
                 <c:ptCount val="27"/>
                 <c:pt idx="0">
@@ -240,7 +242,7 @@
           </c:cat>
           <c:val>
             <c:numRef>
-              <c:f>optimized_production_rates!$B$36:$B$62</c:f>
+              <c:f>optimized_production_rates!$B$2:$B$28</c:f>
               <c:numCache>
                 <c:formatCode>General</c:formatCode>
                 <c:ptCount val="27"/>
@@ -301,11 +303,11 @@
           <c:order val="1"/>
           <c:tx>
             <c:strRef>
-              <c:f>optimized_production_rates!$C$35</c:f>
+              <c:f>optimized_production_rates!$C$1</c:f>
               <c:strCache>
                 <c:ptCount val="1"/>
                 <c:pt idx="0">
-                  <c:v>GLN3</c:v>
+                  <c:v>CIN5 (14 Genes)</c:v>
                 </c:pt>
               </c:strCache>
             </c:strRef>
@@ -313,7 +315,7 @@
           <c:invertIfNegative val="0"/>
           <c:cat>
             <c:strRef>
-              <c:f>optimized_production_rates!$A$36:$A$62</c:f>
+              <c:f>optimized_production_rates!$A$2:$A$28</c:f>
               <c:strCache>
                 <c:ptCount val="27"/>
                 <c:pt idx="0">
@@ -402,51 +404,51 @@
           </c:cat>
           <c:val>
             <c:numRef>
-              <c:f>optimized_production_rates!$C$36:$C$62</c:f>
+              <c:f>optimized_production_rates!$C$2:$C$28</c:f>
               <c:numCache>
                 <c:formatCode>General</c:formatCode>
                 <c:ptCount val="27"/>
                 <c:pt idx="5">
-                  <c:v>1.271003641243315</c:v>
-                </c:pt>
-                <c:pt idx="7">
-                  <c:v>0.160845843960781</c:v>
+                  <c:v>1.579163579398172</c:v>
                 </c:pt>
                 <c:pt idx="9">
-                  <c:v>0.220370374954671</c:v>
+                  <c:v>0.225272266318016</c:v>
                 </c:pt>
                 <c:pt idx="10">
-                  <c:v>0.284477580466366</c:v>
+                  <c:v>0.417362842583617</c:v>
                 </c:pt>
                 <c:pt idx="11">
-                  <c:v>1.256925871713203</c:v>
+                  <c:v>1.07963771087577</c:v>
                 </c:pt>
                 <c:pt idx="12">
-                  <c:v>0.182926186134223</c:v>
+                  <c:v>0.512220568080633</c:v>
+                </c:pt>
+                <c:pt idx="15">
+                  <c:v>0.272480476257762</c:v>
                 </c:pt>
                 <c:pt idx="16">
-                  <c:v>0.520156519212597</c:v>
-                </c:pt>
-                <c:pt idx="17">
-                  <c:v>1.32034775191709</c:v>
+                  <c:v>2.182960001713384</c:v>
+                </c:pt>
+                <c:pt idx="18">
+                  <c:v>0.295828424167885</c:v>
                 </c:pt>
                 <c:pt idx="19">
-                  <c:v>1.197329360217946</c:v>
+                  <c:v>1.410076454034166</c:v>
+                </c:pt>
+                <c:pt idx="20">
+                  <c:v>0.601204379101917</c:v>
                 </c:pt>
                 <c:pt idx="21">
-                  <c:v>0.287798399398025</c:v>
+                  <c:v>0.335473197660211</c:v>
                 </c:pt>
                 <c:pt idx="22">
-                  <c:v>2.305777244259648</c:v>
-                </c:pt>
-                <c:pt idx="23">
-                  <c:v>1.576533678867146</c:v>
+                  <c:v>1.139993753009473</c:v>
                 </c:pt>
                 <c:pt idx="24">
-                  <c:v>0.538841529869477</c:v>
+                  <c:v>1.882566711793038</c:v>
                 </c:pt>
                 <c:pt idx="25">
-                  <c:v>0.792511915989875</c:v>
+                  <c:v>1.366806469059578</c:v>
                 </c:pt>
               </c:numCache>
             </c:numRef>
@@ -457,11 +459,11 @@
           <c:order val="2"/>
           <c:tx>
             <c:strRef>
-              <c:f>optimized_production_rates!$D$35</c:f>
+              <c:f>optimized_production_rates!$D$1</c:f>
               <c:strCache>
                 <c:ptCount val="1"/>
                 <c:pt idx="0">
-                  <c:v>HAP4</c:v>
+                  <c:v>CIN5 (17 Genes)</c:v>
                 </c:pt>
               </c:strCache>
             </c:strRef>
@@ -469,7 +471,7 @@
           <c:invertIfNegative val="0"/>
           <c:cat>
             <c:strRef>
-              <c:f>optimized_production_rates!$A$36:$A$62</c:f>
+              <c:f>optimized_production_rates!$A$2:$A$28</c:f>
               <c:strCache>
                 <c:ptCount val="27"/>
                 <c:pt idx="0">
@@ -558,54 +560,60 @@
           </c:cat>
           <c:val>
             <c:numRef>
-              <c:f>optimized_production_rates!$D$36:$D$62</c:f>
+              <c:f>optimized_production_rates!$D$2:$D$28</c:f>
               <c:numCache>
                 <c:formatCode>General</c:formatCode>
                 <c:ptCount val="27"/>
                 <c:pt idx="1">
-                  <c:v>0.16323432499927</c:v>
-                </c:pt>
-                <c:pt idx="4">
-                  <c:v>2.026770243039428</c:v>
+                  <c:v>0.223295285947394</c:v>
                 </c:pt>
                 <c:pt idx="5">
-                  <c:v>0.951135551950118</c:v>
+                  <c:v>0.846374595966167</c:v>
                 </c:pt>
                 <c:pt idx="9">
-                  <c:v>0.235110127715167</c:v>
+                  <c:v>0.232776815974584</c:v>
                 </c:pt>
                 <c:pt idx="10">
-                  <c:v>0.287841401044972</c:v>
+                  <c:v>0.288887594962669</c:v>
                 </c:pt>
                 <c:pt idx="11">
-                  <c:v>1.672581844022221</c:v>
+                  <c:v>1.271103160927129</c:v>
                 </c:pt>
                 <c:pt idx="12">
-                  <c:v>0.238664310135987</c:v>
+                  <c:v>0.545892922619087</c:v>
+                </c:pt>
+                <c:pt idx="14">
+                  <c:v>0.144253454393078</c:v>
+                </c:pt>
+                <c:pt idx="15">
+                  <c:v>0.267409598030602</c:v>
                 </c:pt>
                 <c:pt idx="16">
-                  <c:v>0.88242405770614</c:v>
+                  <c:v>2.610910744833262</c:v>
+                </c:pt>
+                <c:pt idx="18">
+                  <c:v>0.199580066058165</c:v>
                 </c:pt>
                 <c:pt idx="19">
-                  <c:v>1.20939642555566</c:v>
+                  <c:v>0.58640787835643</c:v>
                 </c:pt>
                 <c:pt idx="20">
-                  <c:v>0.320388323280111</c:v>
+                  <c:v>0.247103713073766</c:v>
                 </c:pt>
                 <c:pt idx="21">
-                  <c:v>0.241176222744498</c:v>
+                  <c:v>0.275820163764373</c:v>
                 </c:pt>
                 <c:pt idx="22">
-                  <c:v>1.249745969462271</c:v>
+                  <c:v>0.818282040925328</c:v>
                 </c:pt>
                 <c:pt idx="24">
-                  <c:v>0.341078302779555</c:v>
+                  <c:v>0.746247554376721</c:v>
                 </c:pt>
                 <c:pt idx="25">
-                  <c:v>0.864626625842861</c:v>
+                  <c:v>1.114124926307391</c:v>
                 </c:pt>
                 <c:pt idx="26">
-                  <c:v>0.129813716154895</c:v>
+                  <c:v>0.132194425331235</c:v>
                 </c:pt>
               </c:numCache>
             </c:numRef>
@@ -616,11 +624,11 @@
           <c:order val="3"/>
           <c:tx>
             <c:strRef>
-              <c:f>optimized_production_rates!$E$35</c:f>
+              <c:f>optimized_production_rates!$E$1</c:f>
               <c:strCache>
                 <c:ptCount val="1"/>
                 <c:pt idx="0">
-                  <c:v>ZAP1</c:v>
+                  <c:v>GLN3</c:v>
                 </c:pt>
               </c:strCache>
             </c:strRef>
@@ -628,7 +636,7 @@
           <c:invertIfNegative val="0"/>
           <c:cat>
             <c:strRef>
-              <c:f>optimized_production_rates!$A$36:$A$62</c:f>
+              <c:f>optimized_production_rates!$A$2:$A$28</c:f>
               <c:strCache>
                 <c:ptCount val="27"/>
                 <c:pt idx="0">
@@ -717,7 +725,322 @@
           </c:cat>
           <c:val>
             <c:numRef>
-              <c:f>optimized_production_rates!$E$36:$E$62</c:f>
+              <c:f>optimized_production_rates!$E$2:$E$28</c:f>
+              <c:numCache>
+                <c:formatCode>General</c:formatCode>
+                <c:ptCount val="27"/>
+                <c:pt idx="5">
+                  <c:v>1.271003641243315</c:v>
+                </c:pt>
+                <c:pt idx="7">
+                  <c:v>0.160845843960781</c:v>
+                </c:pt>
+                <c:pt idx="9">
+                  <c:v>0.220370374954671</c:v>
+                </c:pt>
+                <c:pt idx="10">
+                  <c:v>0.284477580466366</c:v>
+                </c:pt>
+                <c:pt idx="11">
+                  <c:v>1.256925871713203</c:v>
+                </c:pt>
+                <c:pt idx="12">
+                  <c:v>0.182926186134223</c:v>
+                </c:pt>
+                <c:pt idx="16">
+                  <c:v>0.520156519212597</c:v>
+                </c:pt>
+                <c:pt idx="17">
+                  <c:v>1.320347751917089</c:v>
+                </c:pt>
+                <c:pt idx="19">
+                  <c:v>1.197329360217946</c:v>
+                </c:pt>
+                <c:pt idx="21">
+                  <c:v>0.287798399398025</c:v>
+                </c:pt>
+                <c:pt idx="22">
+                  <c:v>2.305777244259648</c:v>
+                </c:pt>
+                <c:pt idx="23">
+                  <c:v>1.576533678867146</c:v>
+                </c:pt>
+                <c:pt idx="24">
+                  <c:v>0.538841529869477</c:v>
+                </c:pt>
+                <c:pt idx="25">
+                  <c:v>0.792511915989875</c:v>
+                </c:pt>
+              </c:numCache>
+            </c:numRef>
+          </c:val>
+        </c:ser>
+        <c:ser>
+          <c:idx val="4"/>
+          <c:order val="4"/>
+          <c:tx>
+            <c:strRef>
+              <c:f>optimized_production_rates!$F$1</c:f>
+              <c:strCache>
+                <c:ptCount val="1"/>
+                <c:pt idx="0">
+                  <c:v>HAP4</c:v>
+                </c:pt>
+              </c:strCache>
+            </c:strRef>
+          </c:tx>
+          <c:invertIfNegative val="0"/>
+          <c:cat>
+            <c:strRef>
+              <c:f>optimized_production_rates!$A$2:$A$28</c:f>
+              <c:strCache>
+                <c:ptCount val="27"/>
+                <c:pt idx="0">
+                  <c:v>ABF1</c:v>
+                </c:pt>
+                <c:pt idx="1">
+                  <c:v>ACE2</c:v>
+                </c:pt>
+                <c:pt idx="2">
+                  <c:v>AFT2</c:v>
+                </c:pt>
+                <c:pt idx="3">
+                  <c:v>ASF1</c:v>
+                </c:pt>
+                <c:pt idx="4">
+                  <c:v>ASH1</c:v>
+                </c:pt>
+                <c:pt idx="5">
+                  <c:v>CIN5</c:v>
+                </c:pt>
+                <c:pt idx="6">
+                  <c:v>CST6</c:v>
+                </c:pt>
+                <c:pt idx="7">
+                  <c:v>CYC8</c:v>
+                </c:pt>
+                <c:pt idx="8">
+                  <c:v>GCN4</c:v>
+                </c:pt>
+                <c:pt idx="9">
+                  <c:v>GCR2</c:v>
+                </c:pt>
+                <c:pt idx="10">
+                  <c:v>GLN3</c:v>
+                </c:pt>
+                <c:pt idx="11">
+                  <c:v>HAP4</c:v>
+                </c:pt>
+                <c:pt idx="12">
+                  <c:v>HMO1</c:v>
+                </c:pt>
+                <c:pt idx="13">
+                  <c:v>HSF1</c:v>
+                </c:pt>
+                <c:pt idx="14">
+                  <c:v>MCM1</c:v>
+                </c:pt>
+                <c:pt idx="15">
+                  <c:v>MGA2</c:v>
+                </c:pt>
+                <c:pt idx="16">
+                  <c:v>MSN2</c:v>
+                </c:pt>
+                <c:pt idx="17">
+                  <c:v>MSN4</c:v>
+                </c:pt>
+                <c:pt idx="18">
+                  <c:v>RDS3</c:v>
+                </c:pt>
+                <c:pt idx="19">
+                  <c:v>SFP1</c:v>
+                </c:pt>
+                <c:pt idx="20">
+                  <c:v>STB5</c:v>
+                </c:pt>
+                <c:pt idx="21">
+                  <c:v>SWI4</c:v>
+                </c:pt>
+                <c:pt idx="22">
+                  <c:v>SWI5</c:v>
+                </c:pt>
+                <c:pt idx="23">
+                  <c:v>TEC1</c:v>
+                </c:pt>
+                <c:pt idx="24">
+                  <c:v>YHP1</c:v>
+                </c:pt>
+                <c:pt idx="25">
+                  <c:v>YOX1</c:v>
+                </c:pt>
+                <c:pt idx="26">
+                  <c:v>ZAP1</c:v>
+                </c:pt>
+              </c:strCache>
+            </c:strRef>
+          </c:cat>
+          <c:val>
+            <c:numRef>
+              <c:f>optimized_production_rates!$F$2:$F$28</c:f>
+              <c:numCache>
+                <c:formatCode>General</c:formatCode>
+                <c:ptCount val="27"/>
+                <c:pt idx="1">
+                  <c:v>0.16323432499927</c:v>
+                </c:pt>
+                <c:pt idx="4">
+                  <c:v>2.026770243039428</c:v>
+                </c:pt>
+                <c:pt idx="5">
+                  <c:v>0.951135551950118</c:v>
+                </c:pt>
+                <c:pt idx="9">
+                  <c:v>0.235110127715167</c:v>
+                </c:pt>
+                <c:pt idx="10">
+                  <c:v>0.287841401044972</c:v>
+                </c:pt>
+                <c:pt idx="11">
+                  <c:v>1.672581844022221</c:v>
+                </c:pt>
+                <c:pt idx="12">
+                  <c:v>0.238664310135987</c:v>
+                </c:pt>
+                <c:pt idx="16">
+                  <c:v>0.88242405770614</c:v>
+                </c:pt>
+                <c:pt idx="19">
+                  <c:v>1.20939642555566</c:v>
+                </c:pt>
+                <c:pt idx="20">
+                  <c:v>0.320388323280111</c:v>
+                </c:pt>
+                <c:pt idx="21">
+                  <c:v>0.241176222744498</c:v>
+                </c:pt>
+                <c:pt idx="22">
+                  <c:v>1.249745969462271</c:v>
+                </c:pt>
+                <c:pt idx="24">
+                  <c:v>0.341078302779555</c:v>
+                </c:pt>
+                <c:pt idx="25">
+                  <c:v>0.864626625842861</c:v>
+                </c:pt>
+                <c:pt idx="26">
+                  <c:v>0.129813716154895</c:v>
+                </c:pt>
+              </c:numCache>
+            </c:numRef>
+          </c:val>
+        </c:ser>
+        <c:ser>
+          <c:idx val="5"/>
+          <c:order val="5"/>
+          <c:tx>
+            <c:strRef>
+              <c:f>optimized_production_rates!$G$1</c:f>
+              <c:strCache>
+                <c:ptCount val="1"/>
+                <c:pt idx="0">
+                  <c:v>ZAP1</c:v>
+                </c:pt>
+              </c:strCache>
+            </c:strRef>
+          </c:tx>
+          <c:invertIfNegative val="0"/>
+          <c:cat>
+            <c:strRef>
+              <c:f>optimized_production_rates!$A$2:$A$28</c:f>
+              <c:strCache>
+                <c:ptCount val="27"/>
+                <c:pt idx="0">
+                  <c:v>ABF1</c:v>
+                </c:pt>
+                <c:pt idx="1">
+                  <c:v>ACE2</c:v>
+                </c:pt>
+                <c:pt idx="2">
+                  <c:v>AFT2</c:v>
+                </c:pt>
+                <c:pt idx="3">
+                  <c:v>ASF1</c:v>
+                </c:pt>
+                <c:pt idx="4">
+                  <c:v>ASH1</c:v>
+                </c:pt>
+                <c:pt idx="5">
+                  <c:v>CIN5</c:v>
+                </c:pt>
+                <c:pt idx="6">
+                  <c:v>CST6</c:v>
+                </c:pt>
+                <c:pt idx="7">
+                  <c:v>CYC8</c:v>
+                </c:pt>
+                <c:pt idx="8">
+                  <c:v>GCN4</c:v>
+                </c:pt>
+                <c:pt idx="9">
+                  <c:v>GCR2</c:v>
+                </c:pt>
+                <c:pt idx="10">
+                  <c:v>GLN3</c:v>
+                </c:pt>
+                <c:pt idx="11">
+                  <c:v>HAP4</c:v>
+                </c:pt>
+                <c:pt idx="12">
+                  <c:v>HMO1</c:v>
+                </c:pt>
+                <c:pt idx="13">
+                  <c:v>HSF1</c:v>
+                </c:pt>
+                <c:pt idx="14">
+                  <c:v>MCM1</c:v>
+                </c:pt>
+                <c:pt idx="15">
+                  <c:v>MGA2</c:v>
+                </c:pt>
+                <c:pt idx="16">
+                  <c:v>MSN2</c:v>
+                </c:pt>
+                <c:pt idx="17">
+                  <c:v>MSN4</c:v>
+                </c:pt>
+                <c:pt idx="18">
+                  <c:v>RDS3</c:v>
+                </c:pt>
+                <c:pt idx="19">
+                  <c:v>SFP1</c:v>
+                </c:pt>
+                <c:pt idx="20">
+                  <c:v>STB5</c:v>
+                </c:pt>
+                <c:pt idx="21">
+                  <c:v>SWI4</c:v>
+                </c:pt>
+                <c:pt idx="22">
+                  <c:v>SWI5</c:v>
+                </c:pt>
+                <c:pt idx="23">
+                  <c:v>TEC1</c:v>
+                </c:pt>
+                <c:pt idx="24">
+                  <c:v>YHP1</c:v>
+                </c:pt>
+                <c:pt idx="25">
+                  <c:v>YOX1</c:v>
+                </c:pt>
+                <c:pt idx="26">
+                  <c:v>ZAP1</c:v>
+                </c:pt>
+              </c:strCache>
+            </c:strRef>
+          </c:cat>
+          <c:val>
+            <c:numRef>
+              <c:f>optimized_production_rates!$G$2:$G$28</c:f>
               <c:numCache>
                 <c:formatCode>General</c:formatCode>
                 <c:ptCount val="27"/>
@@ -782,11 +1105,11 @@
           <c:showBubbleSize val="0"/>
         </c:dLbls>
         <c:gapWidth val="150"/>
-        <c:axId val="2133105848"/>
-        <c:axId val="2132830920"/>
+        <c:axId val="-2099885720"/>
+        <c:axId val="-2053516760"/>
       </c:barChart>
       <c:catAx>
-        <c:axId val="2133105848"/>
+        <c:axId val="-2099885720"/>
         <c:scaling>
           <c:orientation val="minMax"/>
         </c:scaling>
@@ -795,7 +1118,7 @@
         <c:majorTickMark val="out"/>
         <c:minorTickMark val="none"/>
         <c:tickLblPos val="nextTo"/>
-        <c:crossAx val="2132830920"/>
+        <c:crossAx val="-2053516760"/>
         <c:crosses val="autoZero"/>
         <c:auto val="1"/>
         <c:lblAlgn val="ctr"/>
@@ -803,7 +1126,7 @@
         <c:noMultiLvlLbl val="0"/>
       </c:catAx>
       <c:valAx>
-        <c:axId val="2132830920"/>
+        <c:axId val="-2053516760"/>
         <c:scaling>
           <c:orientation val="minMax"/>
         </c:scaling>
@@ -814,7 +1137,7 @@
         <c:majorTickMark val="out"/>
         <c:minorTickMark val="none"/>
         <c:tickLblPos val="nextTo"/>
-        <c:crossAx val="2133105848"/>
+        <c:crossAx val="-2099885720"/>
         <c:crosses val="autoZero"/>
         <c:crossBetween val="between"/>
       </c:valAx>
@@ -854,10 +1177,10 @@
   <c:roundedCorners val="0"/>
   <mc:AlternateContent xmlns:mc="http://schemas.openxmlformats.org/markup-compatibility/2006">
     <mc:Choice xmlns:c14="http://schemas.microsoft.com/office/drawing/2007/8/2/chart" Requires="c14">
-      <c14:style val="102"/>
+      <c14:style val="118"/>
     </mc:Choice>
     <mc:Fallback>
-      <c:style val="2"/>
+      <c:style val="18"/>
     </mc:Fallback>
   </mc:AlternateContent>
   <c:chart>
@@ -873,7 +1196,7 @@
           <c:order val="0"/>
           <c:tx>
             <c:strRef>
-              <c:f>optimized_threshold_b!$B$32</c:f>
+              <c:f>optimized_threshold_b!$B$1</c:f>
               <c:strCache>
                 <c:ptCount val="1"/>
                 <c:pt idx="0">
@@ -885,7 +1208,7 @@
           <c:invertIfNegative val="0"/>
           <c:cat>
             <c:strRef>
-              <c:f>optimized_threshold_b!$A$33:$A$59</c:f>
+              <c:f>optimized_threshold_b!$A$2:$A$28</c:f>
               <c:strCache>
                 <c:ptCount val="27"/>
                 <c:pt idx="0">
@@ -974,7 +1297,7 @@
           </c:cat>
           <c:val>
             <c:numRef>
-              <c:f>optimized_threshold_b!$B$33:$B$59</c:f>
+              <c:f>optimized_threshold_b!$B$2:$B$28</c:f>
               <c:numCache>
                 <c:formatCode>General</c:formatCode>
                 <c:ptCount val="27"/>
@@ -994,7 +1317,7 @@
                   <c:v>0.76411388816063</c:v>
                 </c:pt>
                 <c:pt idx="5">
-                  <c:v>2.697563787237377</c:v>
+                  <c:v>2.697563787237376</c:v>
                 </c:pt>
                 <c:pt idx="8">
                   <c:v>2.422825031475718</c:v>
@@ -1021,7 +1344,7 @@
                   <c:v>0.312823877758332</c:v>
                 </c:pt>
                 <c:pt idx="25">
-                  <c:v>2.98161725936643</c:v>
+                  <c:v>2.981617259366429</c:v>
                 </c:pt>
                 <c:pt idx="26">
                   <c:v>0.0</c:v>
@@ -1035,11 +1358,11 @@
           <c:order val="1"/>
           <c:tx>
             <c:strRef>
-              <c:f>optimized_threshold_b!$C$32</c:f>
+              <c:f>optimized_threshold_b!$C$1</c:f>
               <c:strCache>
                 <c:ptCount val="1"/>
                 <c:pt idx="0">
-                  <c:v>GLN3</c:v>
+                  <c:v>CIN5 (14 Genes)</c:v>
                 </c:pt>
               </c:strCache>
             </c:strRef>
@@ -1047,7 +1370,7 @@
           <c:invertIfNegative val="0"/>
           <c:cat>
             <c:strRef>
-              <c:f>optimized_threshold_b!$A$33:$A$59</c:f>
+              <c:f>optimized_threshold_b!$A$2:$A$28</c:f>
               <c:strCache>
                 <c:ptCount val="27"/>
                 <c:pt idx="0">
@@ -1136,51 +1459,51 @@
           </c:cat>
           <c:val>
             <c:numRef>
-              <c:f>optimized_threshold_b!$C$33:$C$59</c:f>
+              <c:f>optimized_threshold_b!$C$2:$C$28</c:f>
               <c:numCache>
                 <c:formatCode>General</c:formatCode>
                 <c:ptCount val="27"/>
                 <c:pt idx="5">
-                  <c:v>0.209399465600768</c:v>
-                </c:pt>
-                <c:pt idx="7">
-                  <c:v>0.95036344888317</c:v>
+                  <c:v>-0.249977806</c:v>
                 </c:pt>
                 <c:pt idx="9">
                   <c:v>0.0</c:v>
                 </c:pt>
                 <c:pt idx="10">
-                  <c:v>1.482407766302815</c:v>
+                  <c:v>0.721971218720339</c:v>
                 </c:pt>
                 <c:pt idx="11">
-                  <c:v>0.614245954857868</c:v>
+                  <c:v>2.178153085800432</c:v>
                 </c:pt>
                 <c:pt idx="12">
-                  <c:v>0.870922376778651</c:v>
+                  <c:v>1.732411842467356</c:v>
+                </c:pt>
+                <c:pt idx="15">
+                  <c:v>-0.0251654983317954</c:v>
                 </c:pt>
                 <c:pt idx="16">
-                  <c:v>1.661419406149075</c:v>
-                </c:pt>
-                <c:pt idx="17">
-                  <c:v>-0.0134797756084702</c:v>
+                  <c:v>-1.407545747853095</c:v>
+                </c:pt>
+                <c:pt idx="18">
+                  <c:v>1.063359759033917</c:v>
                 </c:pt>
                 <c:pt idx="19">
-                  <c:v>-0.0214150723396686</c:v>
+                  <c:v>-0.84878386684105</c:v>
+                </c:pt>
+                <c:pt idx="20">
+                  <c:v>1.401357975939462</c:v>
                 </c:pt>
                 <c:pt idx="21">
-                  <c:v>0.766078190282295</c:v>
+                  <c:v>-0.560862942853574</c:v>
                 </c:pt>
                 <c:pt idx="22">
-                  <c:v>-2.553877634406508</c:v>
-                </c:pt>
-                <c:pt idx="23">
-                  <c:v>0.351001392906089</c:v>
+                  <c:v>-0.515305996827595</c:v>
                 </c:pt>
                 <c:pt idx="24">
-                  <c:v>1.108341513235848</c:v>
+                  <c:v>-1.813471980888042</c:v>
                 </c:pt>
                 <c:pt idx="25">
-                  <c:v>1.692328333743848</c:v>
+                  <c:v>-0.227406980062209</c:v>
                 </c:pt>
               </c:numCache>
             </c:numRef>
@@ -1191,11 +1514,11 @@
           <c:order val="2"/>
           <c:tx>
             <c:strRef>
-              <c:f>optimized_threshold_b!$D$32</c:f>
+              <c:f>optimized_threshold_b!$D$1</c:f>
               <c:strCache>
                 <c:ptCount val="1"/>
                 <c:pt idx="0">
-                  <c:v>HAP4</c:v>
+                  <c:v>CIN5 (17 Genes)</c:v>
                 </c:pt>
               </c:strCache>
             </c:strRef>
@@ -1203,7 +1526,7 @@
           <c:invertIfNegative val="0"/>
           <c:cat>
             <c:strRef>
-              <c:f>optimized_threshold_b!$A$33:$A$59</c:f>
+              <c:f>optimized_threshold_b!$A$2:$A$28</c:f>
               <c:strCache>
                 <c:ptCount val="27"/>
                 <c:pt idx="0">
@@ -1292,51 +1615,57 @@
           </c:cat>
           <c:val>
             <c:numRef>
-              <c:f>optimized_threshold_b!$D$33:$D$59</c:f>
+              <c:f>optimized_threshold_b!$D$2:$D$28</c:f>
               <c:numCache>
                 <c:formatCode>General</c:formatCode>
                 <c:ptCount val="27"/>
                 <c:pt idx="1">
-                  <c:v>0.60024790543575</c:v>
-                </c:pt>
-                <c:pt idx="4">
-                  <c:v>-1.788383775675857</c:v>
+                  <c:v>1.495011742689769</c:v>
                 </c:pt>
                 <c:pt idx="5">
-                  <c:v>2.36898323209749</c:v>
+                  <c:v>0.375201590234179</c:v>
                 </c:pt>
                 <c:pt idx="9">
                   <c:v>0.0</c:v>
                 </c:pt>
                 <c:pt idx="10">
-                  <c:v>0.820555923540028</c:v>
+                  <c:v>0.597846209307697</c:v>
                 </c:pt>
                 <c:pt idx="11">
-                  <c:v>0.726615645521653</c:v>
+                  <c:v>3.129952440484738</c:v>
                 </c:pt>
                 <c:pt idx="12">
-                  <c:v>0.968024053177125</c:v>
+                  <c:v>1.887730329811488</c:v>
+                </c:pt>
+                <c:pt idx="14">
+                  <c:v>0.206092752620434</c:v>
+                </c:pt>
+                <c:pt idx="15">
+                  <c:v>-0.0326573613113047</c:v>
                 </c:pt>
                 <c:pt idx="16">
-                  <c:v>4.748924117510032</c:v>
+                  <c:v>-1.802447768591495</c:v>
+                </c:pt>
+                <c:pt idx="18">
+                  <c:v>0.659349154383579</c:v>
                 </c:pt>
                 <c:pt idx="19">
-                  <c:v>1.039919813687509</c:v>
+                  <c:v>0.710663362870508</c:v>
                 </c:pt>
                 <c:pt idx="20">
-                  <c:v>0.57712108036576</c:v>
+                  <c:v>0.179632115111102</c:v>
                 </c:pt>
                 <c:pt idx="21">
-                  <c:v>0.326154591204089</c:v>
+                  <c:v>-1.738883921181963</c:v>
                 </c:pt>
                 <c:pt idx="22">
-                  <c:v>-0.591006184912502</c:v>
+                  <c:v>0.124224799630721</c:v>
                 </c:pt>
                 <c:pt idx="24">
-                  <c:v>2.304252279865663</c:v>
+                  <c:v>0.910934713872158</c:v>
                 </c:pt>
                 <c:pt idx="25">
-                  <c:v>2.095374344491341</c:v>
+                  <c:v>0.0539253723624353</c:v>
                 </c:pt>
                 <c:pt idx="26">
                   <c:v>0.0</c:v>
@@ -1350,11 +1679,11 @@
           <c:order val="3"/>
           <c:tx>
             <c:strRef>
-              <c:f>optimized_threshold_b!$E$32</c:f>
+              <c:f>optimized_threshold_b!$E$1</c:f>
               <c:strCache>
                 <c:ptCount val="1"/>
                 <c:pt idx="0">
-                  <c:v>ZAP1</c:v>
+                  <c:v>GLN3</c:v>
                 </c:pt>
               </c:strCache>
             </c:strRef>
@@ -1362,7 +1691,7 @@
           <c:invertIfNegative val="0"/>
           <c:cat>
             <c:strRef>
-              <c:f>optimized_threshold_b!$A$33:$A$59</c:f>
+              <c:f>optimized_threshold_b!$A$2:$A$28</c:f>
               <c:strCache>
                 <c:ptCount val="27"/>
                 <c:pt idx="0">
@@ -1451,7 +1780,322 @@
           </c:cat>
           <c:val>
             <c:numRef>
-              <c:f>optimized_threshold_b!$E$33:$E$59</c:f>
+              <c:f>optimized_threshold_b!$E$2:$E$28</c:f>
+              <c:numCache>
+                <c:formatCode>General</c:formatCode>
+                <c:ptCount val="27"/>
+                <c:pt idx="5">
+                  <c:v>0.209399465600768</c:v>
+                </c:pt>
+                <c:pt idx="7">
+                  <c:v>0.95036344888317</c:v>
+                </c:pt>
+                <c:pt idx="9">
+                  <c:v>0.0</c:v>
+                </c:pt>
+                <c:pt idx="10">
+                  <c:v>1.482407766302815</c:v>
+                </c:pt>
+                <c:pt idx="11">
+                  <c:v>0.614245954857868</c:v>
+                </c:pt>
+                <c:pt idx="12">
+                  <c:v>0.870922376778651</c:v>
+                </c:pt>
+                <c:pt idx="16">
+                  <c:v>1.661419406149075</c:v>
+                </c:pt>
+                <c:pt idx="17">
+                  <c:v>-0.0134797756084702</c:v>
+                </c:pt>
+                <c:pt idx="19">
+                  <c:v>-0.0214150723396686</c:v>
+                </c:pt>
+                <c:pt idx="21">
+                  <c:v>0.766078190282295</c:v>
+                </c:pt>
+                <c:pt idx="22">
+                  <c:v>-2.553877634406508</c:v>
+                </c:pt>
+                <c:pt idx="23">
+                  <c:v>0.351001392906089</c:v>
+                </c:pt>
+                <c:pt idx="24">
+                  <c:v>1.108341513235848</c:v>
+                </c:pt>
+                <c:pt idx="25">
+                  <c:v>1.692328333743848</c:v>
+                </c:pt>
+              </c:numCache>
+            </c:numRef>
+          </c:val>
+        </c:ser>
+        <c:ser>
+          <c:idx val="4"/>
+          <c:order val="4"/>
+          <c:tx>
+            <c:strRef>
+              <c:f>optimized_threshold_b!$F$1</c:f>
+              <c:strCache>
+                <c:ptCount val="1"/>
+                <c:pt idx="0">
+                  <c:v>HAP4</c:v>
+                </c:pt>
+              </c:strCache>
+            </c:strRef>
+          </c:tx>
+          <c:invertIfNegative val="0"/>
+          <c:cat>
+            <c:strRef>
+              <c:f>optimized_threshold_b!$A$2:$A$28</c:f>
+              <c:strCache>
+                <c:ptCount val="27"/>
+                <c:pt idx="0">
+                  <c:v>ABF1</c:v>
+                </c:pt>
+                <c:pt idx="1">
+                  <c:v>ACE2</c:v>
+                </c:pt>
+                <c:pt idx="2">
+                  <c:v>AFT2</c:v>
+                </c:pt>
+                <c:pt idx="3">
+                  <c:v>ASF1</c:v>
+                </c:pt>
+                <c:pt idx="4">
+                  <c:v>ASH1</c:v>
+                </c:pt>
+                <c:pt idx="5">
+                  <c:v>CIN5</c:v>
+                </c:pt>
+                <c:pt idx="6">
+                  <c:v>CST6</c:v>
+                </c:pt>
+                <c:pt idx="7">
+                  <c:v>CYC8</c:v>
+                </c:pt>
+                <c:pt idx="8">
+                  <c:v>GCN4</c:v>
+                </c:pt>
+                <c:pt idx="9">
+                  <c:v>GCR2</c:v>
+                </c:pt>
+                <c:pt idx="10">
+                  <c:v>GLN3</c:v>
+                </c:pt>
+                <c:pt idx="11">
+                  <c:v>HAP4</c:v>
+                </c:pt>
+                <c:pt idx="12">
+                  <c:v>HMO1</c:v>
+                </c:pt>
+                <c:pt idx="13">
+                  <c:v>HSF1</c:v>
+                </c:pt>
+                <c:pt idx="14">
+                  <c:v>MCM1</c:v>
+                </c:pt>
+                <c:pt idx="15">
+                  <c:v>MGA2</c:v>
+                </c:pt>
+                <c:pt idx="16">
+                  <c:v>MSN2</c:v>
+                </c:pt>
+                <c:pt idx="17">
+                  <c:v>MSN4</c:v>
+                </c:pt>
+                <c:pt idx="18">
+                  <c:v>RDS3</c:v>
+                </c:pt>
+                <c:pt idx="19">
+                  <c:v>SFP1</c:v>
+                </c:pt>
+                <c:pt idx="20">
+                  <c:v>STB5</c:v>
+                </c:pt>
+                <c:pt idx="21">
+                  <c:v>SWI4</c:v>
+                </c:pt>
+                <c:pt idx="22">
+                  <c:v>SWI5</c:v>
+                </c:pt>
+                <c:pt idx="23">
+                  <c:v>TEC1</c:v>
+                </c:pt>
+                <c:pt idx="24">
+                  <c:v>YHP1</c:v>
+                </c:pt>
+                <c:pt idx="25">
+                  <c:v>YOX1</c:v>
+                </c:pt>
+                <c:pt idx="26">
+                  <c:v>ZAP1</c:v>
+                </c:pt>
+              </c:strCache>
+            </c:strRef>
+          </c:cat>
+          <c:val>
+            <c:numRef>
+              <c:f>optimized_threshold_b!$F$2:$F$28</c:f>
+              <c:numCache>
+                <c:formatCode>General</c:formatCode>
+                <c:ptCount val="27"/>
+                <c:pt idx="1">
+                  <c:v>0.60024790543575</c:v>
+                </c:pt>
+                <c:pt idx="4">
+                  <c:v>-1.788383775675857</c:v>
+                </c:pt>
+                <c:pt idx="5">
+                  <c:v>2.36898323209749</c:v>
+                </c:pt>
+                <c:pt idx="9">
+                  <c:v>0.0</c:v>
+                </c:pt>
+                <c:pt idx="10">
+                  <c:v>0.820555923540028</c:v>
+                </c:pt>
+                <c:pt idx="11">
+                  <c:v>0.726615645521653</c:v>
+                </c:pt>
+                <c:pt idx="12">
+                  <c:v>0.968024053177125</c:v>
+                </c:pt>
+                <c:pt idx="16">
+                  <c:v>4.748924117510032</c:v>
+                </c:pt>
+                <c:pt idx="19">
+                  <c:v>1.039919813687509</c:v>
+                </c:pt>
+                <c:pt idx="20">
+                  <c:v>0.57712108036576</c:v>
+                </c:pt>
+                <c:pt idx="21">
+                  <c:v>0.326154591204089</c:v>
+                </c:pt>
+                <c:pt idx="22">
+                  <c:v>-0.591006184912502</c:v>
+                </c:pt>
+                <c:pt idx="24">
+                  <c:v>2.304252279865664</c:v>
+                </c:pt>
+                <c:pt idx="25">
+                  <c:v>2.095374344491341</c:v>
+                </c:pt>
+                <c:pt idx="26">
+                  <c:v>0.0</c:v>
+                </c:pt>
+              </c:numCache>
+            </c:numRef>
+          </c:val>
+        </c:ser>
+        <c:ser>
+          <c:idx val="5"/>
+          <c:order val="5"/>
+          <c:tx>
+            <c:strRef>
+              <c:f>optimized_threshold_b!$G$1</c:f>
+              <c:strCache>
+                <c:ptCount val="1"/>
+                <c:pt idx="0">
+                  <c:v>ZAP1</c:v>
+                </c:pt>
+              </c:strCache>
+            </c:strRef>
+          </c:tx>
+          <c:invertIfNegative val="0"/>
+          <c:cat>
+            <c:strRef>
+              <c:f>optimized_threshold_b!$A$2:$A$28</c:f>
+              <c:strCache>
+                <c:ptCount val="27"/>
+                <c:pt idx="0">
+                  <c:v>ABF1</c:v>
+                </c:pt>
+                <c:pt idx="1">
+                  <c:v>ACE2</c:v>
+                </c:pt>
+                <c:pt idx="2">
+                  <c:v>AFT2</c:v>
+                </c:pt>
+                <c:pt idx="3">
+                  <c:v>ASF1</c:v>
+                </c:pt>
+                <c:pt idx="4">
+                  <c:v>ASH1</c:v>
+                </c:pt>
+                <c:pt idx="5">
+                  <c:v>CIN5</c:v>
+                </c:pt>
+                <c:pt idx="6">
+                  <c:v>CST6</c:v>
+                </c:pt>
+                <c:pt idx="7">
+                  <c:v>CYC8</c:v>
+                </c:pt>
+                <c:pt idx="8">
+                  <c:v>GCN4</c:v>
+                </c:pt>
+                <c:pt idx="9">
+                  <c:v>GCR2</c:v>
+                </c:pt>
+                <c:pt idx="10">
+                  <c:v>GLN3</c:v>
+                </c:pt>
+                <c:pt idx="11">
+                  <c:v>HAP4</c:v>
+                </c:pt>
+                <c:pt idx="12">
+                  <c:v>HMO1</c:v>
+                </c:pt>
+                <c:pt idx="13">
+                  <c:v>HSF1</c:v>
+                </c:pt>
+                <c:pt idx="14">
+                  <c:v>MCM1</c:v>
+                </c:pt>
+                <c:pt idx="15">
+                  <c:v>MGA2</c:v>
+                </c:pt>
+                <c:pt idx="16">
+                  <c:v>MSN2</c:v>
+                </c:pt>
+                <c:pt idx="17">
+                  <c:v>MSN4</c:v>
+                </c:pt>
+                <c:pt idx="18">
+                  <c:v>RDS3</c:v>
+                </c:pt>
+                <c:pt idx="19">
+                  <c:v>SFP1</c:v>
+                </c:pt>
+                <c:pt idx="20">
+                  <c:v>STB5</c:v>
+                </c:pt>
+                <c:pt idx="21">
+                  <c:v>SWI4</c:v>
+                </c:pt>
+                <c:pt idx="22">
+                  <c:v>SWI5</c:v>
+                </c:pt>
+                <c:pt idx="23">
+                  <c:v>TEC1</c:v>
+                </c:pt>
+                <c:pt idx="24">
+                  <c:v>YHP1</c:v>
+                </c:pt>
+                <c:pt idx="25">
+                  <c:v>YOX1</c:v>
+                </c:pt>
+                <c:pt idx="26">
+                  <c:v>ZAP1</c:v>
+                </c:pt>
+              </c:strCache>
+            </c:strRef>
+          </c:cat>
+          <c:val>
+            <c:numRef>
+              <c:f>optimized_threshold_b!$G$2:$G$28</c:f>
               <c:numCache>
                 <c:formatCode>General</c:formatCode>
                 <c:ptCount val="27"/>
@@ -1516,11 +2160,11 @@
           <c:showBubbleSize val="0"/>
         </c:dLbls>
         <c:gapWidth val="150"/>
-        <c:axId val="2133824728"/>
-        <c:axId val="2133644504"/>
+        <c:axId val="2119589320"/>
+        <c:axId val="2128453208"/>
       </c:barChart>
       <c:catAx>
-        <c:axId val="2133824728"/>
+        <c:axId val="2119589320"/>
         <c:scaling>
           <c:orientation val="minMax"/>
         </c:scaling>
@@ -1529,7 +2173,7 @@
         <c:majorTickMark val="out"/>
         <c:minorTickMark val="none"/>
         <c:tickLblPos val="nextTo"/>
-        <c:crossAx val="2133644504"/>
+        <c:crossAx val="2128453208"/>
         <c:crosses val="autoZero"/>
         <c:auto val="1"/>
         <c:lblAlgn val="ctr"/>
@@ -1537,7 +2181,7 @@
         <c:noMultiLvlLbl val="0"/>
       </c:catAx>
       <c:valAx>
-        <c:axId val="2133644504"/>
+        <c:axId val="2128453208"/>
         <c:scaling>
           <c:orientation val="minMax"/>
         </c:scaling>
@@ -1548,7 +2192,7 @@
         <c:majorTickMark val="out"/>
         <c:minorTickMark val="none"/>
         <c:tickLblPos val="nextTo"/>
-        <c:crossAx val="2133824728"/>
+        <c:crossAx val="2119589320"/>
         <c:crosses val="autoZero"/>
         <c:crossBetween val="between"/>
       </c:valAx>
@@ -1983,7 +2627,7 @@
                   <c:v>1.703536573777327</c:v>
                 </c:pt>
                 <c:pt idx="15">
-                  <c:v>2.636009893907886</c:v>
+                  <c:v>2.636009893907885</c:v>
                 </c:pt>
               </c:numCache>
             </c:numRef>
@@ -2385,11 +3029,11 @@
           <c:showBubbleSize val="0"/>
         </c:dLbls>
         <c:gapWidth val="150"/>
-        <c:axId val="2124903752"/>
-        <c:axId val="2133344040"/>
+        <c:axId val="2131265624"/>
+        <c:axId val="-2049411640"/>
       </c:barChart>
       <c:catAx>
-        <c:axId val="2124903752"/>
+        <c:axId val="2131265624"/>
         <c:scaling>
           <c:orientation val="minMax"/>
         </c:scaling>
@@ -2398,7 +3042,7 @@
         <c:majorTickMark val="out"/>
         <c:minorTickMark val="none"/>
         <c:tickLblPos val="nextTo"/>
-        <c:crossAx val="2133344040"/>
+        <c:crossAx val="-2049411640"/>
         <c:crosses val="autoZero"/>
         <c:auto val="1"/>
         <c:lblAlgn val="ctr"/>
@@ -2406,7 +3050,7 @@
         <c:noMultiLvlLbl val="0"/>
       </c:catAx>
       <c:valAx>
-        <c:axId val="2133344040"/>
+        <c:axId val="-2049411640"/>
         <c:scaling>
           <c:orientation val="minMax"/>
         </c:scaling>
@@ -2417,7 +3061,7 @@
         <c:majorTickMark val="out"/>
         <c:minorTickMark val="none"/>
         <c:tickLblPos val="nextTo"/>
-        <c:crossAx val="2124903752"/>
+        <c:crossAx val="2131265624"/>
         <c:crosses val="autoZero"/>
         <c:crossBetween val="between"/>
       </c:valAx>
@@ -2457,10 +3101,10 @@
   <c:roundedCorners val="0"/>
   <mc:AlternateContent xmlns:mc="http://schemas.openxmlformats.org/markup-compatibility/2006">
     <mc:Choice xmlns:c14="http://schemas.microsoft.com/office/drawing/2007/8/2/chart" Requires="c14">
-      <c14:style val="102"/>
+      <c14:style val="118"/>
     </mc:Choice>
     <mc:Fallback>
-      <c:style val="2"/>
+      <c:style val="18"/>
     </mc:Fallback>
   </mc:AlternateContent>
   <c:chart>
@@ -2476,7 +3120,7 @@
           <c:order val="0"/>
           <c:tx>
             <c:strRef>
-              <c:f>mse_comparison_dgln3!$B$1</c:f>
+              <c:f>mse_comparison_dcin5!$B$2</c:f>
               <c:strCache>
                 <c:ptCount val="1"/>
                 <c:pt idx="0">
@@ -2488,44 +3132,44 @@
           <c:invertIfNegative val="0"/>
           <c:cat>
             <c:strRef>
-              <c:f>mse_comparison_dgln3!$A$2:$A$15</c:f>
+              <c:f>mse_comparison_dcin5!$A$3:$A$16</c:f>
               <c:strCache>
                 <c:ptCount val="14"/>
                 <c:pt idx="0">
                   <c:v>CIN5</c:v>
                 </c:pt>
                 <c:pt idx="1">
-                  <c:v>CYC8</c:v>
+                  <c:v>GCR2</c:v>
                 </c:pt>
                 <c:pt idx="2">
-                  <c:v>GCR2</c:v>
+                  <c:v>GLN3</c:v>
                 </c:pt>
                 <c:pt idx="3">
-                  <c:v>GLN3</c:v>
+                  <c:v>HAP4</c:v>
                 </c:pt>
                 <c:pt idx="4">
-                  <c:v>HAP4</c:v>
+                  <c:v>HMO1</c:v>
                 </c:pt>
                 <c:pt idx="5">
-                  <c:v>HMO1</c:v>
+                  <c:v>MGA2</c:v>
                 </c:pt>
                 <c:pt idx="6">
                   <c:v>MSN2</c:v>
                 </c:pt>
                 <c:pt idx="7">
-                  <c:v>MSN4</c:v>
+                  <c:v>RDS3</c:v>
                 </c:pt>
                 <c:pt idx="8">
                   <c:v>SFP1</c:v>
                 </c:pt>
                 <c:pt idx="9">
+                  <c:v>STB5</c:v>
+                </c:pt>
+                <c:pt idx="10">
                   <c:v>SWI4</c:v>
                 </c:pt>
-                <c:pt idx="10">
+                <c:pt idx="11">
                   <c:v>SWI5</c:v>
-                </c:pt>
-                <c:pt idx="11">
-                  <c:v>TEC1</c:v>
                 </c:pt>
                 <c:pt idx="12">
                   <c:v>YHP1</c:v>
@@ -2538,51 +3182,51 @@
           </c:cat>
           <c:val>
             <c:numRef>
-              <c:f>mse_comparison_dgln3!$B$2:$B$15</c:f>
+              <c:f>mse_comparison_dcin5!$B$3:$B$16</c:f>
               <c:numCache>
                 <c:formatCode>General</c:formatCode>
                 <c:ptCount val="14"/>
                 <c:pt idx="0">
-                  <c:v>0.731960958388463</c:v>
+                  <c:v>0.722796301432969</c:v>
                 </c:pt>
                 <c:pt idx="1">
-                  <c:v>0.284415475857306</c:v>
+                  <c:v>0.471652365539266</c:v>
                 </c:pt>
                 <c:pt idx="2">
-                  <c:v>0.453426379646552</c:v>
+                  <c:v>0.501083326232173</c:v>
                 </c:pt>
                 <c:pt idx="3">
-                  <c:v>0.460894806100791</c:v>
+                  <c:v>2.127443807784427</c:v>
                 </c:pt>
                 <c:pt idx="4">
-                  <c:v>2.20587352085468</c:v>
+                  <c:v>0.64500107184359</c:v>
                 </c:pt>
                 <c:pt idx="5">
-                  <c:v>0.644759547547602</c:v>
+                  <c:v>0.481662378835605</c:v>
                 </c:pt>
                 <c:pt idx="6">
-                  <c:v>0.437749982052578</c:v>
+                  <c:v>0.528876493871981</c:v>
                 </c:pt>
                 <c:pt idx="7">
-                  <c:v>1.501373092333854</c:v>
+                  <c:v>0.23004290427067</c:v>
                 </c:pt>
                 <c:pt idx="8">
-                  <c:v>0.984877772421948</c:v>
+                  <c:v>0.988962937396496</c:v>
                 </c:pt>
                 <c:pt idx="9">
-                  <c:v>0.327208936000374</c:v>
+                  <c:v>1.869963965357812</c:v>
                 </c:pt>
                 <c:pt idx="10">
-                  <c:v>0.40843235903427</c:v>
+                  <c:v>0.262067785115692</c:v>
                 </c:pt>
                 <c:pt idx="11">
-                  <c:v>2.398389559542101</c:v>
+                  <c:v>0.460644501686291</c:v>
                 </c:pt>
                 <c:pt idx="12">
-                  <c:v>0.755356910612802</c:v>
+                  <c:v>0.88318268939703</c:v>
                 </c:pt>
                 <c:pt idx="13">
-                  <c:v>0.423090706136972</c:v>
+                  <c:v>0.430641413252234</c:v>
                 </c:pt>
               </c:numCache>
             </c:numRef>
@@ -2593,7 +3237,7 @@
           <c:order val="1"/>
           <c:tx>
             <c:strRef>
-              <c:f>mse_comparison_dgln3!$C$1</c:f>
+              <c:f>mse_comparison_dcin5!$C$2</c:f>
               <c:strCache>
                 <c:ptCount val="1"/>
                 <c:pt idx="0">
@@ -2605,44 +3249,44 @@
           <c:invertIfNegative val="0"/>
           <c:cat>
             <c:strRef>
-              <c:f>mse_comparison_dgln3!$A$2:$A$15</c:f>
+              <c:f>mse_comparison_dcin5!$A$3:$A$16</c:f>
               <c:strCache>
                 <c:ptCount val="14"/>
                 <c:pt idx="0">
                   <c:v>CIN5</c:v>
                 </c:pt>
                 <c:pt idx="1">
-                  <c:v>CYC8</c:v>
+                  <c:v>GCR2</c:v>
                 </c:pt>
                 <c:pt idx="2">
-                  <c:v>GCR2</c:v>
+                  <c:v>GLN3</c:v>
                 </c:pt>
                 <c:pt idx="3">
-                  <c:v>GLN3</c:v>
+                  <c:v>HAP4</c:v>
                 </c:pt>
                 <c:pt idx="4">
-                  <c:v>HAP4</c:v>
+                  <c:v>HMO1</c:v>
                 </c:pt>
                 <c:pt idx="5">
-                  <c:v>HMO1</c:v>
+                  <c:v>MGA2</c:v>
                 </c:pt>
                 <c:pt idx="6">
                   <c:v>MSN2</c:v>
                 </c:pt>
                 <c:pt idx="7">
-                  <c:v>MSN4</c:v>
+                  <c:v>RDS3</c:v>
                 </c:pt>
                 <c:pt idx="8">
                   <c:v>SFP1</c:v>
                 </c:pt>
                 <c:pt idx="9">
+                  <c:v>STB5</c:v>
+                </c:pt>
+                <c:pt idx="10">
                   <c:v>SWI4</c:v>
                 </c:pt>
-                <c:pt idx="10">
+                <c:pt idx="11">
                   <c:v>SWI5</c:v>
-                </c:pt>
-                <c:pt idx="11">
-                  <c:v>TEC1</c:v>
                 </c:pt>
                 <c:pt idx="12">
                   <c:v>YHP1</c:v>
@@ -2655,7 +3299,7 @@
           </c:cat>
           <c:val>
             <c:numRef>
-              <c:f>mse_comparison_dgln3!$C$2:$C$15</c:f>
+              <c:f>mse_comparison_dcin5!$C$3:$C$16</c:f>
               <c:numCache>
                 <c:formatCode>General</c:formatCode>
                 <c:ptCount val="14"/>
@@ -2663,43 +3307,43 @@
                   <c:v>0.1449642125</c:v>
                 </c:pt>
                 <c:pt idx="1">
-                  <c:v>0.118716670180097</c:v>
+                  <c:v>0.8437907732622</c:v>
                 </c:pt>
                 <c:pt idx="2">
-                  <c:v>0.815387641050365</c:v>
+                  <c:v>0.27793107733272</c:v>
                 </c:pt>
                 <c:pt idx="3">
-                  <c:v>0.210300854856724</c:v>
+                  <c:v>1.171059174722969</c:v>
                 </c:pt>
                 <c:pt idx="4">
-                  <c:v>1.17860776348428</c:v>
+                  <c:v>0.651958990905892</c:v>
                 </c:pt>
                 <c:pt idx="5">
-                  <c:v>0.669950005586543</c:v>
+                  <c:v>0.143179050891051</c:v>
                 </c:pt>
                 <c:pt idx="6">
-                  <c:v>0.43849311791252</c:v>
+                  <c:v>0.33402687680756</c:v>
                 </c:pt>
                 <c:pt idx="7">
-                  <c:v>0.627787436154725</c:v>
+                  <c:v>0.482021233727974</c:v>
                 </c:pt>
                 <c:pt idx="8">
-                  <c:v>0.261931615758212</c:v>
+                  <c:v>0.263505708328233</c:v>
                 </c:pt>
                 <c:pt idx="9">
-                  <c:v>0.660526582008692</c:v>
+                  <c:v>0.882053881820877</c:v>
                 </c:pt>
                 <c:pt idx="10">
-                  <c:v>0.224445151480495</c:v>
+                  <c:v>0.791715274610002</c:v>
                 </c:pt>
                 <c:pt idx="11">
-                  <c:v>1.481003854527171</c:v>
+                  <c:v>0.267404891842492</c:v>
                 </c:pt>
                 <c:pt idx="12">
-                  <c:v>0.627217208101269</c:v>
+                  <c:v>0.662672466144309</c:v>
                 </c:pt>
                 <c:pt idx="13">
-                  <c:v>0.796891190360022</c:v>
+                  <c:v>0.757811874505138</c:v>
                 </c:pt>
               </c:numCache>
             </c:numRef>
@@ -2710,7 +3354,7 @@
           <c:order val="2"/>
           <c:tx>
             <c:strRef>
-              <c:f>mse_comparison_dgln3!$D$1</c:f>
+              <c:f>mse_comparison_dcin5!$D$2</c:f>
               <c:strCache>
                 <c:ptCount val="1"/>
                 <c:pt idx="0">
@@ -2722,44 +3366,44 @@
           <c:invertIfNegative val="0"/>
           <c:cat>
             <c:strRef>
-              <c:f>mse_comparison_dgln3!$A$2:$A$15</c:f>
+              <c:f>mse_comparison_dcin5!$A$3:$A$16</c:f>
               <c:strCache>
                 <c:ptCount val="14"/>
                 <c:pt idx="0">
                   <c:v>CIN5</c:v>
                 </c:pt>
                 <c:pt idx="1">
-                  <c:v>CYC8</c:v>
+                  <c:v>GCR2</c:v>
                 </c:pt>
                 <c:pt idx="2">
-                  <c:v>GCR2</c:v>
+                  <c:v>GLN3</c:v>
                 </c:pt>
                 <c:pt idx="3">
-                  <c:v>GLN3</c:v>
+                  <c:v>HAP4</c:v>
                 </c:pt>
                 <c:pt idx="4">
-                  <c:v>HAP4</c:v>
+                  <c:v>HMO1</c:v>
                 </c:pt>
                 <c:pt idx="5">
-                  <c:v>HMO1</c:v>
+                  <c:v>MGA2</c:v>
                 </c:pt>
                 <c:pt idx="6">
                   <c:v>MSN2</c:v>
                 </c:pt>
                 <c:pt idx="7">
-                  <c:v>MSN4</c:v>
+                  <c:v>RDS3</c:v>
                 </c:pt>
                 <c:pt idx="8">
                   <c:v>SFP1</c:v>
                 </c:pt>
                 <c:pt idx="9">
+                  <c:v>STB5</c:v>
+                </c:pt>
+                <c:pt idx="10">
                   <c:v>SWI4</c:v>
                 </c:pt>
-                <c:pt idx="10">
+                <c:pt idx="11">
                   <c:v>SWI5</c:v>
-                </c:pt>
-                <c:pt idx="11">
-                  <c:v>TEC1</c:v>
                 </c:pt>
                 <c:pt idx="12">
                   <c:v>YHP1</c:v>
@@ -2772,51 +3416,51 @@
           </c:cat>
           <c:val>
             <c:numRef>
-              <c:f>mse_comparison_dgln3!$D$2:$D$15</c:f>
+              <c:f>mse_comparison_dcin5!$D$3:$D$16</c:f>
               <c:numCache>
                 <c:formatCode>General</c:formatCode>
                 <c:ptCount val="14"/>
                 <c:pt idx="0">
-                  <c:v>0.819956048001238</c:v>
+                  <c:v>0.868803248792668</c:v>
                 </c:pt>
                 <c:pt idx="1">
-                  <c:v>0.242482024706724</c:v>
+                  <c:v>0.786890430110147</c:v>
                 </c:pt>
                 <c:pt idx="2">
-                  <c:v>0.798466470497879</c:v>
+                  <c:v>0.353261053333333</c:v>
                 </c:pt>
                 <c:pt idx="3">
-                  <c:v>0.353261053333333</c:v>
+                  <c:v>1.522384663672216</c:v>
                 </c:pt>
                 <c:pt idx="4">
-                  <c:v>1.290582624251888</c:v>
+                  <c:v>0.305352427230384</c:v>
                 </c:pt>
                 <c:pt idx="5">
-                  <c:v>0.302784759823533</c:v>
+                  <c:v>0.130605750133767</c:v>
                 </c:pt>
                 <c:pt idx="6">
-                  <c:v>0.767889766675609</c:v>
+                  <c:v>0.845376213993732</c:v>
                 </c:pt>
                 <c:pt idx="7">
-                  <c:v>1.004160463261056</c:v>
+                  <c:v>1.106254952877855</c:v>
                 </c:pt>
                 <c:pt idx="8">
-                  <c:v>0.959760886885053</c:v>
+                  <c:v>0.9653958908835</c:v>
                 </c:pt>
                 <c:pt idx="9">
-                  <c:v>0.488121496222999</c:v>
+                  <c:v>0.349403875122439</c:v>
                 </c:pt>
                 <c:pt idx="10">
-                  <c:v>0.270156231397258</c:v>
+                  <c:v>0.413856534852239</c:v>
                 </c:pt>
                 <c:pt idx="11">
-                  <c:v>0.582302806152069</c:v>
+                  <c:v>0.275315809185295</c:v>
                 </c:pt>
                 <c:pt idx="12">
-                  <c:v>0.979742493737283</c:v>
+                  <c:v>0.804769896080673</c:v>
                 </c:pt>
                 <c:pt idx="13">
-                  <c:v>1.385561989706684</c:v>
+                  <c:v>1.353228209769899</c:v>
                 </c:pt>
               </c:numCache>
             </c:numRef>
@@ -2827,7 +3471,7 @@
           <c:order val="3"/>
           <c:tx>
             <c:strRef>
-              <c:f>mse_comparison_dgln3!$E$1</c:f>
+              <c:f>mse_comparison_dcin5!$E$2</c:f>
               <c:strCache>
                 <c:ptCount val="1"/>
                 <c:pt idx="0">
@@ -2839,44 +3483,44 @@
           <c:invertIfNegative val="0"/>
           <c:cat>
             <c:strRef>
-              <c:f>mse_comparison_dgln3!$A$2:$A$15</c:f>
+              <c:f>mse_comparison_dcin5!$A$3:$A$16</c:f>
               <c:strCache>
                 <c:ptCount val="14"/>
                 <c:pt idx="0">
                   <c:v>CIN5</c:v>
                 </c:pt>
                 <c:pt idx="1">
-                  <c:v>CYC8</c:v>
+                  <c:v>GCR2</c:v>
                 </c:pt>
                 <c:pt idx="2">
-                  <c:v>GCR2</c:v>
+                  <c:v>GLN3</c:v>
                 </c:pt>
                 <c:pt idx="3">
-                  <c:v>GLN3</c:v>
+                  <c:v>HAP4</c:v>
                 </c:pt>
                 <c:pt idx="4">
-                  <c:v>HAP4</c:v>
+                  <c:v>HMO1</c:v>
                 </c:pt>
                 <c:pt idx="5">
-                  <c:v>HMO1</c:v>
+                  <c:v>MGA2</c:v>
                 </c:pt>
                 <c:pt idx="6">
                   <c:v>MSN2</c:v>
                 </c:pt>
                 <c:pt idx="7">
-                  <c:v>MSN4</c:v>
+                  <c:v>RDS3</c:v>
                 </c:pt>
                 <c:pt idx="8">
                   <c:v>SFP1</c:v>
                 </c:pt>
                 <c:pt idx="9">
+                  <c:v>STB5</c:v>
+                </c:pt>
+                <c:pt idx="10">
                   <c:v>SWI4</c:v>
                 </c:pt>
-                <c:pt idx="10">
+                <c:pt idx="11">
                   <c:v>SWI5</c:v>
-                </c:pt>
-                <c:pt idx="11">
-                  <c:v>TEC1</c:v>
                 </c:pt>
                 <c:pt idx="12">
                   <c:v>YHP1</c:v>
@@ -2889,51 +3533,51 @@
           </c:cat>
           <c:val>
             <c:numRef>
-              <c:f>mse_comparison_dgln3!$E$2:$E$15</c:f>
+              <c:f>mse_comparison_dcin5!$E$3:$E$16</c:f>
               <c:numCache>
                 <c:formatCode>General</c:formatCode>
                 <c:ptCount val="14"/>
                 <c:pt idx="0">
-                  <c:v>1.07143365656026</c:v>
+                  <c:v>1.06705691787989</c:v>
                 </c:pt>
                 <c:pt idx="1">
-                  <c:v>0.423771073303837</c:v>
+                  <c:v>0.955850614091442</c:v>
                 </c:pt>
                 <c:pt idx="2">
-                  <c:v>0.994295382096236</c:v>
+                  <c:v>0.190995615343442</c:v>
                 </c:pt>
                 <c:pt idx="3">
-                  <c:v>0.190551562559006</c:v>
+                  <c:v>0.4916199175</c:v>
                 </c:pt>
                 <c:pt idx="4">
-                  <c:v>0.4916199175</c:v>
+                  <c:v>2.78441041456627</c:v>
                 </c:pt>
                 <c:pt idx="5">
-                  <c:v>2.775232182267007</c:v>
+                  <c:v>0.205377433872493</c:v>
                 </c:pt>
                 <c:pt idx="6">
-                  <c:v>0.226371274006122</c:v>
+                  <c:v>0.24388366415242</c:v>
                 </c:pt>
                 <c:pt idx="7">
-                  <c:v>0.848320989510672</c:v>
+                  <c:v>0.266736258453233</c:v>
                 </c:pt>
                 <c:pt idx="8">
-                  <c:v>0.184237516424738</c:v>
+                  <c:v>0.183628527401954</c:v>
                 </c:pt>
                 <c:pt idx="9">
-                  <c:v>0.179358517902225</c:v>
+                  <c:v>0.178039546563152</c:v>
                 </c:pt>
                 <c:pt idx="10">
-                  <c:v>0.475343309589175</c:v>
+                  <c:v>0.263824911696646</c:v>
                 </c:pt>
                 <c:pt idx="11">
-                  <c:v>1.058525576497411</c:v>
+                  <c:v>0.486440855330612</c:v>
                 </c:pt>
                 <c:pt idx="12">
-                  <c:v>0.263091540893461</c:v>
+                  <c:v>0.45159162324665</c:v>
                 </c:pt>
                 <c:pt idx="13">
-                  <c:v>0.777951024321323</c:v>
+                  <c:v>0.801192946652702</c:v>
                 </c:pt>
               </c:numCache>
             </c:numRef>
@@ -2944,7 +3588,7 @@
           <c:order val="4"/>
           <c:tx>
             <c:strRef>
-              <c:f>mse_comparison_dgln3!$F$1</c:f>
+              <c:f>mse_comparison_dcin5!$F$2</c:f>
               <c:strCache>
                 <c:ptCount val="1"/>
                 <c:pt idx="0">
@@ -2956,44 +3600,44 @@
           <c:invertIfNegative val="0"/>
           <c:cat>
             <c:strRef>
-              <c:f>mse_comparison_dgln3!$A$2:$A$15</c:f>
+              <c:f>mse_comparison_dcin5!$A$3:$A$16</c:f>
               <c:strCache>
                 <c:ptCount val="14"/>
                 <c:pt idx="0">
                   <c:v>CIN5</c:v>
                 </c:pt>
                 <c:pt idx="1">
-                  <c:v>CYC8</c:v>
+                  <c:v>GCR2</c:v>
                 </c:pt>
                 <c:pt idx="2">
-                  <c:v>GCR2</c:v>
+                  <c:v>GLN3</c:v>
                 </c:pt>
                 <c:pt idx="3">
-                  <c:v>GLN3</c:v>
+                  <c:v>HAP4</c:v>
                 </c:pt>
                 <c:pt idx="4">
-                  <c:v>HAP4</c:v>
+                  <c:v>HMO1</c:v>
                 </c:pt>
                 <c:pt idx="5">
-                  <c:v>HMO1</c:v>
+                  <c:v>MGA2</c:v>
                 </c:pt>
                 <c:pt idx="6">
                   <c:v>MSN2</c:v>
                 </c:pt>
                 <c:pt idx="7">
-                  <c:v>MSN4</c:v>
+                  <c:v>RDS3</c:v>
                 </c:pt>
                 <c:pt idx="8">
                   <c:v>SFP1</c:v>
                 </c:pt>
                 <c:pt idx="9">
+                  <c:v>STB5</c:v>
+                </c:pt>
+                <c:pt idx="10">
                   <c:v>SWI4</c:v>
                 </c:pt>
-                <c:pt idx="10">
+                <c:pt idx="11">
                   <c:v>SWI5</c:v>
-                </c:pt>
-                <c:pt idx="11">
-                  <c:v>TEC1</c:v>
                 </c:pt>
                 <c:pt idx="12">
                   <c:v>YHP1</c:v>
@@ -3006,51 +3650,51 @@
           </c:cat>
           <c:val>
             <c:numRef>
-              <c:f>mse_comparison_dgln3!$F$2:$F$15</c:f>
+              <c:f>mse_comparison_dcin5!$F$3:$F$16</c:f>
               <c:numCache>
                 <c:formatCode>General</c:formatCode>
                 <c:ptCount val="14"/>
                 <c:pt idx="0">
-                  <c:v>0.744304454939067</c:v>
+                  <c:v>0.797075709458288</c:v>
                 </c:pt>
                 <c:pt idx="1">
-                  <c:v>0.150464604736851</c:v>
+                  <c:v>0.479130238299297</c:v>
                 </c:pt>
                 <c:pt idx="2">
-                  <c:v>0.469256004419272</c:v>
+                  <c:v>0.28476554166879</c:v>
                 </c:pt>
                 <c:pt idx="3">
-                  <c:v>0.21552022493394</c:v>
+                  <c:v>1.421461527614763</c:v>
                 </c:pt>
                 <c:pt idx="4">
-                  <c:v>1.392167801294041</c:v>
+                  <c:v>0.593595616666667</c:v>
                 </c:pt>
                 <c:pt idx="5">
-                  <c:v>0.593595616666667</c:v>
+                  <c:v>0.295700559726016</c:v>
                 </c:pt>
                 <c:pt idx="6">
-                  <c:v>0.374964266441711</c:v>
+                  <c:v>0.444605025134897</c:v>
                 </c:pt>
                 <c:pt idx="7">
-                  <c:v>0.711643614984691</c:v>
+                  <c:v>1.835185132381002</c:v>
                 </c:pt>
                 <c:pt idx="8">
-                  <c:v>1.180800676062848</c:v>
+                  <c:v>1.161156936772133</c:v>
                 </c:pt>
                 <c:pt idx="9">
-                  <c:v>0.334659802024099</c:v>
+                  <c:v>0.53753662840439</c:v>
                 </c:pt>
                 <c:pt idx="10">
-                  <c:v>0.242942110366263</c:v>
+                  <c:v>0.255804481827353</c:v>
                 </c:pt>
                 <c:pt idx="11">
-                  <c:v>0.939244391500833</c:v>
+                  <c:v>0.27140737279938</c:v>
                 </c:pt>
                 <c:pt idx="12">
-                  <c:v>0.28948651797476</c:v>
+                  <c:v>0.360283645617838</c:v>
                 </c:pt>
                 <c:pt idx="13">
-                  <c:v>0.656751561776891</c:v>
+                  <c:v>0.661193185799969</c:v>
                 </c:pt>
               </c:numCache>
             </c:numRef>
@@ -3065,11 +3709,11 @@
           <c:showBubbleSize val="0"/>
         </c:dLbls>
         <c:gapWidth val="150"/>
-        <c:axId val="2086794712"/>
-        <c:axId val="2086797768"/>
+        <c:axId val="-2105318872"/>
+        <c:axId val="-2049907576"/>
       </c:barChart>
       <c:catAx>
-        <c:axId val="2086794712"/>
+        <c:axId val="-2105318872"/>
         <c:scaling>
           <c:orientation val="minMax"/>
         </c:scaling>
@@ -3078,7 +3722,7 @@
         <c:majorTickMark val="out"/>
         <c:minorTickMark val="none"/>
         <c:tickLblPos val="nextTo"/>
-        <c:crossAx val="2086797768"/>
+        <c:crossAx val="-2049907576"/>
         <c:crosses val="autoZero"/>
         <c:auto val="1"/>
         <c:lblAlgn val="ctr"/>
@@ -3086,7 +3730,7 @@
         <c:noMultiLvlLbl val="0"/>
       </c:catAx>
       <c:valAx>
-        <c:axId val="2086797768"/>
+        <c:axId val="-2049907576"/>
         <c:scaling>
           <c:orientation val="minMax"/>
         </c:scaling>
@@ -3097,7 +3741,7 @@
         <c:majorTickMark val="out"/>
         <c:minorTickMark val="none"/>
         <c:tickLblPos val="nextTo"/>
-        <c:crossAx val="2086794712"/>
+        <c:crossAx val="-2105318872"/>
         <c:crosses val="autoZero"/>
         <c:crossBetween val="between"/>
       </c:valAx>
@@ -3137,10 +3781,10 @@
   <c:roundedCorners val="0"/>
   <mc:AlternateContent xmlns:mc="http://schemas.openxmlformats.org/markup-compatibility/2006">
     <mc:Choice xmlns:c14="http://schemas.microsoft.com/office/drawing/2007/8/2/chart" Requires="c14">
-      <c14:style val="102"/>
+      <c14:style val="118"/>
     </mc:Choice>
     <mc:Fallback>
-      <c:style val="2"/>
+      <c:style val="18"/>
     </mc:Fallback>
   </mc:AlternateContent>
   <c:chart>
@@ -3156,7 +3800,7 @@
           <c:order val="0"/>
           <c:tx>
             <c:strRef>
-              <c:f>mse_comparison_dhap4!$B$1</c:f>
+              <c:f>mse_comparison_dcin5!$I$2</c:f>
               <c:strCache>
                 <c:ptCount val="1"/>
                 <c:pt idx="0">
@@ -3168,52 +3812,58 @@
           <c:invertIfNegative val="0"/>
           <c:cat>
             <c:strRef>
-              <c:f>mse_comparison_dhap4!$A$2:$A$16</c:f>
+              <c:f>mse_comparison_dcin5!$H$3:$H$19</c:f>
               <c:strCache>
-                <c:ptCount val="15"/>
+                <c:ptCount val="17"/>
                 <c:pt idx="0">
                   <c:v>ACE2</c:v>
                 </c:pt>
                 <c:pt idx="1">
-                  <c:v>ASH1</c:v>
+                  <c:v>CIN5</c:v>
                 </c:pt>
                 <c:pt idx="2">
-                  <c:v>CIN5</c:v>
+                  <c:v>GCR2</c:v>
                 </c:pt>
                 <c:pt idx="3">
-                  <c:v>GCR2</c:v>
+                  <c:v>GLN3</c:v>
                 </c:pt>
                 <c:pt idx="4">
-                  <c:v>GLN3</c:v>
+                  <c:v>HAP4</c:v>
                 </c:pt>
                 <c:pt idx="5">
-                  <c:v>HAP4</c:v>
+                  <c:v>HMO1</c:v>
                 </c:pt>
                 <c:pt idx="6">
-                  <c:v>HMO1</c:v>
+                  <c:v>MCM1</c:v>
                 </c:pt>
                 <c:pt idx="7">
+                  <c:v>MGA2</c:v>
+                </c:pt>
+                <c:pt idx="8">
                   <c:v>MSN2</c:v>
                 </c:pt>
-                <c:pt idx="8">
+                <c:pt idx="9">
+                  <c:v>RDS3</c:v>
+                </c:pt>
+                <c:pt idx="10">
                   <c:v>SFP1</c:v>
                 </c:pt>
-                <c:pt idx="9">
+                <c:pt idx="11">
                   <c:v>STB5</c:v>
                 </c:pt>
-                <c:pt idx="10">
+                <c:pt idx="12">
                   <c:v>SWI4</c:v>
                 </c:pt>
-                <c:pt idx="11">
+                <c:pt idx="13">
                   <c:v>SWI5</c:v>
                 </c:pt>
-                <c:pt idx="12">
+                <c:pt idx="14">
                   <c:v>YHP1</c:v>
                 </c:pt>
-                <c:pt idx="13">
+                <c:pt idx="15">
                   <c:v>YOX1</c:v>
                 </c:pt>
-                <c:pt idx="14">
+                <c:pt idx="16">
                   <c:v>ZAP1</c:v>
                 </c:pt>
               </c:strCache>
@@ -3221,54 +3871,60 @@
           </c:cat>
           <c:val>
             <c:numRef>
-              <c:f>mse_comparison_dhap4!$B$2:$B$16</c:f>
+              <c:f>mse_comparison_dcin5!$I$3:$I$19</c:f>
               <c:numCache>
                 <c:formatCode>General</c:formatCode>
-                <c:ptCount val="15"/>
-                <c:pt idx="0">
-                  <c:v>0.414400399532629</c:v>
+                <c:ptCount val="17"/>
+                <c:pt idx="0">
+                  <c:v>0.411320538043566</c:v>
                 </c:pt>
                 <c:pt idx="1">
-                  <c:v>0.253694692201024</c:v>
+                  <c:v>0.845771701780911</c:v>
                 </c:pt>
                 <c:pt idx="2">
-                  <c:v>0.82940629613405</c:v>
+                  <c:v>0.501992303918619</c:v>
                 </c:pt>
                 <c:pt idx="3">
-                  <c:v>0.511987868643105</c:v>
+                  <c:v>0.477325188324043</c:v>
                 </c:pt>
                 <c:pt idx="4">
-                  <c:v>0.474377785597872</c:v>
+                  <c:v>2.101884284529554</c:v>
                 </c:pt>
                 <c:pt idx="5">
-                  <c:v>2.150261498789201</c:v>
+                  <c:v>0.64028441694525</c:v>
                 </c:pt>
                 <c:pt idx="6">
-                  <c:v>0.6177767771785</c:v>
+                  <c:v>1.232337375273702</c:v>
                 </c:pt>
                 <c:pt idx="7">
-                  <c:v>0.463377933260288</c:v>
+                  <c:v>0.532454011461283</c:v>
                 </c:pt>
                 <c:pt idx="8">
-                  <c:v>0.982476151362419</c:v>
+                  <c:v>0.541588997349779</c:v>
                 </c:pt>
                 <c:pt idx="9">
-                  <c:v>1.796514074114253</c:v>
+                  <c:v>0.23177770455563</c:v>
                 </c:pt>
                 <c:pt idx="10">
-                  <c:v>0.30902087171182</c:v>
+                  <c:v>0.994041334161549</c:v>
                 </c:pt>
                 <c:pt idx="11">
-                  <c:v>0.403768967146743</c:v>
+                  <c:v>1.85394626426909</c:v>
                 </c:pt>
                 <c:pt idx="12">
-                  <c:v>0.734309595074554</c:v>
+                  <c:v>0.282293594424155</c:v>
                 </c:pt>
                 <c:pt idx="13">
-                  <c:v>0.404887311891409</c:v>
+                  <c:v>0.451991321518238</c:v>
                 </c:pt>
                 <c:pt idx="14">
-                  <c:v>2.303852234436616</c:v>
+                  <c:v>0.723444414982261</c:v>
+                </c:pt>
+                <c:pt idx="15">
+                  <c:v>0.406136827120828</c:v>
+                </c:pt>
+                <c:pt idx="16">
+                  <c:v>2.059781692109081</c:v>
                 </c:pt>
               </c:numCache>
             </c:numRef>
@@ -3279,7 +3935,7 @@
           <c:order val="1"/>
           <c:tx>
             <c:strRef>
-              <c:f>mse_comparison_dhap4!$C$1</c:f>
+              <c:f>mse_comparison_dcin5!$J$2</c:f>
               <c:strCache>
                 <c:ptCount val="1"/>
                 <c:pt idx="0">
@@ -3291,52 +3947,58 @@
           <c:invertIfNegative val="0"/>
           <c:cat>
             <c:strRef>
-              <c:f>mse_comparison_dhap4!$A$2:$A$16</c:f>
+              <c:f>mse_comparison_dcin5!$H$3:$H$19</c:f>
               <c:strCache>
-                <c:ptCount val="15"/>
+                <c:ptCount val="17"/>
                 <c:pt idx="0">
                   <c:v>ACE2</c:v>
                 </c:pt>
                 <c:pt idx="1">
-                  <c:v>ASH1</c:v>
+                  <c:v>CIN5</c:v>
                 </c:pt>
                 <c:pt idx="2">
-                  <c:v>CIN5</c:v>
+                  <c:v>GCR2</c:v>
                 </c:pt>
                 <c:pt idx="3">
-                  <c:v>GCR2</c:v>
+                  <c:v>GLN3</c:v>
                 </c:pt>
                 <c:pt idx="4">
-                  <c:v>GLN3</c:v>
+                  <c:v>HAP4</c:v>
                 </c:pt>
                 <c:pt idx="5">
-                  <c:v>HAP4</c:v>
+                  <c:v>HMO1</c:v>
                 </c:pt>
                 <c:pt idx="6">
-                  <c:v>HMO1</c:v>
+                  <c:v>MCM1</c:v>
                 </c:pt>
                 <c:pt idx="7">
+                  <c:v>MGA2</c:v>
+                </c:pt>
+                <c:pt idx="8">
                   <c:v>MSN2</c:v>
                 </c:pt>
-                <c:pt idx="8">
+                <c:pt idx="9">
+                  <c:v>RDS3</c:v>
+                </c:pt>
+                <c:pt idx="10">
                   <c:v>SFP1</c:v>
                 </c:pt>
-                <c:pt idx="9">
+                <c:pt idx="11">
                   <c:v>STB5</c:v>
                 </c:pt>
-                <c:pt idx="10">
+                <c:pt idx="12">
                   <c:v>SWI4</c:v>
                 </c:pt>
-                <c:pt idx="11">
+                <c:pt idx="13">
                   <c:v>SWI5</c:v>
                 </c:pt>
-                <c:pt idx="12">
+                <c:pt idx="14">
                   <c:v>YHP1</c:v>
                 </c:pt>
-                <c:pt idx="13">
+                <c:pt idx="15">
                   <c:v>YOX1</c:v>
                 </c:pt>
-                <c:pt idx="14">
+                <c:pt idx="16">
                   <c:v>ZAP1</c:v>
                 </c:pt>
               </c:strCache>
@@ -3344,54 +4006,60 @@
           </c:cat>
           <c:val>
             <c:numRef>
-              <c:f>mse_comparison_dhap4!$C$2:$C$16</c:f>
+              <c:f>mse_comparison_dcin5!$J$3:$J$19</c:f>
               <c:numCache>
                 <c:formatCode>General</c:formatCode>
-                <c:ptCount val="15"/>
-                <c:pt idx="0">
-                  <c:v>0.0961255599300152</c:v>
+                <c:ptCount val="17"/>
+                <c:pt idx="0">
+                  <c:v>0.0992847214059903</c:v>
                 </c:pt>
                 <c:pt idx="1">
-                  <c:v>0.301093786137102</c:v>
+                  <c:v>0.1389393325</c:v>
                 </c:pt>
                 <c:pt idx="2">
-                  <c:v>0.1449642125</c:v>
+                  <c:v>0.889269757742526</c:v>
                 </c:pt>
                 <c:pt idx="3">
-                  <c:v>0.903868332873391</c:v>
+                  <c:v>0.198700951721269</c:v>
                 </c:pt>
                 <c:pt idx="4">
-                  <c:v>0.201401948380056</c:v>
+                  <c:v>1.183647826891488</c:v>
                 </c:pt>
                 <c:pt idx="5">
-                  <c:v>1.161012351798848</c:v>
+                  <c:v>0.625782206554727</c:v>
                 </c:pt>
                 <c:pt idx="6">
-                  <c:v>0.684024350074492</c:v>
+                  <c:v>0.817620085406046</c:v>
                 </c:pt>
                 <c:pt idx="7">
-                  <c:v>0.384749785048605</c:v>
+                  <c:v>0.129828579881061</c:v>
                 </c:pt>
                 <c:pt idx="8">
-                  <c:v>0.30570869561808</c:v>
+                  <c:v>0.338170556478448</c:v>
                 </c:pt>
                 <c:pt idx="9">
-                  <c:v>0.87599310627345</c:v>
+                  <c:v>0.481540318051162</c:v>
                 </c:pt>
                 <c:pt idx="10">
-                  <c:v>0.69860099663642</c:v>
+                  <c:v>0.260127401014454</c:v>
                 </c:pt>
                 <c:pt idx="11">
-                  <c:v>0.226098007087176</c:v>
+                  <c:v>0.873414290980528</c:v>
                 </c:pt>
                 <c:pt idx="12">
-                  <c:v>0.62377818807323</c:v>
+                  <c:v>0.661970311135113</c:v>
                 </c:pt>
                 <c:pt idx="13">
-                  <c:v>0.733909472514184</c:v>
+                  <c:v>0.227080644692146</c:v>
                 </c:pt>
                 <c:pt idx="14">
-                  <c:v>0.673485303850372</c:v>
+                  <c:v>0.662041868468755</c:v>
+                </c:pt>
+                <c:pt idx="15">
+                  <c:v>0.741316339848555</c:v>
+                </c:pt>
+                <c:pt idx="16">
+                  <c:v>0.663282284912506</c:v>
                 </c:pt>
               </c:numCache>
             </c:numRef>
@@ -3402,7 +4070,7 @@
           <c:order val="2"/>
           <c:tx>
             <c:strRef>
-              <c:f>mse_comparison_dhap4!$D$1</c:f>
+              <c:f>mse_comparison_dcin5!$K$2</c:f>
               <c:strCache>
                 <c:ptCount val="1"/>
                 <c:pt idx="0">
@@ -3414,52 +4082,58 @@
           <c:invertIfNegative val="0"/>
           <c:cat>
             <c:strRef>
-              <c:f>mse_comparison_dhap4!$A$2:$A$16</c:f>
+              <c:f>mse_comparison_dcin5!$H$3:$H$19</c:f>
               <c:strCache>
-                <c:ptCount val="15"/>
+                <c:ptCount val="17"/>
                 <c:pt idx="0">
                   <c:v>ACE2</c:v>
                 </c:pt>
                 <c:pt idx="1">
-                  <c:v>ASH1</c:v>
+                  <c:v>CIN5</c:v>
                 </c:pt>
                 <c:pt idx="2">
-                  <c:v>CIN5</c:v>
+                  <c:v>GCR2</c:v>
                 </c:pt>
                 <c:pt idx="3">
-                  <c:v>GCR2</c:v>
+                  <c:v>GLN3</c:v>
                 </c:pt>
                 <c:pt idx="4">
-                  <c:v>GLN3</c:v>
+                  <c:v>HAP4</c:v>
                 </c:pt>
                 <c:pt idx="5">
-                  <c:v>HAP4</c:v>
+                  <c:v>HMO1</c:v>
                 </c:pt>
                 <c:pt idx="6">
-                  <c:v>HMO1</c:v>
+                  <c:v>MCM1</c:v>
                 </c:pt>
                 <c:pt idx="7">
+                  <c:v>MGA2</c:v>
+                </c:pt>
+                <c:pt idx="8">
                   <c:v>MSN2</c:v>
                 </c:pt>
-                <c:pt idx="8">
+                <c:pt idx="9">
+                  <c:v>RDS3</c:v>
+                </c:pt>
+                <c:pt idx="10">
                   <c:v>SFP1</c:v>
                 </c:pt>
-                <c:pt idx="9">
+                <c:pt idx="11">
                   <c:v>STB5</c:v>
                 </c:pt>
-                <c:pt idx="10">
+                <c:pt idx="12">
                   <c:v>SWI4</c:v>
                 </c:pt>
-                <c:pt idx="11">
+                <c:pt idx="13">
                   <c:v>SWI5</c:v>
                 </c:pt>
-                <c:pt idx="12">
+                <c:pt idx="14">
                   <c:v>YHP1</c:v>
                 </c:pt>
-                <c:pt idx="13">
+                <c:pt idx="15">
                   <c:v>YOX1</c:v>
                 </c:pt>
-                <c:pt idx="14">
+                <c:pt idx="16">
                   <c:v>ZAP1</c:v>
                 </c:pt>
               </c:strCache>
@@ -3467,54 +4141,60 @@
           </c:cat>
           <c:val>
             <c:numRef>
-              <c:f>mse_comparison_dhap4!$D$2:$D$16</c:f>
+              <c:f>mse_comparison_dcin5!$K$3:$K$19</c:f>
               <c:numCache>
                 <c:formatCode>General</c:formatCode>
-                <c:ptCount val="15"/>
-                <c:pt idx="0">
-                  <c:v>1.306209888931987</c:v>
+                <c:ptCount val="17"/>
+                <c:pt idx="0">
+                  <c:v>1.261948602936334</c:v>
                 </c:pt>
                 <c:pt idx="1">
-                  <c:v>0.634373654282639</c:v>
+                  <c:v>0.878713872802487</c:v>
                 </c:pt>
                 <c:pt idx="2">
-                  <c:v>0.867839258304965</c:v>
+                  <c:v>0.772752471836118</c:v>
                 </c:pt>
                 <c:pt idx="3">
-                  <c:v>0.769190419944849</c:v>
+                  <c:v>0.353261053333333</c:v>
                 </c:pt>
                 <c:pt idx="4">
-                  <c:v>0.353261053333333</c:v>
+                  <c:v>1.425636687550394</c:v>
                 </c:pt>
                 <c:pt idx="5">
-                  <c:v>1.344340022261781</c:v>
+                  <c:v>0.308122272768119</c:v>
                 </c:pt>
                 <c:pt idx="6">
-                  <c:v>0.296710833170619</c:v>
+                  <c:v>4.128760338869433</c:v>
                 </c:pt>
                 <c:pt idx="7">
-                  <c:v>0.769294992672935</c:v>
+                  <c:v>0.132214349190385</c:v>
                 </c:pt>
                 <c:pt idx="8">
-                  <c:v>0.970550181308868</c:v>
+                  <c:v>0.86498101849668</c:v>
                 </c:pt>
                 <c:pt idx="9">
-                  <c:v>0.388974090594714</c:v>
+                  <c:v>1.072482715368971</c:v>
                 </c:pt>
                 <c:pt idx="10">
-                  <c:v>0.469652166420397</c:v>
+                  <c:v>0.916542210133224</c:v>
                 </c:pt>
                 <c:pt idx="11">
-                  <c:v>0.280230241229235</c:v>
+                  <c:v>0.353959764302183</c:v>
                 </c:pt>
                 <c:pt idx="12">
-                  <c:v>1.042423197331166</c:v>
+                  <c:v>0.444957970170115</c:v>
                 </c:pt>
                 <c:pt idx="13">
-                  <c:v>1.48897677276851</c:v>
+                  <c:v>0.274295430367903</c:v>
                 </c:pt>
                 <c:pt idx="14">
-                  <c:v>1.28016825393683</c:v>
+                  <c:v>0.950572388803823</c:v>
+                </c:pt>
+                <c:pt idx="15">
+                  <c:v>1.491243925144466</c:v>
+                </c:pt>
+                <c:pt idx="16">
+                  <c:v>1.300966547520272</c:v>
                 </c:pt>
               </c:numCache>
             </c:numRef>
@@ -3525,7 +4205,7 @@
           <c:order val="3"/>
           <c:tx>
             <c:strRef>
-              <c:f>mse_comparison_dhap4!$E$1</c:f>
+              <c:f>mse_comparison_dcin5!$L$2</c:f>
               <c:strCache>
                 <c:ptCount val="1"/>
                 <c:pt idx="0">
@@ -3537,52 +4217,58 @@
           <c:invertIfNegative val="0"/>
           <c:cat>
             <c:strRef>
-              <c:f>mse_comparison_dhap4!$A$2:$A$16</c:f>
+              <c:f>mse_comparison_dcin5!$H$3:$H$19</c:f>
               <c:strCache>
-                <c:ptCount val="15"/>
+                <c:ptCount val="17"/>
                 <c:pt idx="0">
                   <c:v>ACE2</c:v>
                 </c:pt>
                 <c:pt idx="1">
-                  <c:v>ASH1</c:v>
+                  <c:v>CIN5</c:v>
                 </c:pt>
                 <c:pt idx="2">
-                  <c:v>CIN5</c:v>
+                  <c:v>GCR2</c:v>
                 </c:pt>
                 <c:pt idx="3">
-                  <c:v>GCR2</c:v>
+                  <c:v>GLN3</c:v>
                 </c:pt>
                 <c:pt idx="4">
-                  <c:v>GLN3</c:v>
+                  <c:v>HAP4</c:v>
                 </c:pt>
                 <c:pt idx="5">
-                  <c:v>HAP4</c:v>
+                  <c:v>HMO1</c:v>
                 </c:pt>
                 <c:pt idx="6">
-                  <c:v>HMO1</c:v>
+                  <c:v>MCM1</c:v>
                 </c:pt>
                 <c:pt idx="7">
+                  <c:v>MGA2</c:v>
+                </c:pt>
+                <c:pt idx="8">
                   <c:v>MSN2</c:v>
                 </c:pt>
-                <c:pt idx="8">
+                <c:pt idx="9">
+                  <c:v>RDS3</c:v>
+                </c:pt>
+                <c:pt idx="10">
                   <c:v>SFP1</c:v>
                 </c:pt>
-                <c:pt idx="9">
+                <c:pt idx="11">
                   <c:v>STB5</c:v>
                 </c:pt>
-                <c:pt idx="10">
+                <c:pt idx="12">
                   <c:v>SWI4</c:v>
                 </c:pt>
-                <c:pt idx="11">
+                <c:pt idx="13">
                   <c:v>SWI5</c:v>
                 </c:pt>
-                <c:pt idx="12">
+                <c:pt idx="14">
                   <c:v>YHP1</c:v>
                 </c:pt>
-                <c:pt idx="13">
+                <c:pt idx="15">
                   <c:v>YOX1</c:v>
                 </c:pt>
-                <c:pt idx="14">
+                <c:pt idx="16">
                   <c:v>ZAP1</c:v>
                 </c:pt>
               </c:strCache>
@@ -3590,54 +4276,60 @@
           </c:cat>
           <c:val>
             <c:numRef>
-              <c:f>mse_comparison_dhap4!$E$2:$E$16</c:f>
+              <c:f>mse_comparison_dcin5!$L$3:$L$19</c:f>
               <c:numCache>
                 <c:formatCode>General</c:formatCode>
-                <c:ptCount val="15"/>
-                <c:pt idx="0">
-                  <c:v>0.145929035248153</c:v>
+                <c:ptCount val="17"/>
+                <c:pt idx="0">
+                  <c:v>0.197798678310261</c:v>
                 </c:pt>
                 <c:pt idx="1">
-                  <c:v>0.315963747820022</c:v>
+                  <c:v>0.919000176237511</c:v>
                 </c:pt>
                 <c:pt idx="2">
-                  <c:v>1.09454084131527</c:v>
+                  <c:v>0.858387193803839</c:v>
                 </c:pt>
                 <c:pt idx="3">
-                  <c:v>0.885788340243391</c:v>
+                  <c:v>0.192362687626674</c:v>
                 </c:pt>
                 <c:pt idx="4">
-                  <c:v>0.18676177465043</c:v>
+                  <c:v>0.533208381666667</c:v>
                 </c:pt>
                 <c:pt idx="5">
-                  <c:v>0.4916199175</c:v>
+                  <c:v>2.795444445899142</c:v>
                 </c:pt>
                 <c:pt idx="6">
-                  <c:v>2.827609851031374</c:v>
+                  <c:v>1.241842092099991</c:v>
                 </c:pt>
                 <c:pt idx="7">
-                  <c:v>0.206939444018557</c:v>
+                  <c:v>0.186301445428574</c:v>
                 </c:pt>
                 <c:pt idx="8">
-                  <c:v>0.178197584178885</c:v>
+                  <c:v>0.247234965269412</c:v>
                 </c:pt>
                 <c:pt idx="9">
-                  <c:v>0.174177731641512</c:v>
+                  <c:v>0.215877930707689</c:v>
                 </c:pt>
                 <c:pt idx="10">
-                  <c:v>0.191125178210703</c:v>
+                  <c:v>0.219148085771887</c:v>
                 </c:pt>
                 <c:pt idx="11">
-                  <c:v>0.464225396947672</c:v>
+                  <c:v>0.15193010519539</c:v>
                 </c:pt>
                 <c:pt idx="12">
-                  <c:v>0.253370034254909</c:v>
+                  <c:v>0.157652062429708</c:v>
                 </c:pt>
                 <c:pt idx="13">
-                  <c:v>0.723838647971399</c:v>
+                  <c:v>0.577074884810262</c:v>
                 </c:pt>
                 <c:pt idx="14">
-                  <c:v>1.128715462856991</c:v>
+                  <c:v>0.295675175881401</c:v>
+                </c:pt>
+                <c:pt idx="15">
+                  <c:v>0.710567333003024</c:v>
+                </c:pt>
+                <c:pt idx="16">
+                  <c:v>0.786470832838076</c:v>
                 </c:pt>
               </c:numCache>
             </c:numRef>
@@ -3648,7 +4340,7 @@
           <c:order val="4"/>
           <c:tx>
             <c:strRef>
-              <c:f>mse_comparison_dhap4!$F$1</c:f>
+              <c:f>mse_comparison_dcin5!$M$2</c:f>
               <c:strCache>
                 <c:ptCount val="1"/>
                 <c:pt idx="0">
@@ -3660,52 +4352,58 @@
           <c:invertIfNegative val="0"/>
           <c:cat>
             <c:strRef>
-              <c:f>mse_comparison_dhap4!$A$2:$A$16</c:f>
+              <c:f>mse_comparison_dcin5!$H$3:$H$19</c:f>
               <c:strCache>
-                <c:ptCount val="15"/>
+                <c:ptCount val="17"/>
                 <c:pt idx="0">
                   <c:v>ACE2</c:v>
                 </c:pt>
                 <c:pt idx="1">
-                  <c:v>ASH1</c:v>
+                  <c:v>CIN5</c:v>
                 </c:pt>
                 <c:pt idx="2">
-                  <c:v>CIN5</c:v>
+                  <c:v>GCR2</c:v>
                 </c:pt>
                 <c:pt idx="3">
-                  <c:v>GCR2</c:v>
+                  <c:v>GLN3</c:v>
                 </c:pt>
                 <c:pt idx="4">
-                  <c:v>GLN3</c:v>
+                  <c:v>HAP4</c:v>
                 </c:pt>
                 <c:pt idx="5">
-                  <c:v>HAP4</c:v>
+                  <c:v>HMO1</c:v>
                 </c:pt>
                 <c:pt idx="6">
-                  <c:v>HMO1</c:v>
+                  <c:v>MCM1</c:v>
                 </c:pt>
                 <c:pt idx="7">
+                  <c:v>MGA2</c:v>
+                </c:pt>
+                <c:pt idx="8">
                   <c:v>MSN2</c:v>
                 </c:pt>
-                <c:pt idx="8">
+                <c:pt idx="9">
+                  <c:v>RDS3</c:v>
+                </c:pt>
+                <c:pt idx="10">
                   <c:v>SFP1</c:v>
                 </c:pt>
-                <c:pt idx="9">
+                <c:pt idx="11">
                   <c:v>STB5</c:v>
                 </c:pt>
-                <c:pt idx="10">
+                <c:pt idx="12">
                   <c:v>SWI4</c:v>
                 </c:pt>
-                <c:pt idx="11">
+                <c:pt idx="13">
                   <c:v>SWI5</c:v>
                 </c:pt>
-                <c:pt idx="12">
+                <c:pt idx="14">
                   <c:v>YHP1</c:v>
                 </c:pt>
-                <c:pt idx="13">
+                <c:pt idx="15">
                   <c:v>YOX1</c:v>
                 </c:pt>
-                <c:pt idx="14">
+                <c:pt idx="16">
                   <c:v>ZAP1</c:v>
                 </c:pt>
               </c:strCache>
@@ -3713,54 +4411,60 @@
           </c:cat>
           <c:val>
             <c:numRef>
-              <c:f>mse_comparison_dhap4!$F$2:$F$16</c:f>
+              <c:f>mse_comparison_dcin5!$M$3:$M$19</c:f>
               <c:numCache>
                 <c:formatCode>General</c:formatCode>
-                <c:ptCount val="15"/>
-                <c:pt idx="0">
-                  <c:v>0.21060423929162</c:v>
+                <c:ptCount val="17"/>
+                <c:pt idx="0">
+                  <c:v>0.199846144472241</c:v>
                 </c:pt>
                 <c:pt idx="1">
-                  <c:v>1.1926941732394</c:v>
+                  <c:v>0.759404221513909</c:v>
                 </c:pt>
                 <c:pt idx="2">
-                  <c:v>0.769613126392202</c:v>
+                  <c:v>0.497045171344652</c:v>
                 </c:pt>
                 <c:pt idx="3">
-                  <c:v>0.503263014502472</c:v>
+                  <c:v>0.249779442160381</c:v>
                 </c:pt>
                 <c:pt idx="4">
-                  <c:v>0.237003528517225</c:v>
+                  <c:v>1.485298494544057</c:v>
                 </c:pt>
                 <c:pt idx="5">
-                  <c:v>1.421204638745012</c:v>
+                  <c:v>0.593595616666667</c:v>
                 </c:pt>
                 <c:pt idx="6">
-                  <c:v>0.593595616666667</c:v>
+                  <c:v>3.12607711412136</c:v>
                 </c:pt>
                 <c:pt idx="7">
-                  <c:v>0.448965607631339</c:v>
+                  <c:v>0.298201977764395</c:v>
                 </c:pt>
                 <c:pt idx="8">
-                  <c:v>1.185892053198647</c:v>
+                  <c:v>0.477302943379906</c:v>
                 </c:pt>
                 <c:pt idx="9">
-                  <c:v>0.533377124036951</c:v>
+                  <c:v>1.790149960974662</c:v>
                 </c:pt>
                 <c:pt idx="10">
-                  <c:v>0.319990162695856</c:v>
+                  <c:v>1.080877286301819</c:v>
                 </c:pt>
                 <c:pt idx="11">
-                  <c:v>0.241360949579765</c:v>
+                  <c:v>0.529463493612634</c:v>
                 </c:pt>
                 <c:pt idx="12">
-                  <c:v>0.287058300813078</c:v>
+                  <c:v>0.248228445582492</c:v>
                 </c:pt>
                 <c:pt idx="13">
-                  <c:v>0.660915213847568</c:v>
+                  <c:v>0.23381860952912</c:v>
                 </c:pt>
                 <c:pt idx="14">
-                  <c:v>0.460814343713048</c:v>
+                  <c:v>0.301836724650599</c:v>
+                </c:pt>
+                <c:pt idx="15">
+                  <c:v>0.664446494403275</c:v>
+                </c:pt>
+                <c:pt idx="16">
+                  <c:v>0.478156570855901</c:v>
                 </c:pt>
               </c:numCache>
             </c:numRef>
@@ -3771,7 +4475,7 @@
           <c:order val="5"/>
           <c:tx>
             <c:strRef>
-              <c:f>mse_comparison_dhap4!$G$1</c:f>
+              <c:f>mse_comparison_dcin5!$N$2</c:f>
               <c:strCache>
                 <c:ptCount val="1"/>
                 <c:pt idx="0">
@@ -3783,52 +4487,58 @@
           <c:invertIfNegative val="0"/>
           <c:cat>
             <c:strRef>
-              <c:f>mse_comparison_dhap4!$A$2:$A$16</c:f>
+              <c:f>mse_comparison_dcin5!$H$3:$H$19</c:f>
               <c:strCache>
-                <c:ptCount val="15"/>
+                <c:ptCount val="17"/>
                 <c:pt idx="0">
                   <c:v>ACE2</c:v>
                 </c:pt>
                 <c:pt idx="1">
-                  <c:v>ASH1</c:v>
+                  <c:v>CIN5</c:v>
                 </c:pt>
                 <c:pt idx="2">
-                  <c:v>CIN5</c:v>
+                  <c:v>GCR2</c:v>
                 </c:pt>
                 <c:pt idx="3">
-                  <c:v>GCR2</c:v>
+                  <c:v>GLN3</c:v>
                 </c:pt>
                 <c:pt idx="4">
-                  <c:v>GLN3</c:v>
+                  <c:v>HAP4</c:v>
                 </c:pt>
                 <c:pt idx="5">
-                  <c:v>HAP4</c:v>
+                  <c:v>HMO1</c:v>
                 </c:pt>
                 <c:pt idx="6">
-                  <c:v>HMO1</c:v>
+                  <c:v>MCM1</c:v>
                 </c:pt>
                 <c:pt idx="7">
+                  <c:v>MGA2</c:v>
+                </c:pt>
+                <c:pt idx="8">
                   <c:v>MSN2</c:v>
                 </c:pt>
-                <c:pt idx="8">
+                <c:pt idx="9">
+                  <c:v>RDS3</c:v>
+                </c:pt>
+                <c:pt idx="10">
                   <c:v>SFP1</c:v>
                 </c:pt>
-                <c:pt idx="9">
+                <c:pt idx="11">
                   <c:v>STB5</c:v>
                 </c:pt>
-                <c:pt idx="10">
+                <c:pt idx="12">
                   <c:v>SWI4</c:v>
                 </c:pt>
-                <c:pt idx="11">
+                <c:pt idx="13">
                   <c:v>SWI5</c:v>
                 </c:pt>
-                <c:pt idx="12">
+                <c:pt idx="14">
                   <c:v>YHP1</c:v>
                 </c:pt>
-                <c:pt idx="13">
+                <c:pt idx="15">
                   <c:v>YOX1</c:v>
                 </c:pt>
-                <c:pt idx="14">
+                <c:pt idx="16">
                   <c:v>ZAP1</c:v>
                 </c:pt>
               </c:strCache>
@@ -3836,53 +4546,59 @@
           </c:cat>
           <c:val>
             <c:numRef>
-              <c:f>mse_comparison_dhap4!$G$2:$G$16</c:f>
+              <c:f>mse_comparison_dcin5!$N$3:$N$19</c:f>
               <c:numCache>
                 <c:formatCode>General</c:formatCode>
-                <c:ptCount val="15"/>
-                <c:pt idx="0">
-                  <c:v>0.846957405967136</c:v>
+                <c:ptCount val="17"/>
+                <c:pt idx="0">
+                  <c:v>0.850252951034045</c:v>
                 </c:pt>
                 <c:pt idx="1">
-                  <c:v>1.195015409450161</c:v>
+                  <c:v>0.654608305705414</c:v>
                 </c:pt>
                 <c:pt idx="2">
-                  <c:v>0.677597045419316</c:v>
+                  <c:v>0.232852761733475</c:v>
                 </c:pt>
                 <c:pt idx="3">
-                  <c:v>0.22871937876435</c:v>
+                  <c:v>0.162253066039771</c:v>
                 </c:pt>
                 <c:pt idx="4">
-                  <c:v>0.17217209917494</c:v>
+                  <c:v>0.598531288176671</c:v>
                 </c:pt>
                 <c:pt idx="5">
-                  <c:v>0.559986745581597</c:v>
+                  <c:v>0.584332624283594</c:v>
                 </c:pt>
                 <c:pt idx="6">
-                  <c:v>0.523988564097916</c:v>
+                  <c:v>3.739998244700803</c:v>
                 </c:pt>
                 <c:pt idx="7">
-                  <c:v>0.249989030637614</c:v>
+                  <c:v>0.383648279628723</c:v>
                 </c:pt>
                 <c:pt idx="8">
-                  <c:v>0.269505230396537</c:v>
+                  <c:v>0.292957299957133</c:v>
                 </c:pt>
                 <c:pt idx="9">
-                  <c:v>1.347703080334739</c:v>
+                  <c:v>0.914959528665258</c:v>
                 </c:pt>
                 <c:pt idx="10">
-                  <c:v>0.24630355768118</c:v>
+                  <c:v>0.331897419989214</c:v>
                 </c:pt>
                 <c:pt idx="11">
-                  <c:v>0.314817546706148</c:v>
+                  <c:v>1.333338712602204</c:v>
                 </c:pt>
                 <c:pt idx="12">
-                  <c:v>0.527302882635673</c:v>
+                  <c:v>0.257173668845343</c:v>
                 </c:pt>
                 <c:pt idx="13">
-                  <c:v>0.503979141059665</c:v>
+                  <c:v>0.286280148823619</c:v>
                 </c:pt>
                 <c:pt idx="14">
+                  <c:v>0.480908408788092</c:v>
+                </c:pt>
+                <c:pt idx="15">
+                  <c:v>0.4958165385531</c:v>
+                </c:pt>
+                <c:pt idx="16">
                   <c:v>3.159033750833333</c:v>
                 </c:pt>
               </c:numCache>
@@ -3898,11 +4614,11 @@
           <c:showBubbleSize val="0"/>
         </c:dLbls>
         <c:gapWidth val="150"/>
-        <c:axId val="2086825336"/>
-        <c:axId val="2086935544"/>
+        <c:axId val="-2104341256"/>
+        <c:axId val="-2105266824"/>
       </c:barChart>
       <c:catAx>
-        <c:axId val="2086825336"/>
+        <c:axId val="-2104341256"/>
         <c:scaling>
           <c:orientation val="minMax"/>
         </c:scaling>
@@ -3911,7 +4627,7 @@
         <c:majorTickMark val="out"/>
         <c:minorTickMark val="none"/>
         <c:tickLblPos val="nextTo"/>
-        <c:crossAx val="2086935544"/>
+        <c:crossAx val="-2105266824"/>
         <c:crosses val="autoZero"/>
         <c:auto val="1"/>
         <c:lblAlgn val="ctr"/>
@@ -3919,7 +4635,7 @@
         <c:noMultiLvlLbl val="0"/>
       </c:catAx>
       <c:valAx>
-        <c:axId val="2086935544"/>
+        <c:axId val="-2105266824"/>
         <c:scaling>
           <c:orientation val="minMax"/>
         </c:scaling>
@@ -3930,7 +4646,7 @@
         <c:majorTickMark val="out"/>
         <c:minorTickMark val="none"/>
         <c:tickLblPos val="nextTo"/>
-        <c:crossAx val="2086825336"/>
+        <c:crossAx val="-2104341256"/>
         <c:crosses val="autoZero"/>
         <c:crossBetween val="between"/>
       </c:valAx>
@@ -3989,7 +4705,7 @@
           <c:order val="0"/>
           <c:tx>
             <c:strRef>
-              <c:f>mse_comparison_dzap1!$B$1</c:f>
+              <c:f>mse_comparison_dgln3!$B$1</c:f>
               <c:strCache>
                 <c:ptCount val="1"/>
                 <c:pt idx="0">
@@ -4001,113 +4717,101 @@
           <c:invertIfNegative val="0"/>
           <c:cat>
             <c:strRef>
-              <c:f>mse_comparison_dzap1!$A$2:$A$17</c:f>
+              <c:f>mse_comparison_dgln3!$A$2:$A$15</c:f>
               <c:strCache>
-                <c:ptCount val="16"/>
-                <c:pt idx="0">
-                  <c:v>ABF1</c:v>
+                <c:ptCount val="14"/>
+                <c:pt idx="0">
+                  <c:v>CIN5</c:v>
                 </c:pt>
                 <c:pt idx="1">
-                  <c:v>ACE2</c:v>
+                  <c:v>CYC8</c:v>
                 </c:pt>
                 <c:pt idx="2">
-                  <c:v>CIN5</c:v>
+                  <c:v>GCR2</c:v>
                 </c:pt>
                 <c:pt idx="3">
-                  <c:v>CST6</c:v>
+                  <c:v>GLN3</c:v>
                 </c:pt>
                 <c:pt idx="4">
-                  <c:v>GCN4</c:v>
+                  <c:v>HAP4</c:v>
                 </c:pt>
                 <c:pt idx="5">
-                  <c:v>GCR2</c:v>
+                  <c:v>HMO1</c:v>
                 </c:pt>
                 <c:pt idx="6">
-                  <c:v>GLN3</c:v>
+                  <c:v>MSN2</c:v>
                 </c:pt>
                 <c:pt idx="7">
-                  <c:v>HAP4</c:v>
+                  <c:v>MSN4</c:v>
                 </c:pt>
                 <c:pt idx="8">
-                  <c:v>HMO1</c:v>
+                  <c:v>SFP1</c:v>
                 </c:pt>
                 <c:pt idx="9">
-                  <c:v>HSF1</c:v>
+                  <c:v>SWI4</c:v>
                 </c:pt>
                 <c:pt idx="10">
-                  <c:v>MCM1</c:v>
+                  <c:v>SWI5</c:v>
                 </c:pt>
                 <c:pt idx="11">
-                  <c:v>MGA2</c:v>
+                  <c:v>TEC1</c:v>
                 </c:pt>
                 <c:pt idx="12">
-                  <c:v>MSN2</c:v>
+                  <c:v>YHP1</c:v>
                 </c:pt>
                 <c:pt idx="13">
-                  <c:v>MSN4</c:v>
-                </c:pt>
-                <c:pt idx="14">
-                  <c:v>SWI4</c:v>
-                </c:pt>
-                <c:pt idx="15">
-                  <c:v>ZAP1</c:v>
+                  <c:v>YOX1</c:v>
                 </c:pt>
               </c:strCache>
             </c:strRef>
           </c:cat>
           <c:val>
             <c:numRef>
-              <c:f>mse_comparison_dzap1!$B$2:$B$17</c:f>
+              <c:f>mse_comparison_dgln3!$B$2:$B$15</c:f>
               <c:numCache>
                 <c:formatCode>General</c:formatCode>
-                <c:ptCount val="16"/>
-                <c:pt idx="0">
-                  <c:v>0.677296260252678</c:v>
+                <c:ptCount val="14"/>
+                <c:pt idx="0">
+                  <c:v>0.731960958388463</c:v>
                 </c:pt>
                 <c:pt idx="1">
-                  <c:v>0.411695761018534</c:v>
+                  <c:v>0.284415475857306</c:v>
                 </c:pt>
                 <c:pt idx="2">
-                  <c:v>0.825168399097546</c:v>
+                  <c:v>0.453426379646552</c:v>
                 </c:pt>
                 <c:pt idx="3">
-                  <c:v>0.924132508671987</c:v>
+                  <c:v>0.460894806100791</c:v>
                 </c:pt>
                 <c:pt idx="4">
-                  <c:v>0.789845693491056</c:v>
+                  <c:v>2.20587352085468</c:v>
                 </c:pt>
                 <c:pt idx="5">
-                  <c:v>0.481535545864612</c:v>
+                  <c:v>0.644759547547602</c:v>
                 </c:pt>
                 <c:pt idx="6">
-                  <c:v>0.461530525493838</c:v>
+                  <c:v>0.437749982052578</c:v>
                 </c:pt>
                 <c:pt idx="7">
-                  <c:v>2.097369262104057</c:v>
+                  <c:v>1.501373092333854</c:v>
                 </c:pt>
                 <c:pt idx="8">
-                  <c:v>0.619588958248421</c:v>
+                  <c:v>0.984877772421948</c:v>
                 </c:pt>
                 <c:pt idx="9">
-                  <c:v>0.772691666476502</c:v>
+                  <c:v>0.327208936000374</c:v>
                 </c:pt>
                 <c:pt idx="10">
-                  <c:v>1.227107904397248</c:v>
+                  <c:v>0.40843235903427</c:v>
                 </c:pt>
                 <c:pt idx="11">
-                  <c:v>0.472168707679897</c:v>
+                  <c:v>2.398389559542101</c:v>
                 </c:pt>
                 <c:pt idx="12">
-                  <c:v>0.50056466420533</c:v>
+                  <c:v>0.755356910612802</c:v>
                 </c:pt>
                 <c:pt idx="13">
-                  <c:v>1.501847301789383</c:v>
-                </c:pt>
-                <c:pt idx="14">
-                  <c:v>0.307169015826753</c:v>
-                </c:pt>
-                <c:pt idx="15">
-                  <c:v>2.28802223459378</c:v>
+                  <c:v>0.423090706136972</c:v>
                 </c:pt>
               </c:numCache>
             </c:numRef>
@@ -4118,7 +4822,7 @@
           <c:order val="1"/>
           <c:tx>
             <c:strRef>
-              <c:f>mse_comparison_dzap1!$C$1</c:f>
+              <c:f>mse_comparison_dgln3!$C$1</c:f>
               <c:strCache>
                 <c:ptCount val="1"/>
                 <c:pt idx="0">
@@ -4130,113 +4834,101 @@
           <c:invertIfNegative val="0"/>
           <c:cat>
             <c:strRef>
-              <c:f>mse_comparison_dzap1!$A$2:$A$17</c:f>
+              <c:f>mse_comparison_dgln3!$A$2:$A$15</c:f>
               <c:strCache>
-                <c:ptCount val="16"/>
-                <c:pt idx="0">
-                  <c:v>ABF1</c:v>
+                <c:ptCount val="14"/>
+                <c:pt idx="0">
+                  <c:v>CIN5</c:v>
                 </c:pt>
                 <c:pt idx="1">
-                  <c:v>ACE2</c:v>
+                  <c:v>CYC8</c:v>
                 </c:pt>
                 <c:pt idx="2">
-                  <c:v>CIN5</c:v>
+                  <c:v>GCR2</c:v>
                 </c:pt>
                 <c:pt idx="3">
-                  <c:v>CST6</c:v>
+                  <c:v>GLN3</c:v>
                 </c:pt>
                 <c:pt idx="4">
-                  <c:v>GCN4</c:v>
+                  <c:v>HAP4</c:v>
                 </c:pt>
                 <c:pt idx="5">
-                  <c:v>GCR2</c:v>
+                  <c:v>HMO1</c:v>
                 </c:pt>
                 <c:pt idx="6">
-                  <c:v>GLN3</c:v>
+                  <c:v>MSN2</c:v>
                 </c:pt>
                 <c:pt idx="7">
-                  <c:v>HAP4</c:v>
+                  <c:v>MSN4</c:v>
                 </c:pt>
                 <c:pt idx="8">
-                  <c:v>HMO1</c:v>
+                  <c:v>SFP1</c:v>
                 </c:pt>
                 <c:pt idx="9">
-                  <c:v>HSF1</c:v>
+                  <c:v>SWI4</c:v>
                 </c:pt>
                 <c:pt idx="10">
-                  <c:v>MCM1</c:v>
+                  <c:v>SWI5</c:v>
                 </c:pt>
                 <c:pt idx="11">
-                  <c:v>MGA2</c:v>
+                  <c:v>TEC1</c:v>
                 </c:pt>
                 <c:pt idx="12">
-                  <c:v>MSN2</c:v>
+                  <c:v>YHP1</c:v>
                 </c:pt>
                 <c:pt idx="13">
-                  <c:v>MSN4</c:v>
-                </c:pt>
-                <c:pt idx="14">
-                  <c:v>SWI4</c:v>
-                </c:pt>
-                <c:pt idx="15">
-                  <c:v>ZAP1</c:v>
+                  <c:v>YOX1</c:v>
                 </c:pt>
               </c:strCache>
             </c:strRef>
           </c:cat>
           <c:val>
             <c:numRef>
-              <c:f>mse_comparison_dzap1!$C$2:$C$17</c:f>
+              <c:f>mse_comparison_dgln3!$C$2:$C$15</c:f>
               <c:numCache>
                 <c:formatCode>General</c:formatCode>
-                <c:ptCount val="16"/>
-                <c:pt idx="0">
-                  <c:v>0.681963725833707</c:v>
+                <c:ptCount val="14"/>
+                <c:pt idx="0">
+                  <c:v>0.1449642125</c:v>
                 </c:pt>
                 <c:pt idx="1">
-                  <c:v>0.0907555537039113</c:v>
+                  <c:v>0.118716670180097</c:v>
                 </c:pt>
                 <c:pt idx="2">
-                  <c:v>0.1449642125</c:v>
+                  <c:v>0.815387641050365</c:v>
                 </c:pt>
                 <c:pt idx="3">
-                  <c:v>4.853027537603777</c:v>
+                  <c:v>0.210300854856724</c:v>
                 </c:pt>
                 <c:pt idx="4">
-                  <c:v>1.44716577940912</c:v>
+                  <c:v>1.17860776348428</c:v>
                 </c:pt>
                 <c:pt idx="5">
-                  <c:v>0.858822615226308</c:v>
+                  <c:v>0.669950005586543</c:v>
                 </c:pt>
                 <c:pt idx="6">
-                  <c:v>0.180955379143734</c:v>
+                  <c:v>0.43849311791252</c:v>
                 </c:pt>
                 <c:pt idx="7">
-                  <c:v>1.166686961574593</c:v>
+                  <c:v>0.627787436154725</c:v>
                 </c:pt>
                 <c:pt idx="8">
-                  <c:v>0.662587804117561</c:v>
+                  <c:v>0.261931615758212</c:v>
                 </c:pt>
                 <c:pt idx="9">
-                  <c:v>0.412541569906085</c:v>
+                  <c:v>0.660526582008692</c:v>
                 </c:pt>
                 <c:pt idx="10">
-                  <c:v>0.81534413430145</c:v>
+                  <c:v>0.224445151480495</c:v>
                 </c:pt>
                 <c:pt idx="11">
-                  <c:v>0.14147158640062</c:v>
+                  <c:v>1.481003854527171</c:v>
                 </c:pt>
                 <c:pt idx="12">
-                  <c:v>0.34791371494527</c:v>
+                  <c:v>0.627217208101269</c:v>
                 </c:pt>
                 <c:pt idx="13">
-                  <c:v>0.68067030320582</c:v>
-                </c:pt>
-                <c:pt idx="14">
-                  <c:v>0.66872651468377</c:v>
-                </c:pt>
-                <c:pt idx="15">
-                  <c:v>0.669732754303528</c:v>
+                  <c:v>0.796891190360022</c:v>
                 </c:pt>
               </c:numCache>
             </c:numRef>
@@ -4247,7 +4939,7 @@
           <c:order val="2"/>
           <c:tx>
             <c:strRef>
-              <c:f>mse_comparison_dzap1!$D$1</c:f>
+              <c:f>mse_comparison_dgln3!$D$1</c:f>
               <c:strCache>
                 <c:ptCount val="1"/>
                 <c:pt idx="0">
@@ -4259,113 +4951,101 @@
           <c:invertIfNegative val="0"/>
           <c:cat>
             <c:strRef>
-              <c:f>mse_comparison_dzap1!$A$2:$A$17</c:f>
+              <c:f>mse_comparison_dgln3!$A$2:$A$15</c:f>
               <c:strCache>
-                <c:ptCount val="16"/>
-                <c:pt idx="0">
-                  <c:v>ABF1</c:v>
+                <c:ptCount val="14"/>
+                <c:pt idx="0">
+                  <c:v>CIN5</c:v>
                 </c:pt>
                 <c:pt idx="1">
-                  <c:v>ACE2</c:v>
+                  <c:v>CYC8</c:v>
                 </c:pt>
                 <c:pt idx="2">
-                  <c:v>CIN5</c:v>
+                  <c:v>GCR2</c:v>
                 </c:pt>
                 <c:pt idx="3">
-                  <c:v>CST6</c:v>
+                  <c:v>GLN3</c:v>
                 </c:pt>
                 <c:pt idx="4">
-                  <c:v>GCN4</c:v>
+                  <c:v>HAP4</c:v>
                 </c:pt>
                 <c:pt idx="5">
-                  <c:v>GCR2</c:v>
+                  <c:v>HMO1</c:v>
                 </c:pt>
                 <c:pt idx="6">
-                  <c:v>GLN3</c:v>
+                  <c:v>MSN2</c:v>
                 </c:pt>
                 <c:pt idx="7">
-                  <c:v>HAP4</c:v>
+                  <c:v>MSN4</c:v>
                 </c:pt>
                 <c:pt idx="8">
-                  <c:v>HMO1</c:v>
+                  <c:v>SFP1</c:v>
                 </c:pt>
                 <c:pt idx="9">
-                  <c:v>HSF1</c:v>
+                  <c:v>SWI4</c:v>
                 </c:pt>
                 <c:pt idx="10">
-                  <c:v>MCM1</c:v>
+                  <c:v>SWI5</c:v>
                 </c:pt>
                 <c:pt idx="11">
-                  <c:v>MGA2</c:v>
+                  <c:v>TEC1</c:v>
                 </c:pt>
                 <c:pt idx="12">
-                  <c:v>MSN2</c:v>
+                  <c:v>YHP1</c:v>
                 </c:pt>
                 <c:pt idx="13">
-                  <c:v>MSN4</c:v>
-                </c:pt>
-                <c:pt idx="14">
-                  <c:v>SWI4</c:v>
-                </c:pt>
-                <c:pt idx="15">
-                  <c:v>ZAP1</c:v>
+                  <c:v>YOX1</c:v>
                 </c:pt>
               </c:strCache>
             </c:strRef>
           </c:cat>
           <c:val>
             <c:numRef>
-              <c:f>mse_comparison_dzap1!$D$2:$D$17</c:f>
+              <c:f>mse_comparison_dgln3!$D$2:$D$15</c:f>
               <c:numCache>
                 <c:formatCode>General</c:formatCode>
-                <c:ptCount val="16"/>
-                <c:pt idx="0">
-                  <c:v>0.879164719921589</c:v>
+                <c:ptCount val="14"/>
+                <c:pt idx="0">
+                  <c:v>0.819956048001238</c:v>
                 </c:pt>
                 <c:pt idx="1">
-                  <c:v>1.266213995721334</c:v>
+                  <c:v>0.242482024706724</c:v>
                 </c:pt>
                 <c:pt idx="2">
-                  <c:v>0.865938475688404</c:v>
+                  <c:v>0.798466470497879</c:v>
                 </c:pt>
                 <c:pt idx="3">
-                  <c:v>0.641930994999619</c:v>
+                  <c:v>0.353261053333333</c:v>
                 </c:pt>
                 <c:pt idx="4">
-                  <c:v>1.23631808857996</c:v>
+                  <c:v>1.290582624251888</c:v>
                 </c:pt>
                 <c:pt idx="5">
-                  <c:v>0.781667038383538</c:v>
+                  <c:v>0.302784759823533</c:v>
                 </c:pt>
                 <c:pt idx="6">
-                  <c:v>0.353261053333333</c:v>
+                  <c:v>0.767889766675609</c:v>
                 </c:pt>
                 <c:pt idx="7">
-                  <c:v>1.435137772208437</c:v>
+                  <c:v>1.004160463261056</c:v>
                 </c:pt>
                 <c:pt idx="8">
-                  <c:v>0.297972616730894</c:v>
+                  <c:v>0.959760886885053</c:v>
                 </c:pt>
                 <c:pt idx="9">
-                  <c:v>0.653458100331852</c:v>
+                  <c:v>0.488121496222999</c:v>
                 </c:pt>
                 <c:pt idx="10">
-                  <c:v>4.122364888096761</c:v>
+                  <c:v>0.270156231397258</c:v>
                 </c:pt>
                 <c:pt idx="11">
-                  <c:v>0.167203811090681</c:v>
+                  <c:v>0.582302806152069</c:v>
                 </c:pt>
                 <c:pt idx="12">
-                  <c:v>0.819992346014254</c:v>
+                  <c:v>0.979742493737283</c:v>
                 </c:pt>
                 <c:pt idx="13">
-                  <c:v>1.184182214228634</c:v>
-                </c:pt>
-                <c:pt idx="14">
-                  <c:v>0.46271144449365</c:v>
-                </c:pt>
-                <c:pt idx="15">
-                  <c:v>1.287512575411903</c:v>
+                  <c:v>1.385561989706684</c:v>
                 </c:pt>
               </c:numCache>
             </c:numRef>
@@ -4376,7 +5056,7 @@
           <c:order val="3"/>
           <c:tx>
             <c:strRef>
-              <c:f>mse_comparison_dzap1!$E$1</c:f>
+              <c:f>mse_comparison_dgln3!$E$1</c:f>
               <c:strCache>
                 <c:ptCount val="1"/>
                 <c:pt idx="0">
@@ -4388,113 +5068,101 @@
           <c:invertIfNegative val="0"/>
           <c:cat>
             <c:strRef>
-              <c:f>mse_comparison_dzap1!$A$2:$A$17</c:f>
+              <c:f>mse_comparison_dgln3!$A$2:$A$15</c:f>
               <c:strCache>
-                <c:ptCount val="16"/>
-                <c:pt idx="0">
-                  <c:v>ABF1</c:v>
+                <c:ptCount val="14"/>
+                <c:pt idx="0">
+                  <c:v>CIN5</c:v>
                 </c:pt>
                 <c:pt idx="1">
-                  <c:v>ACE2</c:v>
+                  <c:v>CYC8</c:v>
                 </c:pt>
                 <c:pt idx="2">
-                  <c:v>CIN5</c:v>
+                  <c:v>GCR2</c:v>
                 </c:pt>
                 <c:pt idx="3">
-                  <c:v>CST6</c:v>
+                  <c:v>GLN3</c:v>
                 </c:pt>
                 <c:pt idx="4">
-                  <c:v>GCN4</c:v>
+                  <c:v>HAP4</c:v>
                 </c:pt>
                 <c:pt idx="5">
-                  <c:v>GCR2</c:v>
+                  <c:v>HMO1</c:v>
                 </c:pt>
                 <c:pt idx="6">
-                  <c:v>GLN3</c:v>
+                  <c:v>MSN2</c:v>
                 </c:pt>
                 <c:pt idx="7">
-                  <c:v>HAP4</c:v>
+                  <c:v>MSN4</c:v>
                 </c:pt>
                 <c:pt idx="8">
-                  <c:v>HMO1</c:v>
+                  <c:v>SFP1</c:v>
                 </c:pt>
                 <c:pt idx="9">
-                  <c:v>HSF1</c:v>
+                  <c:v>SWI4</c:v>
                 </c:pt>
                 <c:pt idx="10">
-                  <c:v>MCM1</c:v>
+                  <c:v>SWI5</c:v>
                 </c:pt>
                 <c:pt idx="11">
-                  <c:v>MGA2</c:v>
+                  <c:v>TEC1</c:v>
                 </c:pt>
                 <c:pt idx="12">
-                  <c:v>MSN2</c:v>
+                  <c:v>YHP1</c:v>
                 </c:pt>
                 <c:pt idx="13">
-                  <c:v>MSN4</c:v>
-                </c:pt>
-                <c:pt idx="14">
-                  <c:v>SWI4</c:v>
-                </c:pt>
-                <c:pt idx="15">
-                  <c:v>ZAP1</c:v>
+                  <c:v>YOX1</c:v>
                 </c:pt>
               </c:strCache>
             </c:strRef>
           </c:cat>
           <c:val>
             <c:numRef>
-              <c:f>mse_comparison_dzap1!$E$2:$E$17</c:f>
+              <c:f>mse_comparison_dgln3!$E$2:$E$15</c:f>
               <c:numCache>
                 <c:formatCode>General</c:formatCode>
-                <c:ptCount val="16"/>
-                <c:pt idx="0">
-                  <c:v>0.530259479544293</c:v>
+                <c:ptCount val="14"/>
+                <c:pt idx="0">
+                  <c:v>1.07143365656026</c:v>
                 </c:pt>
                 <c:pt idx="1">
-                  <c:v>0.162142488199274</c:v>
+                  <c:v>0.423771073303837</c:v>
                 </c:pt>
                 <c:pt idx="2">
-                  <c:v>1.079355603124617</c:v>
+                  <c:v>0.994295382096236</c:v>
                 </c:pt>
                 <c:pt idx="3">
-                  <c:v>0.295136898887588</c:v>
+                  <c:v>0.190551562559006</c:v>
                 </c:pt>
                 <c:pt idx="4">
-                  <c:v>0.515205159141764</c:v>
+                  <c:v>0.4916199175</c:v>
                 </c:pt>
                 <c:pt idx="5">
-                  <c:v>0.937002107510609</c:v>
+                  <c:v>2.775232182267007</c:v>
                 </c:pt>
                 <c:pt idx="6">
-                  <c:v>0.201090788352144</c:v>
+                  <c:v>0.226371274006122</c:v>
                 </c:pt>
                 <c:pt idx="7">
-                  <c:v>0.4916199175</c:v>
+                  <c:v>0.848320989510672</c:v>
                 </c:pt>
                 <c:pt idx="8">
-                  <c:v>2.851785308564168</c:v>
+                  <c:v>0.184237516424738</c:v>
                 </c:pt>
                 <c:pt idx="9">
-                  <c:v>0.320335482856968</c:v>
+                  <c:v>0.179358517902225</c:v>
                 </c:pt>
                 <c:pt idx="10">
-                  <c:v>1.309737730459779</c:v>
+                  <c:v>0.475343309589175</c:v>
                 </c:pt>
                 <c:pt idx="11">
-                  <c:v>0.180026638286015</c:v>
+                  <c:v>1.058525576497411</c:v>
                 </c:pt>
                 <c:pt idx="12">
-                  <c:v>0.228724658534088</c:v>
+                  <c:v>0.263091540893461</c:v>
                 </c:pt>
                 <c:pt idx="13">
-                  <c:v>0.768866101692711</c:v>
-                </c:pt>
-                <c:pt idx="14">
-                  <c:v>0.198125873865884</c:v>
-                </c:pt>
-                <c:pt idx="15">
-                  <c:v>1.136559245466728</c:v>
+                  <c:v>0.777951024321323</c:v>
                 </c:pt>
               </c:numCache>
             </c:numRef>
@@ -4505,7 +5173,7 @@
           <c:order val="4"/>
           <c:tx>
             <c:strRef>
-              <c:f>mse_comparison_dzap1!$F$1</c:f>
+              <c:f>mse_comparison_dgln3!$F$1</c:f>
               <c:strCache>
                 <c:ptCount val="1"/>
                 <c:pt idx="0">
@@ -4517,242 +5185,101 @@
           <c:invertIfNegative val="0"/>
           <c:cat>
             <c:strRef>
-              <c:f>mse_comparison_dzap1!$A$2:$A$17</c:f>
+              <c:f>mse_comparison_dgln3!$A$2:$A$15</c:f>
               <c:strCache>
-                <c:ptCount val="16"/>
-                <c:pt idx="0">
-                  <c:v>ABF1</c:v>
+                <c:ptCount val="14"/>
+                <c:pt idx="0">
+                  <c:v>CIN5</c:v>
                 </c:pt>
                 <c:pt idx="1">
-                  <c:v>ACE2</c:v>
+                  <c:v>CYC8</c:v>
                 </c:pt>
                 <c:pt idx="2">
-                  <c:v>CIN5</c:v>
+                  <c:v>GCR2</c:v>
                 </c:pt>
                 <c:pt idx="3">
-                  <c:v>CST6</c:v>
+                  <c:v>GLN3</c:v>
                 </c:pt>
                 <c:pt idx="4">
-                  <c:v>GCN4</c:v>
+                  <c:v>HAP4</c:v>
                 </c:pt>
                 <c:pt idx="5">
-                  <c:v>GCR2</c:v>
+                  <c:v>HMO1</c:v>
                 </c:pt>
                 <c:pt idx="6">
-                  <c:v>GLN3</c:v>
+                  <c:v>MSN2</c:v>
                 </c:pt>
                 <c:pt idx="7">
-                  <c:v>HAP4</c:v>
+                  <c:v>MSN4</c:v>
                 </c:pt>
                 <c:pt idx="8">
-                  <c:v>HMO1</c:v>
+                  <c:v>SFP1</c:v>
                 </c:pt>
                 <c:pt idx="9">
-                  <c:v>HSF1</c:v>
+                  <c:v>SWI4</c:v>
                 </c:pt>
                 <c:pt idx="10">
-                  <c:v>MCM1</c:v>
+                  <c:v>SWI5</c:v>
                 </c:pt>
                 <c:pt idx="11">
-                  <c:v>MGA2</c:v>
+                  <c:v>TEC1</c:v>
                 </c:pt>
                 <c:pt idx="12">
-                  <c:v>MSN2</c:v>
+                  <c:v>YHP1</c:v>
                 </c:pt>
                 <c:pt idx="13">
-                  <c:v>MSN4</c:v>
-                </c:pt>
-                <c:pt idx="14">
-                  <c:v>SWI4</c:v>
-                </c:pt>
-                <c:pt idx="15">
-                  <c:v>ZAP1</c:v>
+                  <c:v>YOX1</c:v>
                 </c:pt>
               </c:strCache>
             </c:strRef>
           </c:cat>
           <c:val>
             <c:numRef>
-              <c:f>mse_comparison_dzap1!$F$2:$F$17</c:f>
+              <c:f>mse_comparison_dgln3!$F$2:$F$15</c:f>
               <c:numCache>
                 <c:formatCode>General</c:formatCode>
-                <c:ptCount val="16"/>
-                <c:pt idx="0">
-                  <c:v>1.157130651517268</c:v>
+                <c:ptCount val="14"/>
+                <c:pt idx="0">
+                  <c:v>0.744304454939067</c:v>
                 </c:pt>
                 <c:pt idx="1">
-                  <c:v>0.200843164206838</c:v>
+                  <c:v>0.150464604736851</c:v>
                 </c:pt>
                 <c:pt idx="2">
-                  <c:v>0.765647040682913</c:v>
+                  <c:v>0.469256004419272</c:v>
                 </c:pt>
                 <c:pt idx="3">
-                  <c:v>0.355075550107199</c:v>
+                  <c:v>0.21552022493394</c:v>
                 </c:pt>
                 <c:pt idx="4">
-                  <c:v>0.757208307184078</c:v>
+                  <c:v>1.392167801294041</c:v>
                 </c:pt>
                 <c:pt idx="5">
-                  <c:v>0.484788244450768</c:v>
+                  <c:v>0.593595616666667</c:v>
                 </c:pt>
                 <c:pt idx="6">
-                  <c:v>0.23432433640771</c:v>
+                  <c:v>0.374964266441711</c:v>
                 </c:pt>
                 <c:pt idx="7">
-                  <c:v>1.455675302302679</c:v>
+                  <c:v>0.711643614984691</c:v>
                 </c:pt>
                 <c:pt idx="8">
-                  <c:v>0.593595616666667</c:v>
+                  <c:v>1.180800676062848</c:v>
                 </c:pt>
                 <c:pt idx="9">
-                  <c:v>0.615352166621774</c:v>
+                  <c:v>0.334659802024099</c:v>
                 </c:pt>
                 <c:pt idx="10">
-                  <c:v>3.123661264871023</c:v>
+                  <c:v>0.242942110366263</c:v>
                 </c:pt>
                 <c:pt idx="11">
-                  <c:v>0.256414088876643</c:v>
+                  <c:v>0.939244391500833</c:v>
                 </c:pt>
                 <c:pt idx="12">
-                  <c:v>0.421455047529545</c:v>
+                  <c:v>0.28948651797476</c:v>
                 </c:pt>
                 <c:pt idx="13">
-                  <c:v>0.694378066560403</c:v>
-                </c:pt>
-                <c:pt idx="14">
-                  <c:v>0.2422653024008</c:v>
-                </c:pt>
-                <c:pt idx="15">
-                  <c:v>0.466915656436041</c:v>
-                </c:pt>
-              </c:numCache>
-            </c:numRef>
-          </c:val>
-        </c:ser>
-        <c:ser>
-          <c:idx val="5"/>
-          <c:order val="5"/>
-          <c:tx>
-            <c:strRef>
-              <c:f>mse_comparison_dzap1!$G$1</c:f>
-              <c:strCache>
-                <c:ptCount val="1"/>
-                <c:pt idx="0">
-                  <c:v>ZAP1 MSE</c:v>
-                </c:pt>
-              </c:strCache>
-            </c:strRef>
-          </c:tx>
-          <c:invertIfNegative val="0"/>
-          <c:cat>
-            <c:strRef>
-              <c:f>mse_comparison_dzap1!$A$2:$A$17</c:f>
-              <c:strCache>
-                <c:ptCount val="16"/>
-                <c:pt idx="0">
-                  <c:v>ABF1</c:v>
-                </c:pt>
-                <c:pt idx="1">
-                  <c:v>ACE2</c:v>
-                </c:pt>
-                <c:pt idx="2">
-                  <c:v>CIN5</c:v>
-                </c:pt>
-                <c:pt idx="3">
-                  <c:v>CST6</c:v>
-                </c:pt>
-                <c:pt idx="4">
-                  <c:v>GCN4</c:v>
-                </c:pt>
-                <c:pt idx="5">
-                  <c:v>GCR2</c:v>
-                </c:pt>
-                <c:pt idx="6">
-                  <c:v>GLN3</c:v>
-                </c:pt>
-                <c:pt idx="7">
-                  <c:v>HAP4</c:v>
-                </c:pt>
-                <c:pt idx="8">
-                  <c:v>HMO1</c:v>
-                </c:pt>
-                <c:pt idx="9">
-                  <c:v>HSF1</c:v>
-                </c:pt>
-                <c:pt idx="10">
-                  <c:v>MCM1</c:v>
-                </c:pt>
-                <c:pt idx="11">
-                  <c:v>MGA2</c:v>
-                </c:pt>
-                <c:pt idx="12">
-                  <c:v>MSN2</c:v>
-                </c:pt>
-                <c:pt idx="13">
-                  <c:v>MSN4</c:v>
-                </c:pt>
-                <c:pt idx="14">
-                  <c:v>SWI4</c:v>
-                </c:pt>
-                <c:pt idx="15">
-                  <c:v>ZAP1</c:v>
-                </c:pt>
-              </c:strCache>
-            </c:strRef>
-          </c:cat>
-          <c:val>
-            <c:numRef>
-              <c:f>mse_comparison_dzap1!$G$2:$G$17</c:f>
-              <c:numCache>
-                <c:formatCode>General</c:formatCode>
-                <c:ptCount val="16"/>
-                <c:pt idx="0">
-                  <c:v>1.671677386717563</c:v>
-                </c:pt>
-                <c:pt idx="1">
-                  <c:v>0.850692357211561</c:v>
-                </c:pt>
-                <c:pt idx="2">
-                  <c:v>0.676750762095619</c:v>
-                </c:pt>
-                <c:pt idx="3">
-                  <c:v>0.343186670861099</c:v>
-                </c:pt>
-                <c:pt idx="4">
-                  <c:v>0.299827948372343</c:v>
-                </c:pt>
-                <c:pt idx="5">
-                  <c:v>0.243002150454706</c:v>
-                </c:pt>
-                <c:pt idx="6">
-                  <c:v>0.175328688338628</c:v>
-                </c:pt>
-                <c:pt idx="7">
-                  <c:v>0.660637228124147</c:v>
-                </c:pt>
-                <c:pt idx="8">
-                  <c:v>0.522670818807562</c:v>
-                </c:pt>
-                <c:pt idx="9">
-                  <c:v>0.320181954098266</c:v>
-                </c:pt>
-                <c:pt idx="10">
-                  <c:v>3.730786955088503</c:v>
-                </c:pt>
-                <c:pt idx="11">
-                  <c:v>0.308102653385321</c:v>
-                </c:pt>
-                <c:pt idx="12">
-                  <c:v>0.268427515937443</c:v>
-                </c:pt>
-                <c:pt idx="13">
-                  <c:v>1.385546590532796</c:v>
-                </c:pt>
-                <c:pt idx="14">
-                  <c:v>0.253047714599638</c:v>
-                </c:pt>
-                <c:pt idx="15">
-                  <c:v>3.159033750833333</c:v>
+                  <c:v>0.656751561776891</c:v>
                 </c:pt>
               </c:numCache>
             </c:numRef>
@@ -4767,11 +5294,11 @@
           <c:showBubbleSize val="0"/>
         </c:dLbls>
         <c:gapWidth val="150"/>
-        <c:axId val="2132816920"/>
-        <c:axId val="2133809960"/>
+        <c:axId val="-2048940600"/>
+        <c:axId val="-2048937544"/>
       </c:barChart>
       <c:catAx>
-        <c:axId val="2132816920"/>
+        <c:axId val="-2048940600"/>
         <c:scaling>
           <c:orientation val="minMax"/>
         </c:scaling>
@@ -4780,7 +5307,7 @@
         <c:majorTickMark val="out"/>
         <c:minorTickMark val="none"/>
         <c:tickLblPos val="nextTo"/>
-        <c:crossAx val="2133809960"/>
+        <c:crossAx val="-2048937544"/>
         <c:crosses val="autoZero"/>
         <c:auto val="1"/>
         <c:lblAlgn val="ctr"/>
@@ -4788,7 +5315,7 @@
         <c:noMultiLvlLbl val="0"/>
       </c:catAx>
       <c:valAx>
-        <c:axId val="2133809960"/>
+        <c:axId val="-2048937544"/>
         <c:scaling>
           <c:orientation val="minMax"/>
         </c:scaling>
@@ -4799,7 +5326,1709 @@
         <c:majorTickMark val="out"/>
         <c:minorTickMark val="none"/>
         <c:tickLblPos val="nextTo"/>
-        <c:crossAx val="2132816920"/>
+        <c:crossAx val="-2048940600"/>
+        <c:crosses val="autoZero"/>
+        <c:crossBetween val="between"/>
+      </c:valAx>
+    </c:plotArea>
+    <c:legend>
+      <c:legendPos val="r"/>
+      <c:layout/>
+      <c:overlay val="0"/>
+    </c:legend>
+    <c:plotVisOnly val="1"/>
+    <c:dispBlanksAs val="gap"/>
+    <c:showDLblsOverMax val="0"/>
+  </c:chart>
+  <c:txPr>
+    <a:bodyPr/>
+    <a:lstStyle/>
+    <a:p>
+      <a:pPr>
+        <a:defRPr sz="1100" b="1">
+          <a:latin typeface="Arial"/>
+          <a:cs typeface="Arial"/>
+        </a:defRPr>
+      </a:pPr>
+      <a:endParaRPr lang="en-US"/>
+    </a:p>
+  </c:txPr>
+  <c:externalData r:id="rId1">
+    <c:autoUpdate val="0"/>
+  </c:externalData>
+</c:chartSpace>
+</file>
+
+<file path=ppt/charts/chart7.xml><?xml version="1.0" encoding="utf-8"?>
+<c:chartSpace xmlns:c="http://schemas.openxmlformats.org/drawingml/2006/chart" xmlns:a="http://schemas.openxmlformats.org/drawingml/2006/main" xmlns:r="http://schemas.openxmlformats.org/officeDocument/2006/relationships">
+  <c:date1904 val="0"/>
+  <c:lang val="en-US"/>
+  <c:roundedCorners val="0"/>
+  <mc:AlternateContent xmlns:mc="http://schemas.openxmlformats.org/markup-compatibility/2006">
+    <mc:Choice xmlns:c14="http://schemas.microsoft.com/office/drawing/2007/8/2/chart" Requires="c14">
+      <c14:style val="102"/>
+    </mc:Choice>
+    <mc:Fallback>
+      <c:style val="2"/>
+    </mc:Fallback>
+  </mc:AlternateContent>
+  <c:chart>
+    <c:autoTitleDeleted val="0"/>
+    <c:plotArea>
+      <c:layout/>
+      <c:barChart>
+        <c:barDir val="col"/>
+        <c:grouping val="clustered"/>
+        <c:varyColors val="0"/>
+        <c:ser>
+          <c:idx val="0"/>
+          <c:order val="0"/>
+          <c:tx>
+            <c:strRef>
+              <c:f>mse_comparison_dhap4!$B$1</c:f>
+              <c:strCache>
+                <c:ptCount val="1"/>
+                <c:pt idx="0">
+                  <c:v>WT MSE</c:v>
+                </c:pt>
+              </c:strCache>
+            </c:strRef>
+          </c:tx>
+          <c:invertIfNegative val="0"/>
+          <c:cat>
+            <c:strRef>
+              <c:f>mse_comparison_dhap4!$A$2:$A$16</c:f>
+              <c:strCache>
+                <c:ptCount val="15"/>
+                <c:pt idx="0">
+                  <c:v>ACE2</c:v>
+                </c:pt>
+                <c:pt idx="1">
+                  <c:v>ASH1</c:v>
+                </c:pt>
+                <c:pt idx="2">
+                  <c:v>CIN5</c:v>
+                </c:pt>
+                <c:pt idx="3">
+                  <c:v>GCR2</c:v>
+                </c:pt>
+                <c:pt idx="4">
+                  <c:v>GLN3</c:v>
+                </c:pt>
+                <c:pt idx="5">
+                  <c:v>HAP4</c:v>
+                </c:pt>
+                <c:pt idx="6">
+                  <c:v>HMO1</c:v>
+                </c:pt>
+                <c:pt idx="7">
+                  <c:v>MSN2</c:v>
+                </c:pt>
+                <c:pt idx="8">
+                  <c:v>SFP1</c:v>
+                </c:pt>
+                <c:pt idx="9">
+                  <c:v>STB5</c:v>
+                </c:pt>
+                <c:pt idx="10">
+                  <c:v>SWI4</c:v>
+                </c:pt>
+                <c:pt idx="11">
+                  <c:v>SWI5</c:v>
+                </c:pt>
+                <c:pt idx="12">
+                  <c:v>YHP1</c:v>
+                </c:pt>
+                <c:pt idx="13">
+                  <c:v>YOX1</c:v>
+                </c:pt>
+                <c:pt idx="14">
+                  <c:v>ZAP1</c:v>
+                </c:pt>
+              </c:strCache>
+            </c:strRef>
+          </c:cat>
+          <c:val>
+            <c:numRef>
+              <c:f>mse_comparison_dhap4!$B$2:$B$16</c:f>
+              <c:numCache>
+                <c:formatCode>General</c:formatCode>
+                <c:ptCount val="15"/>
+                <c:pt idx="0">
+                  <c:v>0.414400399532629</c:v>
+                </c:pt>
+                <c:pt idx="1">
+                  <c:v>0.253694692201024</c:v>
+                </c:pt>
+                <c:pt idx="2">
+                  <c:v>0.82940629613405</c:v>
+                </c:pt>
+                <c:pt idx="3">
+                  <c:v>0.511987868643105</c:v>
+                </c:pt>
+                <c:pt idx="4">
+                  <c:v>0.474377785597872</c:v>
+                </c:pt>
+                <c:pt idx="5">
+                  <c:v>2.150261498789201</c:v>
+                </c:pt>
+                <c:pt idx="6">
+                  <c:v>0.6177767771785</c:v>
+                </c:pt>
+                <c:pt idx="7">
+                  <c:v>0.463377933260288</c:v>
+                </c:pt>
+                <c:pt idx="8">
+                  <c:v>0.982476151362419</c:v>
+                </c:pt>
+                <c:pt idx="9">
+                  <c:v>1.796514074114253</c:v>
+                </c:pt>
+                <c:pt idx="10">
+                  <c:v>0.30902087171182</c:v>
+                </c:pt>
+                <c:pt idx="11">
+                  <c:v>0.403768967146743</c:v>
+                </c:pt>
+                <c:pt idx="12">
+                  <c:v>0.734309595074554</c:v>
+                </c:pt>
+                <c:pt idx="13">
+                  <c:v>0.404887311891409</c:v>
+                </c:pt>
+                <c:pt idx="14">
+                  <c:v>2.303852234436616</c:v>
+                </c:pt>
+              </c:numCache>
+            </c:numRef>
+          </c:val>
+        </c:ser>
+        <c:ser>
+          <c:idx val="1"/>
+          <c:order val="1"/>
+          <c:tx>
+            <c:strRef>
+              <c:f>mse_comparison_dhap4!$C$1</c:f>
+              <c:strCache>
+                <c:ptCount val="1"/>
+                <c:pt idx="0">
+                  <c:v>CIN5 MSE</c:v>
+                </c:pt>
+              </c:strCache>
+            </c:strRef>
+          </c:tx>
+          <c:invertIfNegative val="0"/>
+          <c:cat>
+            <c:strRef>
+              <c:f>mse_comparison_dhap4!$A$2:$A$16</c:f>
+              <c:strCache>
+                <c:ptCount val="15"/>
+                <c:pt idx="0">
+                  <c:v>ACE2</c:v>
+                </c:pt>
+                <c:pt idx="1">
+                  <c:v>ASH1</c:v>
+                </c:pt>
+                <c:pt idx="2">
+                  <c:v>CIN5</c:v>
+                </c:pt>
+                <c:pt idx="3">
+                  <c:v>GCR2</c:v>
+                </c:pt>
+                <c:pt idx="4">
+                  <c:v>GLN3</c:v>
+                </c:pt>
+                <c:pt idx="5">
+                  <c:v>HAP4</c:v>
+                </c:pt>
+                <c:pt idx="6">
+                  <c:v>HMO1</c:v>
+                </c:pt>
+                <c:pt idx="7">
+                  <c:v>MSN2</c:v>
+                </c:pt>
+                <c:pt idx="8">
+                  <c:v>SFP1</c:v>
+                </c:pt>
+                <c:pt idx="9">
+                  <c:v>STB5</c:v>
+                </c:pt>
+                <c:pt idx="10">
+                  <c:v>SWI4</c:v>
+                </c:pt>
+                <c:pt idx="11">
+                  <c:v>SWI5</c:v>
+                </c:pt>
+                <c:pt idx="12">
+                  <c:v>YHP1</c:v>
+                </c:pt>
+                <c:pt idx="13">
+                  <c:v>YOX1</c:v>
+                </c:pt>
+                <c:pt idx="14">
+                  <c:v>ZAP1</c:v>
+                </c:pt>
+              </c:strCache>
+            </c:strRef>
+          </c:cat>
+          <c:val>
+            <c:numRef>
+              <c:f>mse_comparison_dhap4!$C$2:$C$16</c:f>
+              <c:numCache>
+                <c:formatCode>General</c:formatCode>
+                <c:ptCount val="15"/>
+                <c:pt idx="0">
+                  <c:v>0.0961255599300152</c:v>
+                </c:pt>
+                <c:pt idx="1">
+                  <c:v>0.301093786137102</c:v>
+                </c:pt>
+                <c:pt idx="2">
+                  <c:v>0.1449642125</c:v>
+                </c:pt>
+                <c:pt idx="3">
+                  <c:v>0.903868332873391</c:v>
+                </c:pt>
+                <c:pt idx="4">
+                  <c:v>0.201401948380056</c:v>
+                </c:pt>
+                <c:pt idx="5">
+                  <c:v>1.161012351798848</c:v>
+                </c:pt>
+                <c:pt idx="6">
+                  <c:v>0.684024350074492</c:v>
+                </c:pt>
+                <c:pt idx="7">
+                  <c:v>0.384749785048605</c:v>
+                </c:pt>
+                <c:pt idx="8">
+                  <c:v>0.30570869561808</c:v>
+                </c:pt>
+                <c:pt idx="9">
+                  <c:v>0.87599310627345</c:v>
+                </c:pt>
+                <c:pt idx="10">
+                  <c:v>0.69860099663642</c:v>
+                </c:pt>
+                <c:pt idx="11">
+                  <c:v>0.226098007087176</c:v>
+                </c:pt>
+                <c:pt idx="12">
+                  <c:v>0.62377818807323</c:v>
+                </c:pt>
+                <c:pt idx="13">
+                  <c:v>0.733909472514184</c:v>
+                </c:pt>
+                <c:pt idx="14">
+                  <c:v>0.673485303850372</c:v>
+                </c:pt>
+              </c:numCache>
+            </c:numRef>
+          </c:val>
+        </c:ser>
+        <c:ser>
+          <c:idx val="2"/>
+          <c:order val="2"/>
+          <c:tx>
+            <c:strRef>
+              <c:f>mse_comparison_dhap4!$D$1</c:f>
+              <c:strCache>
+                <c:ptCount val="1"/>
+                <c:pt idx="0">
+                  <c:v>GLN3 MSE</c:v>
+                </c:pt>
+              </c:strCache>
+            </c:strRef>
+          </c:tx>
+          <c:invertIfNegative val="0"/>
+          <c:cat>
+            <c:strRef>
+              <c:f>mse_comparison_dhap4!$A$2:$A$16</c:f>
+              <c:strCache>
+                <c:ptCount val="15"/>
+                <c:pt idx="0">
+                  <c:v>ACE2</c:v>
+                </c:pt>
+                <c:pt idx="1">
+                  <c:v>ASH1</c:v>
+                </c:pt>
+                <c:pt idx="2">
+                  <c:v>CIN5</c:v>
+                </c:pt>
+                <c:pt idx="3">
+                  <c:v>GCR2</c:v>
+                </c:pt>
+                <c:pt idx="4">
+                  <c:v>GLN3</c:v>
+                </c:pt>
+                <c:pt idx="5">
+                  <c:v>HAP4</c:v>
+                </c:pt>
+                <c:pt idx="6">
+                  <c:v>HMO1</c:v>
+                </c:pt>
+                <c:pt idx="7">
+                  <c:v>MSN2</c:v>
+                </c:pt>
+                <c:pt idx="8">
+                  <c:v>SFP1</c:v>
+                </c:pt>
+                <c:pt idx="9">
+                  <c:v>STB5</c:v>
+                </c:pt>
+                <c:pt idx="10">
+                  <c:v>SWI4</c:v>
+                </c:pt>
+                <c:pt idx="11">
+                  <c:v>SWI5</c:v>
+                </c:pt>
+                <c:pt idx="12">
+                  <c:v>YHP1</c:v>
+                </c:pt>
+                <c:pt idx="13">
+                  <c:v>YOX1</c:v>
+                </c:pt>
+                <c:pt idx="14">
+                  <c:v>ZAP1</c:v>
+                </c:pt>
+              </c:strCache>
+            </c:strRef>
+          </c:cat>
+          <c:val>
+            <c:numRef>
+              <c:f>mse_comparison_dhap4!$D$2:$D$16</c:f>
+              <c:numCache>
+                <c:formatCode>General</c:formatCode>
+                <c:ptCount val="15"/>
+                <c:pt idx="0">
+                  <c:v>1.306209888931987</c:v>
+                </c:pt>
+                <c:pt idx="1">
+                  <c:v>0.634373654282639</c:v>
+                </c:pt>
+                <c:pt idx="2">
+                  <c:v>0.867839258304965</c:v>
+                </c:pt>
+                <c:pt idx="3">
+                  <c:v>0.769190419944849</c:v>
+                </c:pt>
+                <c:pt idx="4">
+                  <c:v>0.353261053333333</c:v>
+                </c:pt>
+                <c:pt idx="5">
+                  <c:v>1.344340022261781</c:v>
+                </c:pt>
+                <c:pt idx="6">
+                  <c:v>0.296710833170619</c:v>
+                </c:pt>
+                <c:pt idx="7">
+                  <c:v>0.769294992672935</c:v>
+                </c:pt>
+                <c:pt idx="8">
+                  <c:v>0.970550181308868</c:v>
+                </c:pt>
+                <c:pt idx="9">
+                  <c:v>0.388974090594714</c:v>
+                </c:pt>
+                <c:pt idx="10">
+                  <c:v>0.469652166420397</c:v>
+                </c:pt>
+                <c:pt idx="11">
+                  <c:v>0.280230241229235</c:v>
+                </c:pt>
+                <c:pt idx="12">
+                  <c:v>1.042423197331166</c:v>
+                </c:pt>
+                <c:pt idx="13">
+                  <c:v>1.48897677276851</c:v>
+                </c:pt>
+                <c:pt idx="14">
+                  <c:v>1.28016825393683</c:v>
+                </c:pt>
+              </c:numCache>
+            </c:numRef>
+          </c:val>
+        </c:ser>
+        <c:ser>
+          <c:idx val="3"/>
+          <c:order val="3"/>
+          <c:tx>
+            <c:strRef>
+              <c:f>mse_comparison_dhap4!$E$1</c:f>
+              <c:strCache>
+                <c:ptCount val="1"/>
+                <c:pt idx="0">
+                  <c:v>HAP4 MSE</c:v>
+                </c:pt>
+              </c:strCache>
+            </c:strRef>
+          </c:tx>
+          <c:invertIfNegative val="0"/>
+          <c:cat>
+            <c:strRef>
+              <c:f>mse_comparison_dhap4!$A$2:$A$16</c:f>
+              <c:strCache>
+                <c:ptCount val="15"/>
+                <c:pt idx="0">
+                  <c:v>ACE2</c:v>
+                </c:pt>
+                <c:pt idx="1">
+                  <c:v>ASH1</c:v>
+                </c:pt>
+                <c:pt idx="2">
+                  <c:v>CIN5</c:v>
+                </c:pt>
+                <c:pt idx="3">
+                  <c:v>GCR2</c:v>
+                </c:pt>
+                <c:pt idx="4">
+                  <c:v>GLN3</c:v>
+                </c:pt>
+                <c:pt idx="5">
+                  <c:v>HAP4</c:v>
+                </c:pt>
+                <c:pt idx="6">
+                  <c:v>HMO1</c:v>
+                </c:pt>
+                <c:pt idx="7">
+                  <c:v>MSN2</c:v>
+                </c:pt>
+                <c:pt idx="8">
+                  <c:v>SFP1</c:v>
+                </c:pt>
+                <c:pt idx="9">
+                  <c:v>STB5</c:v>
+                </c:pt>
+                <c:pt idx="10">
+                  <c:v>SWI4</c:v>
+                </c:pt>
+                <c:pt idx="11">
+                  <c:v>SWI5</c:v>
+                </c:pt>
+                <c:pt idx="12">
+                  <c:v>YHP1</c:v>
+                </c:pt>
+                <c:pt idx="13">
+                  <c:v>YOX1</c:v>
+                </c:pt>
+                <c:pt idx="14">
+                  <c:v>ZAP1</c:v>
+                </c:pt>
+              </c:strCache>
+            </c:strRef>
+          </c:cat>
+          <c:val>
+            <c:numRef>
+              <c:f>mse_comparison_dhap4!$E$2:$E$16</c:f>
+              <c:numCache>
+                <c:formatCode>General</c:formatCode>
+                <c:ptCount val="15"/>
+                <c:pt idx="0">
+                  <c:v>0.145929035248153</c:v>
+                </c:pt>
+                <c:pt idx="1">
+                  <c:v>0.315963747820022</c:v>
+                </c:pt>
+                <c:pt idx="2">
+                  <c:v>1.09454084131527</c:v>
+                </c:pt>
+                <c:pt idx="3">
+                  <c:v>0.885788340243391</c:v>
+                </c:pt>
+                <c:pt idx="4">
+                  <c:v>0.18676177465043</c:v>
+                </c:pt>
+                <c:pt idx="5">
+                  <c:v>0.4916199175</c:v>
+                </c:pt>
+                <c:pt idx="6">
+                  <c:v>2.827609851031374</c:v>
+                </c:pt>
+                <c:pt idx="7">
+                  <c:v>0.206939444018557</c:v>
+                </c:pt>
+                <c:pt idx="8">
+                  <c:v>0.178197584178885</c:v>
+                </c:pt>
+                <c:pt idx="9">
+                  <c:v>0.174177731641512</c:v>
+                </c:pt>
+                <c:pt idx="10">
+                  <c:v>0.191125178210703</c:v>
+                </c:pt>
+                <c:pt idx="11">
+                  <c:v>0.464225396947672</c:v>
+                </c:pt>
+                <c:pt idx="12">
+                  <c:v>0.253370034254909</c:v>
+                </c:pt>
+                <c:pt idx="13">
+                  <c:v>0.723838647971399</c:v>
+                </c:pt>
+                <c:pt idx="14">
+                  <c:v>1.128715462856991</c:v>
+                </c:pt>
+              </c:numCache>
+            </c:numRef>
+          </c:val>
+        </c:ser>
+        <c:ser>
+          <c:idx val="4"/>
+          <c:order val="4"/>
+          <c:tx>
+            <c:strRef>
+              <c:f>mse_comparison_dhap4!$F$1</c:f>
+              <c:strCache>
+                <c:ptCount val="1"/>
+                <c:pt idx="0">
+                  <c:v>HMO1 MSE</c:v>
+                </c:pt>
+              </c:strCache>
+            </c:strRef>
+          </c:tx>
+          <c:invertIfNegative val="0"/>
+          <c:cat>
+            <c:strRef>
+              <c:f>mse_comparison_dhap4!$A$2:$A$16</c:f>
+              <c:strCache>
+                <c:ptCount val="15"/>
+                <c:pt idx="0">
+                  <c:v>ACE2</c:v>
+                </c:pt>
+                <c:pt idx="1">
+                  <c:v>ASH1</c:v>
+                </c:pt>
+                <c:pt idx="2">
+                  <c:v>CIN5</c:v>
+                </c:pt>
+                <c:pt idx="3">
+                  <c:v>GCR2</c:v>
+                </c:pt>
+                <c:pt idx="4">
+                  <c:v>GLN3</c:v>
+                </c:pt>
+                <c:pt idx="5">
+                  <c:v>HAP4</c:v>
+                </c:pt>
+                <c:pt idx="6">
+                  <c:v>HMO1</c:v>
+                </c:pt>
+                <c:pt idx="7">
+                  <c:v>MSN2</c:v>
+                </c:pt>
+                <c:pt idx="8">
+                  <c:v>SFP1</c:v>
+                </c:pt>
+                <c:pt idx="9">
+                  <c:v>STB5</c:v>
+                </c:pt>
+                <c:pt idx="10">
+                  <c:v>SWI4</c:v>
+                </c:pt>
+                <c:pt idx="11">
+                  <c:v>SWI5</c:v>
+                </c:pt>
+                <c:pt idx="12">
+                  <c:v>YHP1</c:v>
+                </c:pt>
+                <c:pt idx="13">
+                  <c:v>YOX1</c:v>
+                </c:pt>
+                <c:pt idx="14">
+                  <c:v>ZAP1</c:v>
+                </c:pt>
+              </c:strCache>
+            </c:strRef>
+          </c:cat>
+          <c:val>
+            <c:numRef>
+              <c:f>mse_comparison_dhap4!$F$2:$F$16</c:f>
+              <c:numCache>
+                <c:formatCode>General</c:formatCode>
+                <c:ptCount val="15"/>
+                <c:pt idx="0">
+                  <c:v>0.21060423929162</c:v>
+                </c:pt>
+                <c:pt idx="1">
+                  <c:v>1.1926941732394</c:v>
+                </c:pt>
+                <c:pt idx="2">
+                  <c:v>0.769613126392202</c:v>
+                </c:pt>
+                <c:pt idx="3">
+                  <c:v>0.503263014502472</c:v>
+                </c:pt>
+                <c:pt idx="4">
+                  <c:v>0.237003528517225</c:v>
+                </c:pt>
+                <c:pt idx="5">
+                  <c:v>1.421204638745012</c:v>
+                </c:pt>
+                <c:pt idx="6">
+                  <c:v>0.593595616666667</c:v>
+                </c:pt>
+                <c:pt idx="7">
+                  <c:v>0.448965607631339</c:v>
+                </c:pt>
+                <c:pt idx="8">
+                  <c:v>1.185892053198647</c:v>
+                </c:pt>
+                <c:pt idx="9">
+                  <c:v>0.533377124036951</c:v>
+                </c:pt>
+                <c:pt idx="10">
+                  <c:v>0.319990162695856</c:v>
+                </c:pt>
+                <c:pt idx="11">
+                  <c:v>0.241360949579765</c:v>
+                </c:pt>
+                <c:pt idx="12">
+                  <c:v>0.287058300813078</c:v>
+                </c:pt>
+                <c:pt idx="13">
+                  <c:v>0.660915213847568</c:v>
+                </c:pt>
+                <c:pt idx="14">
+                  <c:v>0.460814343713048</c:v>
+                </c:pt>
+              </c:numCache>
+            </c:numRef>
+          </c:val>
+        </c:ser>
+        <c:ser>
+          <c:idx val="5"/>
+          <c:order val="5"/>
+          <c:tx>
+            <c:strRef>
+              <c:f>mse_comparison_dhap4!$G$1</c:f>
+              <c:strCache>
+                <c:ptCount val="1"/>
+                <c:pt idx="0">
+                  <c:v>ZAP1 MSE</c:v>
+                </c:pt>
+              </c:strCache>
+            </c:strRef>
+          </c:tx>
+          <c:invertIfNegative val="0"/>
+          <c:cat>
+            <c:strRef>
+              <c:f>mse_comparison_dhap4!$A$2:$A$16</c:f>
+              <c:strCache>
+                <c:ptCount val="15"/>
+                <c:pt idx="0">
+                  <c:v>ACE2</c:v>
+                </c:pt>
+                <c:pt idx="1">
+                  <c:v>ASH1</c:v>
+                </c:pt>
+                <c:pt idx="2">
+                  <c:v>CIN5</c:v>
+                </c:pt>
+                <c:pt idx="3">
+                  <c:v>GCR2</c:v>
+                </c:pt>
+                <c:pt idx="4">
+                  <c:v>GLN3</c:v>
+                </c:pt>
+                <c:pt idx="5">
+                  <c:v>HAP4</c:v>
+                </c:pt>
+                <c:pt idx="6">
+                  <c:v>HMO1</c:v>
+                </c:pt>
+                <c:pt idx="7">
+                  <c:v>MSN2</c:v>
+                </c:pt>
+                <c:pt idx="8">
+                  <c:v>SFP1</c:v>
+                </c:pt>
+                <c:pt idx="9">
+                  <c:v>STB5</c:v>
+                </c:pt>
+                <c:pt idx="10">
+                  <c:v>SWI4</c:v>
+                </c:pt>
+                <c:pt idx="11">
+                  <c:v>SWI5</c:v>
+                </c:pt>
+                <c:pt idx="12">
+                  <c:v>YHP1</c:v>
+                </c:pt>
+                <c:pt idx="13">
+                  <c:v>YOX1</c:v>
+                </c:pt>
+                <c:pt idx="14">
+                  <c:v>ZAP1</c:v>
+                </c:pt>
+              </c:strCache>
+            </c:strRef>
+          </c:cat>
+          <c:val>
+            <c:numRef>
+              <c:f>mse_comparison_dhap4!$G$2:$G$16</c:f>
+              <c:numCache>
+                <c:formatCode>General</c:formatCode>
+                <c:ptCount val="15"/>
+                <c:pt idx="0">
+                  <c:v>0.846957405967136</c:v>
+                </c:pt>
+                <c:pt idx="1">
+                  <c:v>1.195015409450161</c:v>
+                </c:pt>
+                <c:pt idx="2">
+                  <c:v>0.677597045419316</c:v>
+                </c:pt>
+                <c:pt idx="3">
+                  <c:v>0.22871937876435</c:v>
+                </c:pt>
+                <c:pt idx="4">
+                  <c:v>0.17217209917494</c:v>
+                </c:pt>
+                <c:pt idx="5">
+                  <c:v>0.559986745581597</c:v>
+                </c:pt>
+                <c:pt idx="6">
+                  <c:v>0.523988564097916</c:v>
+                </c:pt>
+                <c:pt idx="7">
+                  <c:v>0.249989030637614</c:v>
+                </c:pt>
+                <c:pt idx="8">
+                  <c:v>0.269505230396537</c:v>
+                </c:pt>
+                <c:pt idx="9">
+                  <c:v>1.347703080334739</c:v>
+                </c:pt>
+                <c:pt idx="10">
+                  <c:v>0.24630355768118</c:v>
+                </c:pt>
+                <c:pt idx="11">
+                  <c:v>0.314817546706148</c:v>
+                </c:pt>
+                <c:pt idx="12">
+                  <c:v>0.527302882635673</c:v>
+                </c:pt>
+                <c:pt idx="13">
+                  <c:v>0.503979141059665</c:v>
+                </c:pt>
+                <c:pt idx="14">
+                  <c:v>3.159033750833333</c:v>
+                </c:pt>
+              </c:numCache>
+            </c:numRef>
+          </c:val>
+        </c:ser>
+        <c:dLbls>
+          <c:showLegendKey val="0"/>
+          <c:showVal val="0"/>
+          <c:showCatName val="0"/>
+          <c:showSerName val="0"/>
+          <c:showPercent val="0"/>
+          <c:showBubbleSize val="0"/>
+        </c:dLbls>
+        <c:gapWidth val="150"/>
+        <c:axId val="-2103693864"/>
+        <c:axId val="-2104007608"/>
+      </c:barChart>
+      <c:catAx>
+        <c:axId val="-2103693864"/>
+        <c:scaling>
+          <c:orientation val="minMax"/>
+        </c:scaling>
+        <c:delete val="0"/>
+        <c:axPos val="b"/>
+        <c:majorTickMark val="out"/>
+        <c:minorTickMark val="none"/>
+        <c:tickLblPos val="nextTo"/>
+        <c:crossAx val="-2104007608"/>
+        <c:crosses val="autoZero"/>
+        <c:auto val="1"/>
+        <c:lblAlgn val="ctr"/>
+        <c:lblOffset val="100"/>
+        <c:noMultiLvlLbl val="0"/>
+      </c:catAx>
+      <c:valAx>
+        <c:axId val="-2104007608"/>
+        <c:scaling>
+          <c:orientation val="minMax"/>
+        </c:scaling>
+        <c:delete val="0"/>
+        <c:axPos val="l"/>
+        <c:majorGridlines/>
+        <c:numFmt formatCode="General" sourceLinked="1"/>
+        <c:majorTickMark val="out"/>
+        <c:minorTickMark val="none"/>
+        <c:tickLblPos val="nextTo"/>
+        <c:crossAx val="-2103693864"/>
+        <c:crosses val="autoZero"/>
+        <c:crossBetween val="between"/>
+      </c:valAx>
+    </c:plotArea>
+    <c:legend>
+      <c:legendPos val="r"/>
+      <c:layout/>
+      <c:overlay val="0"/>
+    </c:legend>
+    <c:plotVisOnly val="1"/>
+    <c:dispBlanksAs val="gap"/>
+    <c:showDLblsOverMax val="0"/>
+  </c:chart>
+  <c:txPr>
+    <a:bodyPr/>
+    <a:lstStyle/>
+    <a:p>
+      <a:pPr>
+        <a:defRPr sz="1100" b="1">
+          <a:latin typeface="Arial"/>
+          <a:cs typeface="Arial"/>
+        </a:defRPr>
+      </a:pPr>
+      <a:endParaRPr lang="en-US"/>
+    </a:p>
+  </c:txPr>
+  <c:externalData r:id="rId1">
+    <c:autoUpdate val="0"/>
+  </c:externalData>
+</c:chartSpace>
+</file>
+
+<file path=ppt/charts/chart8.xml><?xml version="1.0" encoding="utf-8"?>
+<c:chartSpace xmlns:c="http://schemas.openxmlformats.org/drawingml/2006/chart" xmlns:a="http://schemas.openxmlformats.org/drawingml/2006/main" xmlns:r="http://schemas.openxmlformats.org/officeDocument/2006/relationships">
+  <c:date1904 val="0"/>
+  <c:lang val="en-US"/>
+  <c:roundedCorners val="0"/>
+  <mc:AlternateContent xmlns:mc="http://schemas.openxmlformats.org/markup-compatibility/2006">
+    <mc:Choice xmlns:c14="http://schemas.microsoft.com/office/drawing/2007/8/2/chart" Requires="c14">
+      <c14:style val="102"/>
+    </mc:Choice>
+    <mc:Fallback>
+      <c:style val="2"/>
+    </mc:Fallback>
+  </mc:AlternateContent>
+  <c:chart>
+    <c:autoTitleDeleted val="0"/>
+    <c:plotArea>
+      <c:layout/>
+      <c:barChart>
+        <c:barDir val="col"/>
+        <c:grouping val="clustered"/>
+        <c:varyColors val="0"/>
+        <c:ser>
+          <c:idx val="0"/>
+          <c:order val="0"/>
+          <c:tx>
+            <c:strRef>
+              <c:f>mse_comparison_dzap1!$B$1</c:f>
+              <c:strCache>
+                <c:ptCount val="1"/>
+                <c:pt idx="0">
+                  <c:v>WT MSE</c:v>
+                </c:pt>
+              </c:strCache>
+            </c:strRef>
+          </c:tx>
+          <c:invertIfNegative val="0"/>
+          <c:cat>
+            <c:strRef>
+              <c:f>mse_comparison_dzap1!$A$2:$A$17</c:f>
+              <c:strCache>
+                <c:ptCount val="16"/>
+                <c:pt idx="0">
+                  <c:v>ABF1</c:v>
+                </c:pt>
+                <c:pt idx="1">
+                  <c:v>ACE2</c:v>
+                </c:pt>
+                <c:pt idx="2">
+                  <c:v>CIN5</c:v>
+                </c:pt>
+                <c:pt idx="3">
+                  <c:v>CST6</c:v>
+                </c:pt>
+                <c:pt idx="4">
+                  <c:v>GCN4</c:v>
+                </c:pt>
+                <c:pt idx="5">
+                  <c:v>GCR2</c:v>
+                </c:pt>
+                <c:pt idx="6">
+                  <c:v>GLN3</c:v>
+                </c:pt>
+                <c:pt idx="7">
+                  <c:v>HAP4</c:v>
+                </c:pt>
+                <c:pt idx="8">
+                  <c:v>HMO1</c:v>
+                </c:pt>
+                <c:pt idx="9">
+                  <c:v>HSF1</c:v>
+                </c:pt>
+                <c:pt idx="10">
+                  <c:v>MCM1</c:v>
+                </c:pt>
+                <c:pt idx="11">
+                  <c:v>MGA2</c:v>
+                </c:pt>
+                <c:pt idx="12">
+                  <c:v>MSN2</c:v>
+                </c:pt>
+                <c:pt idx="13">
+                  <c:v>MSN4</c:v>
+                </c:pt>
+                <c:pt idx="14">
+                  <c:v>SWI4</c:v>
+                </c:pt>
+                <c:pt idx="15">
+                  <c:v>ZAP1</c:v>
+                </c:pt>
+              </c:strCache>
+            </c:strRef>
+          </c:cat>
+          <c:val>
+            <c:numRef>
+              <c:f>mse_comparison_dzap1!$B$2:$B$17</c:f>
+              <c:numCache>
+                <c:formatCode>General</c:formatCode>
+                <c:ptCount val="16"/>
+                <c:pt idx="0">
+                  <c:v>0.677296260252678</c:v>
+                </c:pt>
+                <c:pt idx="1">
+                  <c:v>0.411695761018534</c:v>
+                </c:pt>
+                <c:pt idx="2">
+                  <c:v>0.825168399097546</c:v>
+                </c:pt>
+                <c:pt idx="3">
+                  <c:v>0.924132508671987</c:v>
+                </c:pt>
+                <c:pt idx="4">
+                  <c:v>0.789845693491056</c:v>
+                </c:pt>
+                <c:pt idx="5">
+                  <c:v>0.481535545864612</c:v>
+                </c:pt>
+                <c:pt idx="6">
+                  <c:v>0.461530525493838</c:v>
+                </c:pt>
+                <c:pt idx="7">
+                  <c:v>2.097369262104057</c:v>
+                </c:pt>
+                <c:pt idx="8">
+                  <c:v>0.619588958248421</c:v>
+                </c:pt>
+                <c:pt idx="9">
+                  <c:v>0.772691666476502</c:v>
+                </c:pt>
+                <c:pt idx="10">
+                  <c:v>1.227107904397248</c:v>
+                </c:pt>
+                <c:pt idx="11">
+                  <c:v>0.472168707679897</c:v>
+                </c:pt>
+                <c:pt idx="12">
+                  <c:v>0.50056466420533</c:v>
+                </c:pt>
+                <c:pt idx="13">
+                  <c:v>1.501847301789383</c:v>
+                </c:pt>
+                <c:pt idx="14">
+                  <c:v>0.307169015826753</c:v>
+                </c:pt>
+                <c:pt idx="15">
+                  <c:v>2.28802223459378</c:v>
+                </c:pt>
+              </c:numCache>
+            </c:numRef>
+          </c:val>
+        </c:ser>
+        <c:ser>
+          <c:idx val="1"/>
+          <c:order val="1"/>
+          <c:tx>
+            <c:strRef>
+              <c:f>mse_comparison_dzap1!$C$1</c:f>
+              <c:strCache>
+                <c:ptCount val="1"/>
+                <c:pt idx="0">
+                  <c:v>CIN5 MSE</c:v>
+                </c:pt>
+              </c:strCache>
+            </c:strRef>
+          </c:tx>
+          <c:invertIfNegative val="0"/>
+          <c:cat>
+            <c:strRef>
+              <c:f>mse_comparison_dzap1!$A$2:$A$17</c:f>
+              <c:strCache>
+                <c:ptCount val="16"/>
+                <c:pt idx="0">
+                  <c:v>ABF1</c:v>
+                </c:pt>
+                <c:pt idx="1">
+                  <c:v>ACE2</c:v>
+                </c:pt>
+                <c:pt idx="2">
+                  <c:v>CIN5</c:v>
+                </c:pt>
+                <c:pt idx="3">
+                  <c:v>CST6</c:v>
+                </c:pt>
+                <c:pt idx="4">
+                  <c:v>GCN4</c:v>
+                </c:pt>
+                <c:pt idx="5">
+                  <c:v>GCR2</c:v>
+                </c:pt>
+                <c:pt idx="6">
+                  <c:v>GLN3</c:v>
+                </c:pt>
+                <c:pt idx="7">
+                  <c:v>HAP4</c:v>
+                </c:pt>
+                <c:pt idx="8">
+                  <c:v>HMO1</c:v>
+                </c:pt>
+                <c:pt idx="9">
+                  <c:v>HSF1</c:v>
+                </c:pt>
+                <c:pt idx="10">
+                  <c:v>MCM1</c:v>
+                </c:pt>
+                <c:pt idx="11">
+                  <c:v>MGA2</c:v>
+                </c:pt>
+                <c:pt idx="12">
+                  <c:v>MSN2</c:v>
+                </c:pt>
+                <c:pt idx="13">
+                  <c:v>MSN4</c:v>
+                </c:pt>
+                <c:pt idx="14">
+                  <c:v>SWI4</c:v>
+                </c:pt>
+                <c:pt idx="15">
+                  <c:v>ZAP1</c:v>
+                </c:pt>
+              </c:strCache>
+            </c:strRef>
+          </c:cat>
+          <c:val>
+            <c:numRef>
+              <c:f>mse_comparison_dzap1!$C$2:$C$17</c:f>
+              <c:numCache>
+                <c:formatCode>General</c:formatCode>
+                <c:ptCount val="16"/>
+                <c:pt idx="0">
+                  <c:v>0.681963725833707</c:v>
+                </c:pt>
+                <c:pt idx="1">
+                  <c:v>0.0907555537039113</c:v>
+                </c:pt>
+                <c:pt idx="2">
+                  <c:v>0.1449642125</c:v>
+                </c:pt>
+                <c:pt idx="3">
+                  <c:v>4.853027537603777</c:v>
+                </c:pt>
+                <c:pt idx="4">
+                  <c:v>1.44716577940912</c:v>
+                </c:pt>
+                <c:pt idx="5">
+                  <c:v>0.858822615226308</c:v>
+                </c:pt>
+                <c:pt idx="6">
+                  <c:v>0.180955379143734</c:v>
+                </c:pt>
+                <c:pt idx="7">
+                  <c:v>1.166686961574593</c:v>
+                </c:pt>
+                <c:pt idx="8">
+                  <c:v>0.662587804117561</c:v>
+                </c:pt>
+                <c:pt idx="9">
+                  <c:v>0.412541569906085</c:v>
+                </c:pt>
+                <c:pt idx="10">
+                  <c:v>0.81534413430145</c:v>
+                </c:pt>
+                <c:pt idx="11">
+                  <c:v>0.14147158640062</c:v>
+                </c:pt>
+                <c:pt idx="12">
+                  <c:v>0.34791371494527</c:v>
+                </c:pt>
+                <c:pt idx="13">
+                  <c:v>0.68067030320582</c:v>
+                </c:pt>
+                <c:pt idx="14">
+                  <c:v>0.66872651468377</c:v>
+                </c:pt>
+                <c:pt idx="15">
+                  <c:v>0.669732754303528</c:v>
+                </c:pt>
+              </c:numCache>
+            </c:numRef>
+          </c:val>
+        </c:ser>
+        <c:ser>
+          <c:idx val="2"/>
+          <c:order val="2"/>
+          <c:tx>
+            <c:strRef>
+              <c:f>mse_comparison_dzap1!$D$1</c:f>
+              <c:strCache>
+                <c:ptCount val="1"/>
+                <c:pt idx="0">
+                  <c:v>GLN3 MSE</c:v>
+                </c:pt>
+              </c:strCache>
+            </c:strRef>
+          </c:tx>
+          <c:invertIfNegative val="0"/>
+          <c:cat>
+            <c:strRef>
+              <c:f>mse_comparison_dzap1!$A$2:$A$17</c:f>
+              <c:strCache>
+                <c:ptCount val="16"/>
+                <c:pt idx="0">
+                  <c:v>ABF1</c:v>
+                </c:pt>
+                <c:pt idx="1">
+                  <c:v>ACE2</c:v>
+                </c:pt>
+                <c:pt idx="2">
+                  <c:v>CIN5</c:v>
+                </c:pt>
+                <c:pt idx="3">
+                  <c:v>CST6</c:v>
+                </c:pt>
+                <c:pt idx="4">
+                  <c:v>GCN4</c:v>
+                </c:pt>
+                <c:pt idx="5">
+                  <c:v>GCR2</c:v>
+                </c:pt>
+                <c:pt idx="6">
+                  <c:v>GLN3</c:v>
+                </c:pt>
+                <c:pt idx="7">
+                  <c:v>HAP4</c:v>
+                </c:pt>
+                <c:pt idx="8">
+                  <c:v>HMO1</c:v>
+                </c:pt>
+                <c:pt idx="9">
+                  <c:v>HSF1</c:v>
+                </c:pt>
+                <c:pt idx="10">
+                  <c:v>MCM1</c:v>
+                </c:pt>
+                <c:pt idx="11">
+                  <c:v>MGA2</c:v>
+                </c:pt>
+                <c:pt idx="12">
+                  <c:v>MSN2</c:v>
+                </c:pt>
+                <c:pt idx="13">
+                  <c:v>MSN4</c:v>
+                </c:pt>
+                <c:pt idx="14">
+                  <c:v>SWI4</c:v>
+                </c:pt>
+                <c:pt idx="15">
+                  <c:v>ZAP1</c:v>
+                </c:pt>
+              </c:strCache>
+            </c:strRef>
+          </c:cat>
+          <c:val>
+            <c:numRef>
+              <c:f>mse_comparison_dzap1!$D$2:$D$17</c:f>
+              <c:numCache>
+                <c:formatCode>General</c:formatCode>
+                <c:ptCount val="16"/>
+                <c:pt idx="0">
+                  <c:v>0.879164719921589</c:v>
+                </c:pt>
+                <c:pt idx="1">
+                  <c:v>1.266213995721334</c:v>
+                </c:pt>
+                <c:pt idx="2">
+                  <c:v>0.865938475688404</c:v>
+                </c:pt>
+                <c:pt idx="3">
+                  <c:v>0.641930994999619</c:v>
+                </c:pt>
+                <c:pt idx="4">
+                  <c:v>1.23631808857996</c:v>
+                </c:pt>
+                <c:pt idx="5">
+                  <c:v>0.781667038383538</c:v>
+                </c:pt>
+                <c:pt idx="6">
+                  <c:v>0.353261053333333</c:v>
+                </c:pt>
+                <c:pt idx="7">
+                  <c:v>1.435137772208437</c:v>
+                </c:pt>
+                <c:pt idx="8">
+                  <c:v>0.297972616730894</c:v>
+                </c:pt>
+                <c:pt idx="9">
+                  <c:v>0.653458100331852</c:v>
+                </c:pt>
+                <c:pt idx="10">
+                  <c:v>4.12236488809676</c:v>
+                </c:pt>
+                <c:pt idx="11">
+                  <c:v>0.167203811090681</c:v>
+                </c:pt>
+                <c:pt idx="12">
+                  <c:v>0.819992346014254</c:v>
+                </c:pt>
+                <c:pt idx="13">
+                  <c:v>1.184182214228634</c:v>
+                </c:pt>
+                <c:pt idx="14">
+                  <c:v>0.46271144449365</c:v>
+                </c:pt>
+                <c:pt idx="15">
+                  <c:v>1.287512575411903</c:v>
+                </c:pt>
+              </c:numCache>
+            </c:numRef>
+          </c:val>
+        </c:ser>
+        <c:ser>
+          <c:idx val="3"/>
+          <c:order val="3"/>
+          <c:tx>
+            <c:strRef>
+              <c:f>mse_comparison_dzap1!$E$1</c:f>
+              <c:strCache>
+                <c:ptCount val="1"/>
+                <c:pt idx="0">
+                  <c:v>HAP4 MSE</c:v>
+                </c:pt>
+              </c:strCache>
+            </c:strRef>
+          </c:tx>
+          <c:invertIfNegative val="0"/>
+          <c:cat>
+            <c:strRef>
+              <c:f>mse_comparison_dzap1!$A$2:$A$17</c:f>
+              <c:strCache>
+                <c:ptCount val="16"/>
+                <c:pt idx="0">
+                  <c:v>ABF1</c:v>
+                </c:pt>
+                <c:pt idx="1">
+                  <c:v>ACE2</c:v>
+                </c:pt>
+                <c:pt idx="2">
+                  <c:v>CIN5</c:v>
+                </c:pt>
+                <c:pt idx="3">
+                  <c:v>CST6</c:v>
+                </c:pt>
+                <c:pt idx="4">
+                  <c:v>GCN4</c:v>
+                </c:pt>
+                <c:pt idx="5">
+                  <c:v>GCR2</c:v>
+                </c:pt>
+                <c:pt idx="6">
+                  <c:v>GLN3</c:v>
+                </c:pt>
+                <c:pt idx="7">
+                  <c:v>HAP4</c:v>
+                </c:pt>
+                <c:pt idx="8">
+                  <c:v>HMO1</c:v>
+                </c:pt>
+                <c:pt idx="9">
+                  <c:v>HSF1</c:v>
+                </c:pt>
+                <c:pt idx="10">
+                  <c:v>MCM1</c:v>
+                </c:pt>
+                <c:pt idx="11">
+                  <c:v>MGA2</c:v>
+                </c:pt>
+                <c:pt idx="12">
+                  <c:v>MSN2</c:v>
+                </c:pt>
+                <c:pt idx="13">
+                  <c:v>MSN4</c:v>
+                </c:pt>
+                <c:pt idx="14">
+                  <c:v>SWI4</c:v>
+                </c:pt>
+                <c:pt idx="15">
+                  <c:v>ZAP1</c:v>
+                </c:pt>
+              </c:strCache>
+            </c:strRef>
+          </c:cat>
+          <c:val>
+            <c:numRef>
+              <c:f>mse_comparison_dzap1!$E$2:$E$17</c:f>
+              <c:numCache>
+                <c:formatCode>General</c:formatCode>
+                <c:ptCount val="16"/>
+                <c:pt idx="0">
+                  <c:v>0.530259479544293</c:v>
+                </c:pt>
+                <c:pt idx="1">
+                  <c:v>0.162142488199274</c:v>
+                </c:pt>
+                <c:pt idx="2">
+                  <c:v>1.079355603124617</c:v>
+                </c:pt>
+                <c:pt idx="3">
+                  <c:v>0.295136898887588</c:v>
+                </c:pt>
+                <c:pt idx="4">
+                  <c:v>0.515205159141764</c:v>
+                </c:pt>
+                <c:pt idx="5">
+                  <c:v>0.937002107510609</c:v>
+                </c:pt>
+                <c:pt idx="6">
+                  <c:v>0.201090788352144</c:v>
+                </c:pt>
+                <c:pt idx="7">
+                  <c:v>0.4916199175</c:v>
+                </c:pt>
+                <c:pt idx="8">
+                  <c:v>2.851785308564168</c:v>
+                </c:pt>
+                <c:pt idx="9">
+                  <c:v>0.320335482856968</c:v>
+                </c:pt>
+                <c:pt idx="10">
+                  <c:v>1.309737730459779</c:v>
+                </c:pt>
+                <c:pt idx="11">
+                  <c:v>0.180026638286015</c:v>
+                </c:pt>
+                <c:pt idx="12">
+                  <c:v>0.228724658534088</c:v>
+                </c:pt>
+                <c:pt idx="13">
+                  <c:v>0.768866101692711</c:v>
+                </c:pt>
+                <c:pt idx="14">
+                  <c:v>0.198125873865884</c:v>
+                </c:pt>
+                <c:pt idx="15">
+                  <c:v>1.136559245466728</c:v>
+                </c:pt>
+              </c:numCache>
+            </c:numRef>
+          </c:val>
+        </c:ser>
+        <c:ser>
+          <c:idx val="4"/>
+          <c:order val="4"/>
+          <c:tx>
+            <c:strRef>
+              <c:f>mse_comparison_dzap1!$F$1</c:f>
+              <c:strCache>
+                <c:ptCount val="1"/>
+                <c:pt idx="0">
+                  <c:v>HMO1 MSE</c:v>
+                </c:pt>
+              </c:strCache>
+            </c:strRef>
+          </c:tx>
+          <c:invertIfNegative val="0"/>
+          <c:cat>
+            <c:strRef>
+              <c:f>mse_comparison_dzap1!$A$2:$A$17</c:f>
+              <c:strCache>
+                <c:ptCount val="16"/>
+                <c:pt idx="0">
+                  <c:v>ABF1</c:v>
+                </c:pt>
+                <c:pt idx="1">
+                  <c:v>ACE2</c:v>
+                </c:pt>
+                <c:pt idx="2">
+                  <c:v>CIN5</c:v>
+                </c:pt>
+                <c:pt idx="3">
+                  <c:v>CST6</c:v>
+                </c:pt>
+                <c:pt idx="4">
+                  <c:v>GCN4</c:v>
+                </c:pt>
+                <c:pt idx="5">
+                  <c:v>GCR2</c:v>
+                </c:pt>
+                <c:pt idx="6">
+                  <c:v>GLN3</c:v>
+                </c:pt>
+                <c:pt idx="7">
+                  <c:v>HAP4</c:v>
+                </c:pt>
+                <c:pt idx="8">
+                  <c:v>HMO1</c:v>
+                </c:pt>
+                <c:pt idx="9">
+                  <c:v>HSF1</c:v>
+                </c:pt>
+                <c:pt idx="10">
+                  <c:v>MCM1</c:v>
+                </c:pt>
+                <c:pt idx="11">
+                  <c:v>MGA2</c:v>
+                </c:pt>
+                <c:pt idx="12">
+                  <c:v>MSN2</c:v>
+                </c:pt>
+                <c:pt idx="13">
+                  <c:v>MSN4</c:v>
+                </c:pt>
+                <c:pt idx="14">
+                  <c:v>SWI4</c:v>
+                </c:pt>
+                <c:pt idx="15">
+                  <c:v>ZAP1</c:v>
+                </c:pt>
+              </c:strCache>
+            </c:strRef>
+          </c:cat>
+          <c:val>
+            <c:numRef>
+              <c:f>mse_comparison_dzap1!$F$2:$F$17</c:f>
+              <c:numCache>
+                <c:formatCode>General</c:formatCode>
+                <c:ptCount val="16"/>
+                <c:pt idx="0">
+                  <c:v>1.157130651517268</c:v>
+                </c:pt>
+                <c:pt idx="1">
+                  <c:v>0.200843164206838</c:v>
+                </c:pt>
+                <c:pt idx="2">
+                  <c:v>0.765647040682913</c:v>
+                </c:pt>
+                <c:pt idx="3">
+                  <c:v>0.355075550107199</c:v>
+                </c:pt>
+                <c:pt idx="4">
+                  <c:v>0.757208307184078</c:v>
+                </c:pt>
+                <c:pt idx="5">
+                  <c:v>0.484788244450768</c:v>
+                </c:pt>
+                <c:pt idx="6">
+                  <c:v>0.23432433640771</c:v>
+                </c:pt>
+                <c:pt idx="7">
+                  <c:v>1.455675302302679</c:v>
+                </c:pt>
+                <c:pt idx="8">
+                  <c:v>0.593595616666667</c:v>
+                </c:pt>
+                <c:pt idx="9">
+                  <c:v>0.615352166621774</c:v>
+                </c:pt>
+                <c:pt idx="10">
+                  <c:v>3.123661264871023</c:v>
+                </c:pt>
+                <c:pt idx="11">
+                  <c:v>0.256414088876643</c:v>
+                </c:pt>
+                <c:pt idx="12">
+                  <c:v>0.421455047529545</c:v>
+                </c:pt>
+                <c:pt idx="13">
+                  <c:v>0.694378066560403</c:v>
+                </c:pt>
+                <c:pt idx="14">
+                  <c:v>0.2422653024008</c:v>
+                </c:pt>
+                <c:pt idx="15">
+                  <c:v>0.466915656436041</c:v>
+                </c:pt>
+              </c:numCache>
+            </c:numRef>
+          </c:val>
+        </c:ser>
+        <c:ser>
+          <c:idx val="5"/>
+          <c:order val="5"/>
+          <c:tx>
+            <c:strRef>
+              <c:f>mse_comparison_dzap1!$G$1</c:f>
+              <c:strCache>
+                <c:ptCount val="1"/>
+                <c:pt idx="0">
+                  <c:v>ZAP1 MSE</c:v>
+                </c:pt>
+              </c:strCache>
+            </c:strRef>
+          </c:tx>
+          <c:invertIfNegative val="0"/>
+          <c:cat>
+            <c:strRef>
+              <c:f>mse_comparison_dzap1!$A$2:$A$17</c:f>
+              <c:strCache>
+                <c:ptCount val="16"/>
+                <c:pt idx="0">
+                  <c:v>ABF1</c:v>
+                </c:pt>
+                <c:pt idx="1">
+                  <c:v>ACE2</c:v>
+                </c:pt>
+                <c:pt idx="2">
+                  <c:v>CIN5</c:v>
+                </c:pt>
+                <c:pt idx="3">
+                  <c:v>CST6</c:v>
+                </c:pt>
+                <c:pt idx="4">
+                  <c:v>GCN4</c:v>
+                </c:pt>
+                <c:pt idx="5">
+                  <c:v>GCR2</c:v>
+                </c:pt>
+                <c:pt idx="6">
+                  <c:v>GLN3</c:v>
+                </c:pt>
+                <c:pt idx="7">
+                  <c:v>HAP4</c:v>
+                </c:pt>
+                <c:pt idx="8">
+                  <c:v>HMO1</c:v>
+                </c:pt>
+                <c:pt idx="9">
+                  <c:v>HSF1</c:v>
+                </c:pt>
+                <c:pt idx="10">
+                  <c:v>MCM1</c:v>
+                </c:pt>
+                <c:pt idx="11">
+                  <c:v>MGA2</c:v>
+                </c:pt>
+                <c:pt idx="12">
+                  <c:v>MSN2</c:v>
+                </c:pt>
+                <c:pt idx="13">
+                  <c:v>MSN4</c:v>
+                </c:pt>
+                <c:pt idx="14">
+                  <c:v>SWI4</c:v>
+                </c:pt>
+                <c:pt idx="15">
+                  <c:v>ZAP1</c:v>
+                </c:pt>
+              </c:strCache>
+            </c:strRef>
+          </c:cat>
+          <c:val>
+            <c:numRef>
+              <c:f>mse_comparison_dzap1!$G$2:$G$17</c:f>
+              <c:numCache>
+                <c:formatCode>General</c:formatCode>
+                <c:ptCount val="16"/>
+                <c:pt idx="0">
+                  <c:v>1.671677386717563</c:v>
+                </c:pt>
+                <c:pt idx="1">
+                  <c:v>0.850692357211561</c:v>
+                </c:pt>
+                <c:pt idx="2">
+                  <c:v>0.676750762095619</c:v>
+                </c:pt>
+                <c:pt idx="3">
+                  <c:v>0.343186670861099</c:v>
+                </c:pt>
+                <c:pt idx="4">
+                  <c:v>0.299827948372343</c:v>
+                </c:pt>
+                <c:pt idx="5">
+                  <c:v>0.243002150454706</c:v>
+                </c:pt>
+                <c:pt idx="6">
+                  <c:v>0.175328688338628</c:v>
+                </c:pt>
+                <c:pt idx="7">
+                  <c:v>0.660637228124147</c:v>
+                </c:pt>
+                <c:pt idx="8">
+                  <c:v>0.522670818807562</c:v>
+                </c:pt>
+                <c:pt idx="9">
+                  <c:v>0.320181954098266</c:v>
+                </c:pt>
+                <c:pt idx="10">
+                  <c:v>3.730786955088503</c:v>
+                </c:pt>
+                <c:pt idx="11">
+                  <c:v>0.308102653385321</c:v>
+                </c:pt>
+                <c:pt idx="12">
+                  <c:v>0.268427515937443</c:v>
+                </c:pt>
+                <c:pt idx="13">
+                  <c:v>1.385546590532796</c:v>
+                </c:pt>
+                <c:pt idx="14">
+                  <c:v>0.253047714599638</c:v>
+                </c:pt>
+                <c:pt idx="15">
+                  <c:v>3.159033750833333</c:v>
+                </c:pt>
+              </c:numCache>
+            </c:numRef>
+          </c:val>
+        </c:ser>
+        <c:dLbls>
+          <c:showLegendKey val="0"/>
+          <c:showVal val="0"/>
+          <c:showCatName val="0"/>
+          <c:showSerName val="0"/>
+          <c:showPercent val="0"/>
+          <c:showBubbleSize val="0"/>
+        </c:dLbls>
+        <c:gapWidth val="150"/>
+        <c:axId val="-2053144504"/>
+        <c:axId val="-2097976104"/>
+      </c:barChart>
+      <c:catAx>
+        <c:axId val="-2053144504"/>
+        <c:scaling>
+          <c:orientation val="minMax"/>
+        </c:scaling>
+        <c:delete val="0"/>
+        <c:axPos val="b"/>
+        <c:majorTickMark val="out"/>
+        <c:minorTickMark val="none"/>
+        <c:tickLblPos val="nextTo"/>
+        <c:crossAx val="-2097976104"/>
+        <c:crosses val="autoZero"/>
+        <c:auto val="1"/>
+        <c:lblAlgn val="ctr"/>
+        <c:lblOffset val="100"/>
+        <c:noMultiLvlLbl val="0"/>
+      </c:catAx>
+      <c:valAx>
+        <c:axId val="-2097976104"/>
+        <c:scaling>
+          <c:orientation val="minMax"/>
+        </c:scaling>
+        <c:delete val="0"/>
+        <c:axPos val="l"/>
+        <c:majorGridlines/>
+        <c:numFmt formatCode="General" sourceLinked="1"/>
+        <c:majorTickMark val="out"/>
+        <c:minorTickMark val="none"/>
+        <c:tickLblPos val="nextTo"/>
+        <c:crossAx val="-2053144504"/>
         <c:crosses val="autoZero"/>
         <c:crossBetween val="between"/>
       </c:valAx>
@@ -5013,7 +7242,7 @@
           <a:p>
             <a:fld id="{7DD5E95C-6FA8-4669-BE0B-DCF3DCE79358}" type="datetimeFigureOut">
               <a:rPr lang="en-US" smtClean="0"/>
-              <a:t>12/4/16</a:t>
+              <a:t>12/7/16</a:t>
             </a:fld>
             <a:endParaRPr lang="en-US"/>
           </a:p>
@@ -5183,7 +7412,7 @@
           <a:p>
             <a:fld id="{7DD5E95C-6FA8-4669-BE0B-DCF3DCE79358}" type="datetimeFigureOut">
               <a:rPr lang="en-US" smtClean="0"/>
-              <a:t>12/4/16</a:t>
+              <a:t>12/7/16</a:t>
             </a:fld>
             <a:endParaRPr lang="en-US"/>
           </a:p>
@@ -5363,7 +7592,7 @@
           <a:p>
             <a:fld id="{7DD5E95C-6FA8-4669-BE0B-DCF3DCE79358}" type="datetimeFigureOut">
               <a:rPr lang="en-US" smtClean="0"/>
-              <a:t>12/4/16</a:t>
+              <a:t>12/7/16</a:t>
             </a:fld>
             <a:endParaRPr lang="en-US"/>
           </a:p>
@@ -5533,7 +7762,7 @@
           <a:p>
             <a:fld id="{7DD5E95C-6FA8-4669-BE0B-DCF3DCE79358}" type="datetimeFigureOut">
               <a:rPr lang="en-US" smtClean="0"/>
-              <a:t>12/4/16</a:t>
+              <a:t>12/7/16</a:t>
             </a:fld>
             <a:endParaRPr lang="en-US"/>
           </a:p>
@@ -5779,7 +8008,7 @@
           <a:p>
             <a:fld id="{7DD5E95C-6FA8-4669-BE0B-DCF3DCE79358}" type="datetimeFigureOut">
               <a:rPr lang="en-US" smtClean="0"/>
-              <a:t>12/4/16</a:t>
+              <a:t>12/7/16</a:t>
             </a:fld>
             <a:endParaRPr lang="en-US"/>
           </a:p>
@@ -6067,7 +8296,7 @@
           <a:p>
             <a:fld id="{7DD5E95C-6FA8-4669-BE0B-DCF3DCE79358}" type="datetimeFigureOut">
               <a:rPr lang="en-US" smtClean="0"/>
-              <a:t>12/4/16</a:t>
+              <a:t>12/7/16</a:t>
             </a:fld>
             <a:endParaRPr lang="en-US"/>
           </a:p>
@@ -6489,7 +8718,7 @@
           <a:p>
             <a:fld id="{7DD5E95C-6FA8-4669-BE0B-DCF3DCE79358}" type="datetimeFigureOut">
               <a:rPr lang="en-US" smtClean="0"/>
-              <a:t>12/4/16</a:t>
+              <a:t>12/7/16</a:t>
             </a:fld>
             <a:endParaRPr lang="en-US"/>
           </a:p>
@@ -6607,7 +8836,7 @@
           <a:p>
             <a:fld id="{7DD5E95C-6FA8-4669-BE0B-DCF3DCE79358}" type="datetimeFigureOut">
               <a:rPr lang="en-US" smtClean="0"/>
-              <a:t>12/4/16</a:t>
+              <a:t>12/7/16</a:t>
             </a:fld>
             <a:endParaRPr lang="en-US"/>
           </a:p>
@@ -6702,7 +8931,7 @@
           <a:p>
             <a:fld id="{7DD5E95C-6FA8-4669-BE0B-DCF3DCE79358}" type="datetimeFigureOut">
               <a:rPr lang="en-US" smtClean="0"/>
-              <a:t>12/4/16</a:t>
+              <a:t>12/7/16</a:t>
             </a:fld>
             <a:endParaRPr lang="en-US"/>
           </a:p>
@@ -6979,7 +9208,7 @@
           <a:p>
             <a:fld id="{7DD5E95C-6FA8-4669-BE0B-DCF3DCE79358}" type="datetimeFigureOut">
               <a:rPr lang="en-US" smtClean="0"/>
-              <a:t>12/4/16</a:t>
+              <a:t>12/7/16</a:t>
             </a:fld>
             <a:endParaRPr lang="en-US"/>
           </a:p>
@@ -7232,7 +9461,7 @@
           <a:p>
             <a:fld id="{7DD5E95C-6FA8-4669-BE0B-DCF3DCE79358}" type="datetimeFigureOut">
               <a:rPr lang="en-US" smtClean="0"/>
-              <a:t>12/4/16</a:t>
+              <a:t>12/7/16</a:t>
             </a:fld>
             <a:endParaRPr lang="en-US"/>
           </a:p>
@@ -7445,7 +9674,7 @@
           <a:p>
             <a:fld id="{7DD5E95C-6FA8-4669-BE0B-DCF3DCE79358}" type="datetimeFigureOut">
               <a:rPr lang="en-US" smtClean="0"/>
-              <a:t>12/4/16</a:t>
+              <a:t>12/7/16</a:t>
             </a:fld>
             <a:endParaRPr lang="en-US"/>
           </a:p>
@@ -7946,21 +10175,21 @@
       </p:grpSpPr>
       <p:graphicFrame>
         <p:nvGraphicFramePr>
-          <p:cNvPr id="7" name="Chart 6"/>
+          <p:cNvPr id="9" name="Chart 8"/>
           <p:cNvGraphicFramePr>
             <a:graphicFrameLocks/>
           </p:cNvGraphicFramePr>
           <p:nvPr>
             <p:extLst>
               <p:ext uri="{D42A27DB-BD31-4B8C-83A1-F6EECF244321}">
-                <p14:modId xmlns:p14="http://schemas.microsoft.com/office/powerpoint/2010/main" val="1246860508"/>
+                <p14:modId xmlns:p14="http://schemas.microsoft.com/office/powerpoint/2010/main" val="2006218878"/>
               </p:ext>
             </p:extLst>
           </p:nvPr>
         </p:nvGraphicFramePr>
         <p:xfrm>
-          <a:off x="0" y="1295400"/>
-          <a:ext cx="9098562" cy="5562600"/>
+          <a:off x="5393" y="1143000"/>
+          <a:ext cx="9144000" cy="5715000"/>
         </p:xfrm>
         <a:graphic>
           <a:graphicData uri="http://schemas.openxmlformats.org/drawingml/2006/chart">
@@ -7992,7 +10221,19 @@
           <a:p>
             <a:r>
               <a:rPr lang="en-US" dirty="0" smtClean="0"/>
-              <a:t>Optimized Production Rates from Initial 4 Model Runs (no CIN5 results)</a:t>
+              <a:t>Optimized Production Rates from Initial </a:t>
+            </a:r>
+            <a:r>
+              <a:rPr lang="en-US" dirty="0" smtClean="0"/>
+              <a:t>6 </a:t>
+            </a:r>
+            <a:r>
+              <a:rPr lang="en-US" dirty="0" smtClean="0"/>
+              <a:t>Model </a:t>
+            </a:r>
+            <a:r>
+              <a:rPr lang="en-US" dirty="0" smtClean="0"/>
+              <a:t>Runs</a:t>
             </a:r>
             <a:endParaRPr lang="en-US" dirty="0"/>
           </a:p>
@@ -8006,7 +10247,7 @@
         </p:nvSpPr>
         <p:spPr>
           <a:xfrm rot="2414868">
-            <a:off x="2893214" y="6261240"/>
+            <a:off x="2960331" y="6261240"/>
             <a:ext cx="242455" cy="553212"/>
           </a:xfrm>
           <a:prstGeom prst="ellipse">
@@ -8052,7 +10293,7 @@
         </p:nvSpPr>
         <p:spPr>
           <a:xfrm rot="2414868">
-            <a:off x="7815755" y="6284115"/>
+            <a:off x="7157544" y="6284115"/>
             <a:ext cx="266701" cy="553212"/>
           </a:xfrm>
           <a:prstGeom prst="ellipse">
@@ -8144,7 +10385,7 @@
         </p:nvSpPr>
         <p:spPr>
           <a:xfrm>
-            <a:off x="8340090" y="3352800"/>
+            <a:off x="7696200" y="3014990"/>
             <a:ext cx="922020" cy="261610"/>
           </a:xfrm>
           <a:prstGeom prst="rect">
@@ -8211,21 +10452,21 @@
       </p:grpSpPr>
       <p:graphicFrame>
         <p:nvGraphicFramePr>
-          <p:cNvPr id="6" name="Chart 5"/>
+          <p:cNvPr id="9" name="Chart 8"/>
           <p:cNvGraphicFramePr>
             <a:graphicFrameLocks/>
           </p:cNvGraphicFramePr>
           <p:nvPr>
             <p:extLst>
               <p:ext uri="{D42A27DB-BD31-4B8C-83A1-F6EECF244321}">
-                <p14:modId xmlns:p14="http://schemas.microsoft.com/office/powerpoint/2010/main" val="4278980241"/>
+                <p14:modId xmlns:p14="http://schemas.microsoft.com/office/powerpoint/2010/main" val="1905838435"/>
               </p:ext>
             </p:extLst>
           </p:nvPr>
         </p:nvGraphicFramePr>
         <p:xfrm>
-          <a:off x="16882" y="1219200"/>
-          <a:ext cx="9130098" cy="5638800"/>
+          <a:off x="0" y="1143000"/>
+          <a:ext cx="9144000" cy="5715000"/>
         </p:xfrm>
         <a:graphic>
           <a:graphicData uri="http://schemas.openxmlformats.org/drawingml/2006/chart">
@@ -8257,55 +10498,21 @@
           <a:p>
             <a:r>
               <a:rPr lang="en-US" dirty="0" smtClean="0"/>
-              <a:t>Optimized Threshold_B Values from Initial 4 Model Runs (no CIN5 results)</a:t>
+              <a:t>Optimized Threshold_B Values from Initial </a:t>
+            </a:r>
+            <a:r>
+              <a:rPr lang="en-US" dirty="0" smtClean="0"/>
+              <a:t>6 </a:t>
+            </a:r>
+            <a:r>
+              <a:rPr lang="en-US" dirty="0" smtClean="0"/>
+              <a:t>Model </a:t>
+            </a:r>
+            <a:r>
+              <a:rPr lang="en-US" dirty="0" smtClean="0"/>
+              <a:t>Runs</a:t>
             </a:r>
             <a:endParaRPr lang="en-US" dirty="0"/>
-          </a:p>
-        </p:txBody>
-      </p:sp>
-      <p:sp>
-        <p:nvSpPr>
-          <p:cNvPr id="4" name="Oval 3"/>
-          <p:cNvSpPr/>
-          <p:nvPr/>
-        </p:nvSpPr>
-        <p:spPr>
-          <a:xfrm rot="2414868">
-            <a:off x="2893214" y="4539348"/>
-            <a:ext cx="242455" cy="553212"/>
-          </a:xfrm>
-          <a:prstGeom prst="ellipse">
-            <a:avLst/>
-          </a:prstGeom>
-          <a:noFill/>
-          <a:ln>
-            <a:solidFill>
-              <a:srgbClr val="FF0000"/>
-            </a:solidFill>
-          </a:ln>
-        </p:spPr>
-        <p:style>
-          <a:lnRef idx="2">
-            <a:schemeClr val="accent1">
-              <a:shade val="50000"/>
-            </a:schemeClr>
-          </a:lnRef>
-          <a:fillRef idx="1">
-            <a:schemeClr val="accent1"/>
-          </a:fillRef>
-          <a:effectRef idx="0">
-            <a:schemeClr val="accent1"/>
-          </a:effectRef>
-          <a:fontRef idx="minor">
-            <a:schemeClr val="lt1"/>
-          </a:fontRef>
-        </p:style>
-        <p:txBody>
-          <a:bodyPr rtlCol="0" anchor="ctr"/>
-          <a:lstStyle/>
-          <a:p>
-            <a:pPr algn="ctr"/>
-            <a:endParaRPr lang="en-US"/>
           </a:p>
         </p:txBody>
       </p:sp>
@@ -8317,7 +10524,7 @@
         </p:nvSpPr>
         <p:spPr>
           <a:xfrm rot="2414868">
-            <a:off x="7906168" y="4583686"/>
+            <a:off x="7167577" y="4583686"/>
             <a:ext cx="242455" cy="502920"/>
           </a:xfrm>
           <a:prstGeom prst="ellipse">
@@ -8409,7 +10616,7 @@
         </p:nvSpPr>
         <p:spPr>
           <a:xfrm>
-            <a:off x="8404479" y="3352800"/>
+            <a:off x="7696200" y="3048000"/>
             <a:ext cx="1014222" cy="261610"/>
           </a:xfrm>
           <a:prstGeom prst="rect">
@@ -8434,6 +10641,52 @@
               <a:latin typeface="Arial"/>
               <a:cs typeface="Arial"/>
             </a:endParaRPr>
+          </a:p>
+        </p:txBody>
+      </p:sp>
+      <p:sp>
+        <p:nvSpPr>
+          <p:cNvPr id="10" name="Oval 9"/>
+          <p:cNvSpPr/>
+          <p:nvPr/>
+        </p:nvSpPr>
+        <p:spPr>
+          <a:xfrm rot="2414868">
+            <a:off x="2648368" y="4583686"/>
+            <a:ext cx="242455" cy="502920"/>
+          </a:xfrm>
+          <a:prstGeom prst="ellipse">
+            <a:avLst/>
+          </a:prstGeom>
+          <a:noFill/>
+          <a:ln>
+            <a:solidFill>
+              <a:srgbClr val="FF0000"/>
+            </a:solidFill>
+          </a:ln>
+        </p:spPr>
+        <p:style>
+          <a:lnRef idx="2">
+            <a:schemeClr val="accent1">
+              <a:shade val="50000"/>
+            </a:schemeClr>
+          </a:lnRef>
+          <a:fillRef idx="1">
+            <a:schemeClr val="accent1"/>
+          </a:fillRef>
+          <a:effectRef idx="0">
+            <a:schemeClr val="accent1"/>
+          </a:effectRef>
+          <a:fontRef idx="minor">
+            <a:schemeClr val="lt1"/>
+          </a:fontRef>
+        </p:style>
+        <p:txBody>
+          <a:bodyPr rtlCol="0" anchor="ctr"/>
+          <a:lstStyle/>
+          <a:p>
+            <a:pPr algn="ctr"/>
+            <a:endParaRPr lang="en-US"/>
           </a:p>
         </p:txBody>
       </p:sp>
@@ -8601,6 +10854,292 @@
           <a:chExt cx="0" cy="0"/>
         </a:xfrm>
       </p:grpSpPr>
+      <p:graphicFrame>
+        <p:nvGraphicFramePr>
+          <p:cNvPr id="7" name="Chart 6"/>
+          <p:cNvGraphicFramePr>
+            <a:graphicFrameLocks/>
+          </p:cNvGraphicFramePr>
+          <p:nvPr>
+            <p:extLst>
+              <p:ext uri="{D42A27DB-BD31-4B8C-83A1-F6EECF244321}">
+                <p14:modId xmlns:p14="http://schemas.microsoft.com/office/powerpoint/2010/main" val="2993012438"/>
+              </p:ext>
+            </p:extLst>
+          </p:nvPr>
+        </p:nvGraphicFramePr>
+        <p:xfrm>
+          <a:off x="-18939" y="1143000"/>
+          <a:ext cx="9144000" cy="5715000"/>
+        </p:xfrm>
+        <a:graphic>
+          <a:graphicData uri="http://schemas.openxmlformats.org/drawingml/2006/chart">
+            <c:chart xmlns:c="http://schemas.openxmlformats.org/drawingml/2006/chart" xmlns:r="http://schemas.openxmlformats.org/officeDocument/2006/relationships" r:id="rId2"/>
+          </a:graphicData>
+        </a:graphic>
+      </p:graphicFrame>
+      <p:sp>
+        <p:nvSpPr>
+          <p:cNvPr id="8" name="TextBox 7"/>
+          <p:cNvSpPr txBox="1"/>
+          <p:nvPr/>
+        </p:nvSpPr>
+        <p:spPr>
+          <a:xfrm>
+            <a:off x="8001000" y="3167390"/>
+            <a:ext cx="1014222" cy="261610"/>
+          </a:xfrm>
+          <a:prstGeom prst="rect">
+            <a:avLst/>
+          </a:prstGeom>
+          <a:noFill/>
+        </p:spPr>
+        <p:txBody>
+          <a:bodyPr wrap="square" rtlCol="0">
+            <a:spAutoFit/>
+          </a:bodyPr>
+          <a:lstStyle/>
+          <a:p>
+            <a:r>
+              <a:rPr lang="en-US" sz="1100" b="1" u="sng" dirty="0" smtClean="0">
+                <a:latin typeface="Arial"/>
+                <a:cs typeface="Arial"/>
+              </a:rPr>
+              <a:t>Strain:</a:t>
+            </a:r>
+            <a:endParaRPr lang="en-US" sz="1100" b="1" u="sng" dirty="0">
+              <a:latin typeface="Arial"/>
+              <a:cs typeface="Arial"/>
+            </a:endParaRPr>
+          </a:p>
+        </p:txBody>
+      </p:sp>
+      <p:sp>
+        <p:nvSpPr>
+          <p:cNvPr id="6" name="Title 1"/>
+          <p:cNvSpPr txBox="1">
+            <a:spLocks/>
+          </p:cNvSpPr>
+          <p:nvPr/>
+        </p:nvSpPr>
+        <p:spPr>
+          <a:xfrm>
+            <a:off x="457200" y="14514"/>
+            <a:ext cx="8229600" cy="1143000"/>
+          </a:xfrm>
+          <a:prstGeom prst="rect">
+            <a:avLst/>
+          </a:prstGeom>
+        </p:spPr>
+        <p:txBody>
+          <a:bodyPr vert="horz" lIns="91440" tIns="45720" rIns="91440" bIns="45720" rtlCol="0" anchor="ctr">
+            <a:normAutofit fontScale="90000" lnSpcReduction="20000"/>
+          </a:bodyPr>
+          <a:lstStyle>
+            <a:lvl1pPr algn="ctr" defTabSz="914400" rtl="0" eaLnBrk="1" latinLnBrk="0" hangingPunct="1">
+              <a:spcBef>
+                <a:spcPct val="0"/>
+              </a:spcBef>
+              <a:buNone/>
+              <a:defRPr sz="4400" kern="1200">
+                <a:solidFill>
+                  <a:schemeClr val="tx1"/>
+                </a:solidFill>
+                <a:latin typeface="+mj-lt"/>
+                <a:ea typeface="+mj-ea"/>
+                <a:cs typeface="+mj-cs"/>
+              </a:defRPr>
+            </a:lvl1pPr>
+          </a:lstStyle>
+          <a:p>
+            <a:r>
+              <a:rPr lang="en-US" dirty="0" smtClean="0"/>
+              <a:t>MSE Comparisons Between Strains in the 14 Gene, 25 Edges CIN5 Network</a:t>
+            </a:r>
+            <a:endParaRPr lang="en-US" dirty="0"/>
+          </a:p>
+        </p:txBody>
+      </p:sp>
+    </p:spTree>
+    <p:extLst>
+      <p:ext uri="{BB962C8B-B14F-4D97-AF65-F5344CB8AC3E}">
+        <p14:creationId xmlns:p14="http://schemas.microsoft.com/office/powerpoint/2010/main" val="3019459838"/>
+      </p:ext>
+    </p:extLst>
+  </p:cSld>
+  <p:clrMapOvr>
+    <a:masterClrMapping/>
+  </p:clrMapOvr>
+  <p:timing>
+    <p:tnLst>
+      <p:par>
+        <p:cTn xmlns:p14="http://schemas.microsoft.com/office/powerpoint/2010/main" id="1" dur="indefinite" restart="never" nodeType="tmRoot"/>
+      </p:par>
+    </p:tnLst>
+  </p:timing>
+</p:sld>
+</file>
+
+<file path=ppt/slides/slide6.xml><?xml version="1.0" encoding="utf-8"?>
+<p:sld xmlns:a="http://schemas.openxmlformats.org/drawingml/2006/main" xmlns:r="http://schemas.openxmlformats.org/officeDocument/2006/relationships" xmlns:p="http://schemas.openxmlformats.org/presentationml/2006/main">
+  <p:cSld>
+    <p:spTree>
+      <p:nvGrpSpPr>
+        <p:cNvPr id="1" name=""/>
+        <p:cNvGrpSpPr/>
+        <p:nvPr/>
+      </p:nvGrpSpPr>
+      <p:grpSpPr>
+        <a:xfrm>
+          <a:off x="0" y="0"/>
+          <a:ext cx="0" cy="0"/>
+          <a:chOff x="0" y="0"/>
+          <a:chExt cx="0" cy="0"/>
+        </a:xfrm>
+      </p:grpSpPr>
+      <p:graphicFrame>
+        <p:nvGraphicFramePr>
+          <p:cNvPr id="7" name="Chart 6"/>
+          <p:cNvGraphicFramePr>
+            <a:graphicFrameLocks/>
+          </p:cNvGraphicFramePr>
+          <p:nvPr>
+            <p:extLst>
+              <p:ext uri="{D42A27DB-BD31-4B8C-83A1-F6EECF244321}">
+                <p14:modId xmlns:p14="http://schemas.microsoft.com/office/powerpoint/2010/main" val="1430597239"/>
+              </p:ext>
+            </p:extLst>
+          </p:nvPr>
+        </p:nvGraphicFramePr>
+        <p:xfrm>
+          <a:off x="14136" y="1066800"/>
+          <a:ext cx="9129864" cy="5791200"/>
+        </p:xfrm>
+        <a:graphic>
+          <a:graphicData uri="http://schemas.openxmlformats.org/drawingml/2006/chart">
+            <c:chart xmlns:c="http://schemas.openxmlformats.org/drawingml/2006/chart" xmlns:r="http://schemas.openxmlformats.org/officeDocument/2006/relationships" r:id="rId2"/>
+          </a:graphicData>
+        </a:graphic>
+      </p:graphicFrame>
+      <p:sp>
+        <p:nvSpPr>
+          <p:cNvPr id="8" name="TextBox 7"/>
+          <p:cNvSpPr txBox="1"/>
+          <p:nvPr/>
+        </p:nvSpPr>
+        <p:spPr>
+          <a:xfrm>
+            <a:off x="8001000" y="3014990"/>
+            <a:ext cx="1014222" cy="261610"/>
+          </a:xfrm>
+          <a:prstGeom prst="rect">
+            <a:avLst/>
+          </a:prstGeom>
+          <a:noFill/>
+        </p:spPr>
+        <p:txBody>
+          <a:bodyPr wrap="square" rtlCol="0">
+            <a:spAutoFit/>
+          </a:bodyPr>
+          <a:lstStyle/>
+          <a:p>
+            <a:r>
+              <a:rPr lang="en-US" sz="1100" b="1" u="sng" dirty="0" smtClean="0">
+                <a:latin typeface="Arial"/>
+                <a:cs typeface="Arial"/>
+              </a:rPr>
+              <a:t>Strain:</a:t>
+            </a:r>
+            <a:endParaRPr lang="en-US" sz="1100" b="1" u="sng" dirty="0">
+              <a:latin typeface="Arial"/>
+              <a:cs typeface="Arial"/>
+            </a:endParaRPr>
+          </a:p>
+        </p:txBody>
+      </p:sp>
+      <p:sp>
+        <p:nvSpPr>
+          <p:cNvPr id="6" name="Title 1"/>
+          <p:cNvSpPr txBox="1">
+            <a:spLocks/>
+          </p:cNvSpPr>
+          <p:nvPr/>
+        </p:nvSpPr>
+        <p:spPr>
+          <a:xfrm>
+            <a:off x="533400" y="0"/>
+            <a:ext cx="8229600" cy="1143000"/>
+          </a:xfrm>
+          <a:prstGeom prst="rect">
+            <a:avLst/>
+          </a:prstGeom>
+        </p:spPr>
+        <p:txBody>
+          <a:bodyPr vert="horz" lIns="91440" tIns="45720" rIns="91440" bIns="45720" rtlCol="0" anchor="ctr">
+            <a:normAutofit fontScale="90000" lnSpcReduction="20000"/>
+          </a:bodyPr>
+          <a:lstStyle>
+            <a:lvl1pPr algn="ctr" defTabSz="914400" rtl="0" eaLnBrk="1" latinLnBrk="0" hangingPunct="1">
+              <a:spcBef>
+                <a:spcPct val="0"/>
+              </a:spcBef>
+              <a:buNone/>
+              <a:defRPr sz="4400" kern="1200">
+                <a:solidFill>
+                  <a:schemeClr val="tx1"/>
+                </a:solidFill>
+                <a:latin typeface="+mj-lt"/>
+                <a:ea typeface="+mj-ea"/>
+                <a:cs typeface="+mj-cs"/>
+              </a:defRPr>
+            </a:lvl1pPr>
+          </a:lstStyle>
+          <a:p>
+            <a:r>
+              <a:rPr lang="en-US" dirty="0" smtClean="0"/>
+              <a:t>MSE Comparisons Between Strains in the 17 Gene, 32 Edge CIN5 Network</a:t>
+            </a:r>
+            <a:endParaRPr lang="en-US" dirty="0"/>
+          </a:p>
+        </p:txBody>
+      </p:sp>
+    </p:spTree>
+    <p:extLst>
+      <p:ext uri="{BB962C8B-B14F-4D97-AF65-F5344CB8AC3E}">
+        <p14:creationId xmlns:p14="http://schemas.microsoft.com/office/powerpoint/2010/main" val="3019459838"/>
+      </p:ext>
+    </p:extLst>
+  </p:cSld>
+  <p:clrMapOvr>
+    <a:masterClrMapping/>
+  </p:clrMapOvr>
+  <p:timing>
+    <p:tnLst>
+      <p:par>
+        <p:cTn xmlns:p14="http://schemas.microsoft.com/office/powerpoint/2010/main" id="1" dur="indefinite" restart="never" nodeType="tmRoot"/>
+      </p:par>
+    </p:tnLst>
+  </p:timing>
+</p:sld>
+</file>
+
+<file path=ppt/slides/slide7.xml><?xml version="1.0" encoding="utf-8"?>
+<p:sld xmlns:a="http://schemas.openxmlformats.org/drawingml/2006/main" xmlns:r="http://schemas.openxmlformats.org/officeDocument/2006/relationships" xmlns:p="http://schemas.openxmlformats.org/presentationml/2006/main">
+  <p:cSld>
+    <p:spTree>
+      <p:nvGrpSpPr>
+        <p:cNvPr id="1" name=""/>
+        <p:cNvGrpSpPr/>
+        <p:nvPr/>
+      </p:nvGrpSpPr>
+      <p:grpSpPr>
+        <a:xfrm>
+          <a:off x="0" y="0"/>
+          <a:ext cx="0" cy="0"/>
+          <a:chOff x="0" y="0"/>
+          <a:chExt cx="0" cy="0"/>
+        </a:xfrm>
+      </p:grpSpPr>
       <p:sp>
         <p:nvSpPr>
           <p:cNvPr id="2" name="Title 1"/>
@@ -8711,7 +11250,7 @@
 </p:sld>
 </file>
 
-<file path=ppt/slides/slide6.xml><?xml version="1.0" encoding="utf-8"?>
+<file path=ppt/slides/slide8.xml><?xml version="1.0" encoding="utf-8"?>
 <p:sld xmlns:a="http://schemas.openxmlformats.org/drawingml/2006/main" xmlns:r="http://schemas.openxmlformats.org/officeDocument/2006/relationships" xmlns:p="http://schemas.openxmlformats.org/presentationml/2006/main">
   <p:cSld>
     <p:spTree>
@@ -8838,7 +11377,7 @@
 </p:sld>
 </file>
 
-<file path=ppt/slides/slide7.xml><?xml version="1.0" encoding="utf-8"?>
+<file path=ppt/slides/slide9.xml><?xml version="1.0" encoding="utf-8"?>
 <p:sld xmlns:a="http://schemas.openxmlformats.org/drawingml/2006/main" xmlns:r="http://schemas.openxmlformats.org/officeDocument/2006/relationships" xmlns:p="http://schemas.openxmlformats.org/presentationml/2006/main">
   <p:cSld>
     <p:spTree>
